--- a/infographic.pptx
+++ b/infographic.pptx
@@ -4,6 +4,9 @@
   <p:sldMasterIdLst>
     <p:sldMasterId id="2147483672" r:id="rId1"/>
   </p:sldMasterIdLst>
+  <p:notesMasterIdLst>
+    <p:notesMasterId r:id="rId3"/>
+  </p:notesMasterIdLst>
   <p:sldIdLst>
     <p:sldId id="257" r:id="rId2"/>
   </p:sldIdLst>
@@ -104,7 +107,446 @@
       </a:defRPr>
     </a:lvl9pPr>
   </p:defaultTextStyle>
+  <p:extLst>
+    <p:ext uri="{EFAFB233-063F-42B5-8137-9DF3F51BA10A}">
+      <p15:sldGuideLst xmlns:p15="http://schemas.microsoft.com/office/powerpoint/2012/main"/>
+    </p:ext>
+  </p:extLst>
 </p:presentation>
+</file>
+
+<file path=ppt/notesMasters/notesMaster1.xml><?xml version="1.0" encoding="utf-8"?>
+<p:notesMaster xmlns:a="http://schemas.openxmlformats.org/drawingml/2006/main" xmlns:r="http://schemas.openxmlformats.org/officeDocument/2006/relationships" xmlns:p="http://schemas.openxmlformats.org/presentationml/2006/main">
+  <p:cSld>
+    <p:bg>
+      <p:bgRef idx="1001">
+        <a:schemeClr val="bg1"/>
+      </p:bgRef>
+    </p:bg>
+    <p:spTree>
+      <p:nvGrpSpPr>
+        <p:cNvPr id="1" name=""/>
+        <p:cNvGrpSpPr/>
+        <p:nvPr/>
+      </p:nvGrpSpPr>
+      <p:grpSpPr>
+        <a:xfrm>
+          <a:off x="0" y="0"/>
+          <a:ext cx="0" cy="0"/>
+          <a:chOff x="0" y="0"/>
+          <a:chExt cx="0" cy="0"/>
+        </a:xfrm>
+      </p:grpSpPr>
+      <p:sp>
+        <p:nvSpPr>
+          <p:cNvPr id="2" name="Pladsholder til sidehoved 1"/>
+          <p:cNvSpPr>
+            <a:spLocks noGrp="1"/>
+          </p:cNvSpPr>
+          <p:nvPr>
+            <p:ph type="hdr" sz="quarter"/>
+          </p:nvPr>
+        </p:nvSpPr>
+        <p:spPr>
+          <a:xfrm>
+            <a:off x="0" y="0"/>
+            <a:ext cx="2971800" cy="458788"/>
+          </a:xfrm>
+          <a:prstGeom prst="rect">
+            <a:avLst/>
+          </a:prstGeom>
+        </p:spPr>
+        <p:txBody>
+          <a:bodyPr vert="horz" lIns="91440" tIns="45720" rIns="91440" bIns="45720" rtlCol="0"/>
+          <a:lstStyle>
+            <a:lvl1pPr algn="l">
+              <a:defRPr sz="1200"/>
+            </a:lvl1pPr>
+          </a:lstStyle>
+          <a:p>
+            <a:endParaRPr lang="en-GB"/>
+          </a:p>
+        </p:txBody>
+      </p:sp>
+      <p:sp>
+        <p:nvSpPr>
+          <p:cNvPr id="3" name="Pladsholder til dato 2"/>
+          <p:cNvSpPr>
+            <a:spLocks noGrp="1"/>
+          </p:cNvSpPr>
+          <p:nvPr>
+            <p:ph type="dt" idx="1"/>
+          </p:nvPr>
+        </p:nvSpPr>
+        <p:spPr>
+          <a:xfrm>
+            <a:off x="3884613" y="0"/>
+            <a:ext cx="2971800" cy="458788"/>
+          </a:xfrm>
+          <a:prstGeom prst="rect">
+            <a:avLst/>
+          </a:prstGeom>
+        </p:spPr>
+        <p:txBody>
+          <a:bodyPr vert="horz" lIns="91440" tIns="45720" rIns="91440" bIns="45720" rtlCol="0"/>
+          <a:lstStyle>
+            <a:lvl1pPr algn="r">
+              <a:defRPr sz="1200"/>
+            </a:lvl1pPr>
+          </a:lstStyle>
+          <a:p>
+            <a:fld id="{5CA1EF9C-BB33-4546-8EA1-D04AA1B85309}" type="datetimeFigureOut">
+              <a:rPr lang="en-GB" smtClean="0"/>
+              <a:t>23/10/2025</a:t>
+            </a:fld>
+            <a:endParaRPr lang="en-GB"/>
+          </a:p>
+        </p:txBody>
+      </p:sp>
+      <p:sp>
+        <p:nvSpPr>
+          <p:cNvPr id="4" name="Pladsholder til slidebillede 3"/>
+          <p:cNvSpPr>
+            <a:spLocks noGrp="1" noRot="1" noChangeAspect="1"/>
+          </p:cNvSpPr>
+          <p:nvPr>
+            <p:ph type="sldImg" idx="2"/>
+          </p:nvPr>
+        </p:nvSpPr>
+        <p:spPr>
+          <a:xfrm>
+            <a:off x="2349500" y="1143000"/>
+            <a:ext cx="2159000" cy="3086100"/>
+          </a:xfrm>
+          <a:prstGeom prst="rect">
+            <a:avLst/>
+          </a:prstGeom>
+          <a:noFill/>
+          <a:ln w="12700">
+            <a:solidFill>
+              <a:prstClr val="black"/>
+            </a:solidFill>
+          </a:ln>
+        </p:spPr>
+        <p:txBody>
+          <a:bodyPr vert="horz" lIns="91440" tIns="45720" rIns="91440" bIns="45720" rtlCol="0" anchor="ctr"/>
+          <a:lstStyle/>
+          <a:p>
+            <a:endParaRPr lang="en-GB"/>
+          </a:p>
+        </p:txBody>
+      </p:sp>
+      <p:sp>
+        <p:nvSpPr>
+          <p:cNvPr id="5" name="Pladsholder til noter 4"/>
+          <p:cNvSpPr>
+            <a:spLocks noGrp="1"/>
+          </p:cNvSpPr>
+          <p:nvPr>
+            <p:ph type="body" sz="quarter" idx="3"/>
+          </p:nvPr>
+        </p:nvSpPr>
+        <p:spPr>
+          <a:xfrm>
+            <a:off x="685800" y="4400550"/>
+            <a:ext cx="5486400" cy="3600450"/>
+          </a:xfrm>
+          <a:prstGeom prst="rect">
+            <a:avLst/>
+          </a:prstGeom>
+        </p:spPr>
+        <p:txBody>
+          <a:bodyPr vert="horz" lIns="91440" tIns="45720" rIns="91440" bIns="45720" rtlCol="0"/>
+          <a:lstStyle/>
+          <a:p>
+            <a:pPr lvl="0"/>
+            <a:r>
+              <a:rPr lang="da-DK"/>
+              <a:t>Klik for at redigere teksttypografierne i masteren</a:t>
+            </a:r>
+          </a:p>
+          <a:p>
+            <a:pPr lvl="1"/>
+            <a:r>
+              <a:rPr lang="da-DK"/>
+              <a:t>Andet niveau</a:t>
+            </a:r>
+          </a:p>
+          <a:p>
+            <a:pPr lvl="2"/>
+            <a:r>
+              <a:rPr lang="da-DK"/>
+              <a:t>Tredje niveau</a:t>
+            </a:r>
+          </a:p>
+          <a:p>
+            <a:pPr lvl="3"/>
+            <a:r>
+              <a:rPr lang="da-DK"/>
+              <a:t>Fjerde niveau</a:t>
+            </a:r>
+          </a:p>
+          <a:p>
+            <a:pPr lvl="4"/>
+            <a:r>
+              <a:rPr lang="da-DK"/>
+              <a:t>Femte niveau</a:t>
+            </a:r>
+            <a:endParaRPr lang="en-GB"/>
+          </a:p>
+        </p:txBody>
+      </p:sp>
+      <p:sp>
+        <p:nvSpPr>
+          <p:cNvPr id="6" name="Pladsholder til sidefod 5"/>
+          <p:cNvSpPr>
+            <a:spLocks noGrp="1"/>
+          </p:cNvSpPr>
+          <p:nvPr>
+            <p:ph type="ftr" sz="quarter" idx="4"/>
+          </p:nvPr>
+        </p:nvSpPr>
+        <p:spPr>
+          <a:xfrm>
+            <a:off x="0" y="8685213"/>
+            <a:ext cx="2971800" cy="458787"/>
+          </a:xfrm>
+          <a:prstGeom prst="rect">
+            <a:avLst/>
+          </a:prstGeom>
+        </p:spPr>
+        <p:txBody>
+          <a:bodyPr vert="horz" lIns="91440" tIns="45720" rIns="91440" bIns="45720" rtlCol="0" anchor="b"/>
+          <a:lstStyle>
+            <a:lvl1pPr algn="l">
+              <a:defRPr sz="1200"/>
+            </a:lvl1pPr>
+          </a:lstStyle>
+          <a:p>
+            <a:endParaRPr lang="en-GB"/>
+          </a:p>
+        </p:txBody>
+      </p:sp>
+      <p:sp>
+        <p:nvSpPr>
+          <p:cNvPr id="7" name="Pladsholder til slidenummer 6"/>
+          <p:cNvSpPr>
+            <a:spLocks noGrp="1"/>
+          </p:cNvSpPr>
+          <p:nvPr>
+            <p:ph type="sldNum" sz="quarter" idx="5"/>
+          </p:nvPr>
+        </p:nvSpPr>
+        <p:spPr>
+          <a:xfrm>
+            <a:off x="3884613" y="8685213"/>
+            <a:ext cx="2971800" cy="458787"/>
+          </a:xfrm>
+          <a:prstGeom prst="rect">
+            <a:avLst/>
+          </a:prstGeom>
+        </p:spPr>
+        <p:txBody>
+          <a:bodyPr vert="horz" lIns="91440" tIns="45720" rIns="91440" bIns="45720" rtlCol="0" anchor="b"/>
+          <a:lstStyle>
+            <a:lvl1pPr algn="r">
+              <a:defRPr sz="1200"/>
+            </a:lvl1pPr>
+          </a:lstStyle>
+          <a:p>
+            <a:fld id="{41FB3E13-D6D1-4FA5-A82D-82631A6ABE65}" type="slidenum">
+              <a:rPr lang="en-GB" smtClean="0"/>
+              <a:t>‹nr.›</a:t>
+            </a:fld>
+            <a:endParaRPr lang="en-GB"/>
+          </a:p>
+        </p:txBody>
+      </p:sp>
+    </p:spTree>
+    <p:extLst>
+      <p:ext uri="{BB962C8B-B14F-4D97-AF65-F5344CB8AC3E}">
+        <p14:creationId xmlns:p14="http://schemas.microsoft.com/office/powerpoint/2010/main" val="1753915339"/>
+      </p:ext>
+    </p:extLst>
+  </p:cSld>
+  <p:clrMap bg1="lt1" tx1="dk1" bg2="lt2" tx2="dk2" accent1="accent1" accent2="accent2" accent3="accent3" accent4="accent4" accent5="accent5" accent6="accent6" hlink="hlink" folHlink="folHlink"/>
+  <p:notesStyle>
+    <a:lvl1pPr marL="0" algn="l" defTabSz="914400" rtl="0" eaLnBrk="1" latinLnBrk="0" hangingPunct="1">
+      <a:defRPr sz="1200" kern="1200">
+        <a:solidFill>
+          <a:schemeClr val="tx1"/>
+        </a:solidFill>
+        <a:latin typeface="+mn-lt"/>
+        <a:ea typeface="+mn-ea"/>
+        <a:cs typeface="+mn-cs"/>
+      </a:defRPr>
+    </a:lvl1pPr>
+    <a:lvl2pPr marL="457200" algn="l" defTabSz="914400" rtl="0" eaLnBrk="1" latinLnBrk="0" hangingPunct="1">
+      <a:defRPr sz="1200" kern="1200">
+        <a:solidFill>
+          <a:schemeClr val="tx1"/>
+        </a:solidFill>
+        <a:latin typeface="+mn-lt"/>
+        <a:ea typeface="+mn-ea"/>
+        <a:cs typeface="+mn-cs"/>
+      </a:defRPr>
+    </a:lvl2pPr>
+    <a:lvl3pPr marL="914400" algn="l" defTabSz="914400" rtl="0" eaLnBrk="1" latinLnBrk="0" hangingPunct="1">
+      <a:defRPr sz="1200" kern="1200">
+        <a:solidFill>
+          <a:schemeClr val="tx1"/>
+        </a:solidFill>
+        <a:latin typeface="+mn-lt"/>
+        <a:ea typeface="+mn-ea"/>
+        <a:cs typeface="+mn-cs"/>
+      </a:defRPr>
+    </a:lvl3pPr>
+    <a:lvl4pPr marL="1371600" algn="l" defTabSz="914400" rtl="0" eaLnBrk="1" latinLnBrk="0" hangingPunct="1">
+      <a:defRPr sz="1200" kern="1200">
+        <a:solidFill>
+          <a:schemeClr val="tx1"/>
+        </a:solidFill>
+        <a:latin typeface="+mn-lt"/>
+        <a:ea typeface="+mn-ea"/>
+        <a:cs typeface="+mn-cs"/>
+      </a:defRPr>
+    </a:lvl4pPr>
+    <a:lvl5pPr marL="1828800" algn="l" defTabSz="914400" rtl="0" eaLnBrk="1" latinLnBrk="0" hangingPunct="1">
+      <a:defRPr sz="1200" kern="1200">
+        <a:solidFill>
+          <a:schemeClr val="tx1"/>
+        </a:solidFill>
+        <a:latin typeface="+mn-lt"/>
+        <a:ea typeface="+mn-ea"/>
+        <a:cs typeface="+mn-cs"/>
+      </a:defRPr>
+    </a:lvl5pPr>
+    <a:lvl6pPr marL="2286000" algn="l" defTabSz="914400" rtl="0" eaLnBrk="1" latinLnBrk="0" hangingPunct="1">
+      <a:defRPr sz="1200" kern="1200">
+        <a:solidFill>
+          <a:schemeClr val="tx1"/>
+        </a:solidFill>
+        <a:latin typeface="+mn-lt"/>
+        <a:ea typeface="+mn-ea"/>
+        <a:cs typeface="+mn-cs"/>
+      </a:defRPr>
+    </a:lvl6pPr>
+    <a:lvl7pPr marL="2743200" algn="l" defTabSz="914400" rtl="0" eaLnBrk="1" latinLnBrk="0" hangingPunct="1">
+      <a:defRPr sz="1200" kern="1200">
+        <a:solidFill>
+          <a:schemeClr val="tx1"/>
+        </a:solidFill>
+        <a:latin typeface="+mn-lt"/>
+        <a:ea typeface="+mn-ea"/>
+        <a:cs typeface="+mn-cs"/>
+      </a:defRPr>
+    </a:lvl7pPr>
+    <a:lvl8pPr marL="3200400" algn="l" defTabSz="914400" rtl="0" eaLnBrk="1" latinLnBrk="0" hangingPunct="1">
+      <a:defRPr sz="1200" kern="1200">
+        <a:solidFill>
+          <a:schemeClr val="tx1"/>
+        </a:solidFill>
+        <a:latin typeface="+mn-lt"/>
+        <a:ea typeface="+mn-ea"/>
+        <a:cs typeface="+mn-cs"/>
+      </a:defRPr>
+    </a:lvl8pPr>
+    <a:lvl9pPr marL="3657600" algn="l" defTabSz="914400" rtl="0" eaLnBrk="1" latinLnBrk="0" hangingPunct="1">
+      <a:defRPr sz="1200" kern="1200">
+        <a:solidFill>
+          <a:schemeClr val="tx1"/>
+        </a:solidFill>
+        <a:latin typeface="+mn-lt"/>
+        <a:ea typeface="+mn-ea"/>
+        <a:cs typeface="+mn-cs"/>
+      </a:defRPr>
+    </a:lvl9pPr>
+  </p:notesStyle>
+</p:notesMaster>
+</file>
+
+<file path=ppt/notesSlides/notesSlide1.xml><?xml version="1.0" encoding="utf-8"?>
+<p:notes xmlns:a="http://schemas.openxmlformats.org/drawingml/2006/main" xmlns:r="http://schemas.openxmlformats.org/officeDocument/2006/relationships" xmlns:p="http://schemas.openxmlformats.org/presentationml/2006/main">
+  <p:cSld>
+    <p:spTree>
+      <p:nvGrpSpPr>
+        <p:cNvPr id="1" name=""/>
+        <p:cNvGrpSpPr/>
+        <p:nvPr/>
+      </p:nvGrpSpPr>
+      <p:grpSpPr>
+        <a:xfrm>
+          <a:off x="0" y="0"/>
+          <a:ext cx="0" cy="0"/>
+          <a:chOff x="0" y="0"/>
+          <a:chExt cx="0" cy="0"/>
+        </a:xfrm>
+      </p:grpSpPr>
+      <p:sp>
+        <p:nvSpPr>
+          <p:cNvPr id="2" name="Pladsholder til slidebillede 1"/>
+          <p:cNvSpPr>
+            <a:spLocks noGrp="1" noRot="1" noChangeAspect="1"/>
+          </p:cNvSpPr>
+          <p:nvPr>
+            <p:ph type="sldImg"/>
+          </p:nvPr>
+        </p:nvSpPr>
+        <p:spPr/>
+      </p:sp>
+      <p:sp>
+        <p:nvSpPr>
+          <p:cNvPr id="3" name="Pladsholder til noter 2"/>
+          <p:cNvSpPr>
+            <a:spLocks noGrp="1"/>
+          </p:cNvSpPr>
+          <p:nvPr>
+            <p:ph type="body" idx="1"/>
+          </p:nvPr>
+        </p:nvSpPr>
+        <p:spPr/>
+        <p:txBody>
+          <a:bodyPr/>
+          <a:lstStyle/>
+          <a:p>
+            <a:endParaRPr lang="en-GB" dirty="0"/>
+          </a:p>
+        </p:txBody>
+      </p:sp>
+      <p:sp>
+        <p:nvSpPr>
+          <p:cNvPr id="4" name="Pladsholder til slidenummer 3"/>
+          <p:cNvSpPr>
+            <a:spLocks noGrp="1"/>
+          </p:cNvSpPr>
+          <p:nvPr>
+            <p:ph type="sldNum" sz="quarter" idx="5"/>
+          </p:nvPr>
+        </p:nvSpPr>
+        <p:spPr/>
+        <p:txBody>
+          <a:bodyPr/>
+          <a:lstStyle/>
+          <a:p>
+            <a:fld id="{41FB3E13-D6D1-4FA5-A82D-82631A6ABE65}" type="slidenum">
+              <a:rPr lang="en-GB" smtClean="0"/>
+              <a:t>1</a:t>
+            </a:fld>
+            <a:endParaRPr lang="en-GB"/>
+          </a:p>
+        </p:txBody>
+      </p:sp>
+    </p:spTree>
+    <p:extLst>
+      <p:ext uri="{BB962C8B-B14F-4D97-AF65-F5344CB8AC3E}">
+        <p14:creationId xmlns:p14="http://schemas.microsoft.com/office/powerpoint/2010/main" val="2089552708"/>
+      </p:ext>
+    </p:extLst>
+  </p:cSld>
+  <p:clrMapOvr>
+    <a:masterClrMapping/>
+  </p:clrMapOvr>
+</p:notes>
 </file>
 
 <file path=ppt/slideLayouts/slideLayout1.xml><?xml version="1.0" encoding="utf-8"?>
@@ -238,7 +680,7 @@
           <a:p>
             <a:fld id="{A29D824B-A6D6-4B80-9712-3EA9580464B9}" type="datetimeFigureOut">
               <a:rPr lang="en-GB" smtClean="0"/>
-              <a:t>22/10/2025</a:t>
+              <a:t>23/10/2025</a:t>
             </a:fld>
             <a:endParaRPr lang="en-GB"/>
           </a:p>
@@ -408,7 +850,7 @@
           <a:p>
             <a:fld id="{A29D824B-A6D6-4B80-9712-3EA9580464B9}" type="datetimeFigureOut">
               <a:rPr lang="en-GB" smtClean="0"/>
-              <a:t>22/10/2025</a:t>
+              <a:t>23/10/2025</a:t>
             </a:fld>
             <a:endParaRPr lang="en-GB"/>
           </a:p>
@@ -588,7 +1030,7 @@
           <a:p>
             <a:fld id="{A29D824B-A6D6-4B80-9712-3EA9580464B9}" type="datetimeFigureOut">
               <a:rPr lang="en-GB" smtClean="0"/>
-              <a:t>22/10/2025</a:t>
+              <a:t>23/10/2025</a:t>
             </a:fld>
             <a:endParaRPr lang="en-GB"/>
           </a:p>
@@ -758,7 +1200,7 @@
           <a:p>
             <a:fld id="{A29D824B-A6D6-4B80-9712-3EA9580464B9}" type="datetimeFigureOut">
               <a:rPr lang="en-GB" smtClean="0"/>
-              <a:t>22/10/2025</a:t>
+              <a:t>23/10/2025</a:t>
             </a:fld>
             <a:endParaRPr lang="en-GB"/>
           </a:p>
@@ -1004,7 +1446,7 @@
           <a:p>
             <a:fld id="{A29D824B-A6D6-4B80-9712-3EA9580464B9}" type="datetimeFigureOut">
               <a:rPr lang="en-GB" smtClean="0"/>
-              <a:t>22/10/2025</a:t>
+              <a:t>23/10/2025</a:t>
             </a:fld>
             <a:endParaRPr lang="en-GB"/>
           </a:p>
@@ -1236,7 +1678,7 @@
           <a:p>
             <a:fld id="{A29D824B-A6D6-4B80-9712-3EA9580464B9}" type="datetimeFigureOut">
               <a:rPr lang="en-GB" smtClean="0"/>
-              <a:t>22/10/2025</a:t>
+              <a:t>23/10/2025</a:t>
             </a:fld>
             <a:endParaRPr lang="en-GB"/>
           </a:p>
@@ -1603,7 +2045,7 @@
           <a:p>
             <a:fld id="{A29D824B-A6D6-4B80-9712-3EA9580464B9}" type="datetimeFigureOut">
               <a:rPr lang="en-GB" smtClean="0"/>
-              <a:t>22/10/2025</a:t>
+              <a:t>23/10/2025</a:t>
             </a:fld>
             <a:endParaRPr lang="en-GB"/>
           </a:p>
@@ -1721,7 +2163,7 @@
           <a:p>
             <a:fld id="{A29D824B-A6D6-4B80-9712-3EA9580464B9}" type="datetimeFigureOut">
               <a:rPr lang="en-GB" smtClean="0"/>
-              <a:t>22/10/2025</a:t>
+              <a:t>23/10/2025</a:t>
             </a:fld>
             <a:endParaRPr lang="en-GB"/>
           </a:p>
@@ -1816,7 +2258,7 @@
           <a:p>
             <a:fld id="{A29D824B-A6D6-4B80-9712-3EA9580464B9}" type="datetimeFigureOut">
               <a:rPr lang="en-GB" smtClean="0"/>
-              <a:t>22/10/2025</a:t>
+              <a:t>23/10/2025</a:t>
             </a:fld>
             <a:endParaRPr lang="en-GB"/>
           </a:p>
@@ -2093,7 +2535,7 @@
           <a:p>
             <a:fld id="{A29D824B-A6D6-4B80-9712-3EA9580464B9}" type="datetimeFigureOut">
               <a:rPr lang="en-GB" smtClean="0"/>
-              <a:t>22/10/2025</a:t>
+              <a:t>23/10/2025</a:t>
             </a:fld>
             <a:endParaRPr lang="en-GB"/>
           </a:p>
@@ -2350,7 +2792,7 @@
           <a:p>
             <a:fld id="{A29D824B-A6D6-4B80-9712-3EA9580464B9}" type="datetimeFigureOut">
               <a:rPr lang="en-GB" smtClean="0"/>
-              <a:t>22/10/2025</a:t>
+              <a:t>23/10/2025</a:t>
             </a:fld>
             <a:endParaRPr lang="en-GB"/>
           </a:p>
@@ -2563,7 +3005,7 @@
           <a:p>
             <a:fld id="{A29D824B-A6D6-4B80-9712-3EA9580464B9}" type="datetimeFigureOut">
               <a:rPr lang="en-GB" smtClean="0"/>
-              <a:t>22/10/2025</a:t>
+              <a:t>23/10/2025</a:t>
             </a:fld>
             <a:endParaRPr lang="en-GB"/>
           </a:p>
@@ -2957,8 +3399,8 @@
     <p:bg>
       <p:bgPr>
         <a:blipFill dpi="0" rotWithShape="1">
-          <a:blip r:embed="rId2">
-            <a:alphaModFix amt="25000"/>
+          <a:blip r:embed="rId3">
+            <a:alphaModFix amt="17000"/>
             <a:lum/>
           </a:blip>
           <a:srcRect/>
@@ -2987,6 +3429,101 @@
           <a:chExt cx="0" cy="0"/>
         </a:xfrm>
       </p:grpSpPr>
+      <p:sp>
+        <p:nvSpPr>
+          <p:cNvPr id="2223" name="Rektangel 2222">
+            <a:extLst>
+              <a:ext uri="{FF2B5EF4-FFF2-40B4-BE49-F238E27FC236}">
+                <a16:creationId xmlns:a16="http://schemas.microsoft.com/office/drawing/2014/main" id="{858B18A6-2257-95C5-3E6A-43DA5EECF3B0}"/>
+              </a:ext>
+            </a:extLst>
+          </p:cNvPr>
+          <p:cNvSpPr/>
+          <p:nvPr/>
+        </p:nvSpPr>
+        <p:spPr>
+          <a:xfrm>
+            <a:off x="390246" y="5629204"/>
+            <a:ext cx="206933" cy="45719"/>
+          </a:xfrm>
+          <a:prstGeom prst="rect">
+            <a:avLst/>
+          </a:prstGeom>
+          <a:noFill/>
+          <a:ln>
+            <a:noFill/>
+          </a:ln>
+        </p:spPr>
+        <p:style>
+          <a:lnRef idx="2">
+            <a:schemeClr val="accent1">
+              <a:shade val="15000"/>
+            </a:schemeClr>
+          </a:lnRef>
+          <a:fillRef idx="1">
+            <a:schemeClr val="accent1"/>
+          </a:fillRef>
+          <a:effectRef idx="0">
+            <a:schemeClr val="accent1"/>
+          </a:effectRef>
+          <a:fontRef idx="minor">
+            <a:schemeClr val="lt1"/>
+          </a:fontRef>
+        </p:style>
+        <p:txBody>
+          <a:bodyPr rtlCol="0" anchor="ctr"/>
+          <a:lstStyle/>
+          <a:p>
+            <a:pPr algn="ctr"/>
+            <a:endParaRPr lang="en-GB"/>
+          </a:p>
+        </p:txBody>
+      </p:sp>
+      <p:cxnSp>
+        <p:nvCxnSpPr>
+          <p:cNvPr id="2174" name="Lige forbindelse 2173">
+            <a:extLst>
+              <a:ext uri="{FF2B5EF4-FFF2-40B4-BE49-F238E27FC236}">
+                <a16:creationId xmlns:a16="http://schemas.microsoft.com/office/drawing/2014/main" id="{A72F5FF8-1798-874F-85CC-CDCAB991159B}"/>
+              </a:ext>
+            </a:extLst>
+          </p:cNvPr>
+          <p:cNvCxnSpPr>
+            <a:cxnSpLocks/>
+          </p:cNvCxnSpPr>
+          <p:nvPr/>
+        </p:nvCxnSpPr>
+        <p:spPr>
+          <a:xfrm>
+            <a:off x="488950" y="5477601"/>
+            <a:ext cx="4673600" cy="0"/>
+          </a:xfrm>
+          <a:prstGeom prst="line">
+            <a:avLst/>
+          </a:prstGeom>
+          <a:ln>
+            <a:solidFill>
+              <a:schemeClr val="accent2">
+                <a:lumMod val="50000"/>
+              </a:schemeClr>
+            </a:solidFill>
+          </a:ln>
+        </p:spPr>
+        <p:style>
+          <a:lnRef idx="2">
+            <a:schemeClr val="accent1"/>
+          </a:lnRef>
+          <a:fillRef idx="0">
+            <a:schemeClr val="accent1"/>
+          </a:fillRef>
+          <a:effectRef idx="1">
+            <a:schemeClr val="accent1"/>
+          </a:effectRef>
+          <a:fontRef idx="minor">
+            <a:schemeClr val="tx1"/>
+          </a:fontRef>
+        </p:style>
+      </p:cxnSp>
       <p:sp>
         <p:nvSpPr>
           <p:cNvPr id="5" name="Kombinationstegning: figur 4">
@@ -3174,390 +3711,6 @@
           </a:p>
         </p:txBody>
       </p:sp>
-      <p:sp>
-        <p:nvSpPr>
-          <p:cNvPr id="17" name="Rektangel 16">
-            <a:extLst>
-              <a:ext uri="{FF2B5EF4-FFF2-40B4-BE49-F238E27FC236}">
-                <a16:creationId xmlns:a16="http://schemas.microsoft.com/office/drawing/2014/main" id="{DDD3D681-7946-CA29-0974-C4370BDE1ED9}"/>
-              </a:ext>
-            </a:extLst>
-          </p:cNvPr>
-          <p:cNvSpPr/>
-          <p:nvPr/>
-        </p:nvSpPr>
-        <p:spPr>
-          <a:xfrm>
-            <a:off x="5135958" y="5124637"/>
-            <a:ext cx="1933575" cy="1009650"/>
-          </a:xfrm>
-          <a:prstGeom prst="rect">
-            <a:avLst/>
-          </a:prstGeom>
-        </p:spPr>
-        <p:style>
-          <a:lnRef idx="2">
-            <a:schemeClr val="accent1">
-              <a:shade val="15000"/>
-            </a:schemeClr>
-          </a:lnRef>
-          <a:fillRef idx="1">
-            <a:schemeClr val="accent1"/>
-          </a:fillRef>
-          <a:effectRef idx="0">
-            <a:schemeClr val="accent1"/>
-          </a:effectRef>
-          <a:fontRef idx="minor">
-            <a:schemeClr val="lt1"/>
-          </a:fontRef>
-        </p:style>
-        <p:txBody>
-          <a:bodyPr rtlCol="0" anchor="ctr"/>
-          <a:lstStyle/>
-          <a:p>
-            <a:pPr algn="ctr"/>
-            <a:r>
-              <a:rPr lang="en-GB" dirty="0" err="1"/>
-              <a:t>Længste</a:t>
-            </a:r>
-            <a:r>
-              <a:rPr lang="en-GB" dirty="0"/>
-              <a:t> </a:t>
-            </a:r>
-            <a:r>
-              <a:rPr lang="en-GB" dirty="0" err="1"/>
-              <a:t>beboelsestid</a:t>
-            </a:r>
-            <a:endParaRPr lang="en-GB" dirty="0"/>
-          </a:p>
-        </p:txBody>
-      </p:sp>
-      <p:sp>
-        <p:nvSpPr>
-          <p:cNvPr id="19" name="Rektangel 18">
-            <a:extLst>
-              <a:ext uri="{FF2B5EF4-FFF2-40B4-BE49-F238E27FC236}">
-                <a16:creationId xmlns:a16="http://schemas.microsoft.com/office/drawing/2014/main" id="{2C873068-02D1-00A2-318E-FF46838EBB0A}"/>
-              </a:ext>
-            </a:extLst>
-          </p:cNvPr>
-          <p:cNvSpPr/>
-          <p:nvPr/>
-        </p:nvSpPr>
-        <p:spPr>
-          <a:xfrm>
-            <a:off x="5193108" y="6321988"/>
-            <a:ext cx="1933575" cy="1009650"/>
-          </a:xfrm>
-          <a:prstGeom prst="rect">
-            <a:avLst/>
-          </a:prstGeom>
-        </p:spPr>
-        <p:style>
-          <a:lnRef idx="2">
-            <a:schemeClr val="accent1">
-              <a:shade val="15000"/>
-            </a:schemeClr>
-          </a:lnRef>
-          <a:fillRef idx="1">
-            <a:schemeClr val="accent1"/>
-          </a:fillRef>
-          <a:effectRef idx="0">
-            <a:schemeClr val="accent1"/>
-          </a:effectRef>
-          <a:fontRef idx="minor">
-            <a:schemeClr val="lt1"/>
-          </a:fontRef>
-        </p:style>
-        <p:txBody>
-          <a:bodyPr rtlCol="0" anchor="ctr"/>
-          <a:lstStyle/>
-          <a:p>
-            <a:pPr algn="ctr"/>
-            <a:r>
-              <a:rPr lang="en-GB" dirty="0" err="1"/>
-              <a:t>Gennemsnits</a:t>
-            </a:r>
-            <a:r>
-              <a:rPr lang="en-GB" dirty="0"/>
-              <a:t> </a:t>
-            </a:r>
-            <a:r>
-              <a:rPr lang="en-GB" dirty="0" err="1"/>
-              <a:t>beboelsestid</a:t>
-            </a:r>
-            <a:endParaRPr lang="en-GB" dirty="0"/>
-          </a:p>
-        </p:txBody>
-      </p:sp>
-      <p:sp>
-        <p:nvSpPr>
-          <p:cNvPr id="21" name="Rektangel 20">
-            <a:extLst>
-              <a:ext uri="{FF2B5EF4-FFF2-40B4-BE49-F238E27FC236}">
-                <a16:creationId xmlns:a16="http://schemas.microsoft.com/office/drawing/2014/main" id="{65AB5181-92F9-0A78-2768-0CCE63FB4905}"/>
-              </a:ext>
-            </a:extLst>
-          </p:cNvPr>
-          <p:cNvSpPr/>
-          <p:nvPr/>
-        </p:nvSpPr>
-        <p:spPr>
-          <a:xfrm>
-            <a:off x="6650433" y="6283888"/>
-            <a:ext cx="1933575" cy="1009650"/>
-          </a:xfrm>
-          <a:prstGeom prst="rect">
-            <a:avLst/>
-          </a:prstGeom>
-        </p:spPr>
-        <p:style>
-          <a:lnRef idx="2">
-            <a:schemeClr val="accent1">
-              <a:shade val="15000"/>
-            </a:schemeClr>
-          </a:lnRef>
-          <a:fillRef idx="1">
-            <a:schemeClr val="accent1"/>
-          </a:fillRef>
-          <a:effectRef idx="0">
-            <a:schemeClr val="accent1"/>
-          </a:effectRef>
-          <a:fontRef idx="minor">
-            <a:schemeClr val="lt1"/>
-          </a:fontRef>
-        </p:style>
-        <p:txBody>
-          <a:bodyPr rtlCol="0" anchor="ctr"/>
-          <a:lstStyle/>
-          <a:p>
-            <a:pPr algn="ctr"/>
-            <a:r>
-              <a:rPr lang="en-GB" dirty="0"/>
-              <a:t>Median </a:t>
-            </a:r>
-            <a:r>
-              <a:rPr lang="en-GB" dirty="0" err="1"/>
-              <a:t>beboelsestid</a:t>
-            </a:r>
-            <a:endParaRPr lang="en-GB" dirty="0"/>
-          </a:p>
-        </p:txBody>
-      </p:sp>
-      <p:sp>
-        <p:nvSpPr>
-          <p:cNvPr id="22" name="Rektangel 21">
-            <a:extLst>
-              <a:ext uri="{FF2B5EF4-FFF2-40B4-BE49-F238E27FC236}">
-                <a16:creationId xmlns:a16="http://schemas.microsoft.com/office/drawing/2014/main" id="{C094F0C6-4651-7912-3A3D-1C61E2CD6E02}"/>
-              </a:ext>
-            </a:extLst>
-          </p:cNvPr>
-          <p:cNvSpPr/>
-          <p:nvPr/>
-        </p:nvSpPr>
-        <p:spPr>
-          <a:xfrm>
-            <a:off x="280987" y="6045201"/>
-            <a:ext cx="4792662" cy="3716796"/>
-          </a:xfrm>
-          <a:prstGeom prst="rect">
-            <a:avLst/>
-          </a:prstGeom>
-        </p:spPr>
-        <p:style>
-          <a:lnRef idx="2">
-            <a:schemeClr val="accent1">
-              <a:shade val="15000"/>
-            </a:schemeClr>
-          </a:lnRef>
-          <a:fillRef idx="1">
-            <a:schemeClr val="accent1"/>
-          </a:fillRef>
-          <a:effectRef idx="0">
-            <a:schemeClr val="accent1"/>
-          </a:effectRef>
-          <a:fontRef idx="minor">
-            <a:schemeClr val="lt1"/>
-          </a:fontRef>
-        </p:style>
-        <p:txBody>
-          <a:bodyPr rtlCol="0" anchor="ctr"/>
-          <a:lstStyle/>
-          <a:p>
-            <a:pPr algn="ctr"/>
-            <a:r>
-              <a:rPr lang="en-GB" dirty="0"/>
-              <a:t>Graf</a:t>
-            </a:r>
-          </a:p>
-        </p:txBody>
-      </p:sp>
-      <p:sp>
-        <p:nvSpPr>
-          <p:cNvPr id="23" name="Rektangel 22">
-            <a:extLst>
-              <a:ext uri="{FF2B5EF4-FFF2-40B4-BE49-F238E27FC236}">
-                <a16:creationId xmlns:a16="http://schemas.microsoft.com/office/drawing/2014/main" id="{73AF8D5C-F467-8603-269E-421921768BAA}"/>
-              </a:ext>
-            </a:extLst>
-          </p:cNvPr>
-          <p:cNvSpPr/>
-          <p:nvPr/>
-        </p:nvSpPr>
-        <p:spPr>
-          <a:xfrm>
-            <a:off x="5152949" y="6803274"/>
-            <a:ext cx="1555749" cy="631072"/>
-          </a:xfrm>
-          <a:prstGeom prst="rect">
-            <a:avLst/>
-          </a:prstGeom>
-        </p:spPr>
-        <p:style>
-          <a:lnRef idx="2">
-            <a:schemeClr val="accent1">
-              <a:shade val="15000"/>
-            </a:schemeClr>
-          </a:lnRef>
-          <a:fillRef idx="1">
-            <a:schemeClr val="accent1"/>
-          </a:fillRef>
-          <a:effectRef idx="0">
-            <a:schemeClr val="accent1"/>
-          </a:effectRef>
-          <a:fontRef idx="minor">
-            <a:schemeClr val="lt1"/>
-          </a:fontRef>
-        </p:style>
-        <p:txBody>
-          <a:bodyPr rtlCol="0" anchor="ctr"/>
-          <a:lstStyle/>
-          <a:p>
-            <a:pPr algn="ctr"/>
-            <a:r>
-              <a:rPr lang="en-GB" dirty="0" err="1"/>
-              <a:t>Længste</a:t>
-            </a:r>
-            <a:r>
-              <a:rPr lang="en-GB" dirty="0"/>
-              <a:t> </a:t>
-            </a:r>
-            <a:r>
-              <a:rPr lang="en-GB" dirty="0" err="1"/>
-              <a:t>sti</a:t>
-            </a:r>
-            <a:endParaRPr lang="en-GB" dirty="0"/>
-          </a:p>
-        </p:txBody>
-      </p:sp>
-      <p:sp>
-        <p:nvSpPr>
-          <p:cNvPr id="24" name="Rektangel 23">
-            <a:extLst>
-              <a:ext uri="{FF2B5EF4-FFF2-40B4-BE49-F238E27FC236}">
-                <a16:creationId xmlns:a16="http://schemas.microsoft.com/office/drawing/2014/main" id="{759EFF2A-49D0-93E1-58C5-A786D8C0E716}"/>
-              </a:ext>
-            </a:extLst>
-          </p:cNvPr>
-          <p:cNvSpPr/>
-          <p:nvPr/>
-        </p:nvSpPr>
-        <p:spPr>
-          <a:xfrm>
-            <a:off x="5516562" y="8390774"/>
-            <a:ext cx="1555749" cy="631072"/>
-          </a:xfrm>
-          <a:prstGeom prst="rect">
-            <a:avLst/>
-          </a:prstGeom>
-        </p:spPr>
-        <p:style>
-          <a:lnRef idx="2">
-            <a:schemeClr val="accent1">
-              <a:shade val="15000"/>
-            </a:schemeClr>
-          </a:lnRef>
-          <a:fillRef idx="1">
-            <a:schemeClr val="accent1"/>
-          </a:fillRef>
-          <a:effectRef idx="0">
-            <a:schemeClr val="accent1"/>
-          </a:effectRef>
-          <a:fontRef idx="minor">
-            <a:schemeClr val="lt1"/>
-          </a:fontRef>
-        </p:style>
-        <p:txBody>
-          <a:bodyPr rtlCol="0" anchor="ctr"/>
-          <a:lstStyle/>
-          <a:p>
-            <a:pPr algn="ctr"/>
-            <a:r>
-              <a:rPr lang="en-GB" dirty="0" err="1"/>
-              <a:t>Gennemsnits</a:t>
-            </a:r>
-            <a:r>
-              <a:rPr lang="en-GB" dirty="0"/>
-              <a:t> </a:t>
-            </a:r>
-            <a:r>
-              <a:rPr lang="en-GB" dirty="0" err="1"/>
-              <a:t>sti</a:t>
-            </a:r>
-            <a:endParaRPr lang="en-GB" dirty="0"/>
-          </a:p>
-        </p:txBody>
-      </p:sp>
-      <p:sp>
-        <p:nvSpPr>
-          <p:cNvPr id="25" name="Rektangel 24">
-            <a:extLst>
-              <a:ext uri="{FF2B5EF4-FFF2-40B4-BE49-F238E27FC236}">
-                <a16:creationId xmlns:a16="http://schemas.microsoft.com/office/drawing/2014/main" id="{8C2E7134-97E0-C05E-515E-4FF7B24F1B83}"/>
-              </a:ext>
-            </a:extLst>
-          </p:cNvPr>
-          <p:cNvSpPr/>
-          <p:nvPr/>
-        </p:nvSpPr>
-        <p:spPr>
-          <a:xfrm>
-            <a:off x="1490662" y="10629900"/>
-            <a:ext cx="4906963" cy="1104900"/>
-          </a:xfrm>
-          <a:prstGeom prst="rect">
-            <a:avLst/>
-          </a:prstGeom>
-        </p:spPr>
-        <p:style>
-          <a:lnRef idx="2">
-            <a:schemeClr val="accent1">
-              <a:shade val="15000"/>
-            </a:schemeClr>
-          </a:lnRef>
-          <a:fillRef idx="1">
-            <a:schemeClr val="accent1"/>
-          </a:fillRef>
-          <a:effectRef idx="0">
-            <a:schemeClr val="accent1"/>
-          </a:effectRef>
-          <a:fontRef idx="minor">
-            <a:schemeClr val="lt1"/>
-          </a:fontRef>
-        </p:style>
-        <p:txBody>
-          <a:bodyPr rtlCol="0" anchor="ctr"/>
-          <a:lstStyle/>
-          <a:p>
-            <a:pPr algn="ctr"/>
-            <a:r>
-              <a:rPr lang="en-GB" dirty="0"/>
-              <a:t>Box plot</a:t>
-            </a:r>
-          </a:p>
-        </p:txBody>
-      </p:sp>
       <p:grpSp>
         <p:nvGrpSpPr>
           <p:cNvPr id="55" name="Gruppe 54">
@@ -3572,7 +3725,7 @@
         </p:nvGrpSpPr>
         <p:grpSpPr>
           <a:xfrm>
-            <a:off x="364139" y="677777"/>
+            <a:off x="364139" y="762717"/>
             <a:ext cx="6831394" cy="252000"/>
             <a:chOff x="111917" y="749432"/>
             <a:chExt cx="6831394" cy="252000"/>
@@ -3593,10 +3746,10 @@
             <p:nvPr/>
           </p:nvPicPr>
           <p:blipFill>
-            <a:blip r:embed="rId3">
+            <a:blip r:embed="rId4">
               <a:extLst>
                 <a:ext uri="{96DAC541-7B7A-43D3-8B79-37D633B846F1}">
-                  <asvg:svgBlip xmlns:asvg="http://schemas.microsoft.com/office/drawing/2016/SVG/main" r:embed="rId4"/>
+                  <asvg:svgBlip xmlns:asvg="http://schemas.microsoft.com/office/drawing/2016/SVG/main" r:embed="rId5"/>
                 </a:ext>
               </a:extLst>
             </a:blip>
@@ -3629,10 +3782,10 @@
             <p:nvPr/>
           </p:nvPicPr>
           <p:blipFill>
-            <a:blip r:embed="rId3">
+            <a:blip r:embed="rId4">
               <a:extLst>
                 <a:ext uri="{96DAC541-7B7A-43D3-8B79-37D633B846F1}">
-                  <asvg:svgBlip xmlns:asvg="http://schemas.microsoft.com/office/drawing/2016/SVG/main" r:embed="rId4"/>
+                  <asvg:svgBlip xmlns:asvg="http://schemas.microsoft.com/office/drawing/2016/SVG/main" r:embed="rId5"/>
                 </a:ext>
               </a:extLst>
             </a:blip>
@@ -3665,10 +3818,10 @@
             <p:nvPr/>
           </p:nvPicPr>
           <p:blipFill>
-            <a:blip r:embed="rId3">
+            <a:blip r:embed="rId4">
               <a:extLst>
                 <a:ext uri="{96DAC541-7B7A-43D3-8B79-37D633B846F1}">
-                  <asvg:svgBlip xmlns:asvg="http://schemas.microsoft.com/office/drawing/2016/SVG/main" r:embed="rId4"/>
+                  <asvg:svgBlip xmlns:asvg="http://schemas.microsoft.com/office/drawing/2016/SVG/main" r:embed="rId5"/>
                 </a:ext>
               </a:extLst>
             </a:blip>
@@ -3701,10 +3854,10 @@
             <p:nvPr/>
           </p:nvPicPr>
           <p:blipFill>
-            <a:blip r:embed="rId3">
+            <a:blip r:embed="rId4">
               <a:extLst>
                 <a:ext uri="{96DAC541-7B7A-43D3-8B79-37D633B846F1}">
-                  <asvg:svgBlip xmlns:asvg="http://schemas.microsoft.com/office/drawing/2016/SVG/main" r:embed="rId4"/>
+                  <asvg:svgBlip xmlns:asvg="http://schemas.microsoft.com/office/drawing/2016/SVG/main" r:embed="rId5"/>
                 </a:ext>
               </a:extLst>
             </a:blip>
@@ -3737,10 +3890,10 @@
             <p:nvPr/>
           </p:nvPicPr>
           <p:blipFill>
-            <a:blip r:embed="rId3">
+            <a:blip r:embed="rId4">
               <a:extLst>
                 <a:ext uri="{96DAC541-7B7A-43D3-8B79-37D633B846F1}">
-                  <asvg:svgBlip xmlns:asvg="http://schemas.microsoft.com/office/drawing/2016/SVG/main" r:embed="rId4"/>
+                  <asvg:svgBlip xmlns:asvg="http://schemas.microsoft.com/office/drawing/2016/SVG/main" r:embed="rId5"/>
                 </a:ext>
               </a:extLst>
             </a:blip>
@@ -3773,10 +3926,10 @@
             <p:nvPr/>
           </p:nvPicPr>
           <p:blipFill>
-            <a:blip r:embed="rId3">
+            <a:blip r:embed="rId4">
               <a:extLst>
                 <a:ext uri="{96DAC541-7B7A-43D3-8B79-37D633B846F1}">
-                  <asvg:svgBlip xmlns:asvg="http://schemas.microsoft.com/office/drawing/2016/SVG/main" r:embed="rId4"/>
+                  <asvg:svgBlip xmlns:asvg="http://schemas.microsoft.com/office/drawing/2016/SVG/main" r:embed="rId5"/>
                 </a:ext>
               </a:extLst>
             </a:blip>
@@ -3809,10 +3962,10 @@
             <p:nvPr/>
           </p:nvPicPr>
           <p:blipFill>
-            <a:blip r:embed="rId3">
+            <a:blip r:embed="rId4">
               <a:extLst>
                 <a:ext uri="{96DAC541-7B7A-43D3-8B79-37D633B846F1}">
-                  <asvg:svgBlip xmlns:asvg="http://schemas.microsoft.com/office/drawing/2016/SVG/main" r:embed="rId4"/>
+                  <asvg:svgBlip xmlns:asvg="http://schemas.microsoft.com/office/drawing/2016/SVG/main" r:embed="rId5"/>
                 </a:ext>
               </a:extLst>
             </a:blip>
@@ -3845,10 +3998,10 @@
             <p:nvPr/>
           </p:nvPicPr>
           <p:blipFill>
-            <a:blip r:embed="rId3">
+            <a:blip r:embed="rId4">
               <a:extLst>
                 <a:ext uri="{96DAC541-7B7A-43D3-8B79-37D633B846F1}">
-                  <asvg:svgBlip xmlns:asvg="http://schemas.microsoft.com/office/drawing/2016/SVG/main" r:embed="rId4"/>
+                  <asvg:svgBlip xmlns:asvg="http://schemas.microsoft.com/office/drawing/2016/SVG/main" r:embed="rId5"/>
                 </a:ext>
               </a:extLst>
             </a:blip>
@@ -3881,10 +4034,10 @@
             <p:nvPr/>
           </p:nvPicPr>
           <p:blipFill>
-            <a:blip r:embed="rId3">
+            <a:blip r:embed="rId4">
               <a:extLst>
                 <a:ext uri="{96DAC541-7B7A-43D3-8B79-37D633B846F1}">
-                  <asvg:svgBlip xmlns:asvg="http://schemas.microsoft.com/office/drawing/2016/SVG/main" r:embed="rId4"/>
+                  <asvg:svgBlip xmlns:asvg="http://schemas.microsoft.com/office/drawing/2016/SVG/main" r:embed="rId5"/>
                 </a:ext>
               </a:extLst>
             </a:blip>
@@ -3917,10 +4070,10 @@
             <p:nvPr/>
           </p:nvPicPr>
           <p:blipFill>
-            <a:blip r:embed="rId3">
+            <a:blip r:embed="rId4">
               <a:extLst>
                 <a:ext uri="{96DAC541-7B7A-43D3-8B79-37D633B846F1}">
-                  <asvg:svgBlip xmlns:asvg="http://schemas.microsoft.com/office/drawing/2016/SVG/main" r:embed="rId4"/>
+                  <asvg:svgBlip xmlns:asvg="http://schemas.microsoft.com/office/drawing/2016/SVG/main" r:embed="rId5"/>
                 </a:ext>
               </a:extLst>
             </a:blip>
@@ -3953,10 +4106,10 @@
             <p:nvPr/>
           </p:nvPicPr>
           <p:blipFill>
-            <a:blip r:embed="rId3">
+            <a:blip r:embed="rId4">
               <a:extLst>
                 <a:ext uri="{96DAC541-7B7A-43D3-8B79-37D633B846F1}">
-                  <asvg:svgBlip xmlns:asvg="http://schemas.microsoft.com/office/drawing/2016/SVG/main" r:embed="rId4"/>
+                  <asvg:svgBlip xmlns:asvg="http://schemas.microsoft.com/office/drawing/2016/SVG/main" r:embed="rId5"/>
                 </a:ext>
               </a:extLst>
             </a:blip>
@@ -3989,10 +4142,10 @@
             <p:nvPr/>
           </p:nvPicPr>
           <p:blipFill>
-            <a:blip r:embed="rId3">
+            <a:blip r:embed="rId4">
               <a:extLst>
                 <a:ext uri="{96DAC541-7B7A-43D3-8B79-37D633B846F1}">
-                  <asvg:svgBlip xmlns:asvg="http://schemas.microsoft.com/office/drawing/2016/SVG/main" r:embed="rId4"/>
+                  <asvg:svgBlip xmlns:asvg="http://schemas.microsoft.com/office/drawing/2016/SVG/main" r:embed="rId5"/>
                 </a:ext>
               </a:extLst>
             </a:blip>
@@ -4025,10 +4178,10 @@
             <p:nvPr/>
           </p:nvPicPr>
           <p:blipFill>
-            <a:blip r:embed="rId3">
+            <a:blip r:embed="rId4">
               <a:extLst>
                 <a:ext uri="{96DAC541-7B7A-43D3-8B79-37D633B846F1}">
-                  <asvg:svgBlip xmlns:asvg="http://schemas.microsoft.com/office/drawing/2016/SVG/main" r:embed="rId4"/>
+                  <asvg:svgBlip xmlns:asvg="http://schemas.microsoft.com/office/drawing/2016/SVG/main" r:embed="rId5"/>
                 </a:ext>
               </a:extLst>
             </a:blip>
@@ -4061,10 +4214,10 @@
             <p:nvPr/>
           </p:nvPicPr>
           <p:blipFill>
-            <a:blip r:embed="rId3">
+            <a:blip r:embed="rId4">
               <a:extLst>
                 <a:ext uri="{96DAC541-7B7A-43D3-8B79-37D633B846F1}">
-                  <asvg:svgBlip xmlns:asvg="http://schemas.microsoft.com/office/drawing/2016/SVG/main" r:embed="rId4"/>
+                  <asvg:svgBlip xmlns:asvg="http://schemas.microsoft.com/office/drawing/2016/SVG/main" r:embed="rId5"/>
                 </a:ext>
               </a:extLst>
             </a:blip>
@@ -4097,10 +4250,10 @@
             <p:nvPr/>
           </p:nvPicPr>
           <p:blipFill>
-            <a:blip r:embed="rId3">
+            <a:blip r:embed="rId4">
               <a:extLst>
                 <a:ext uri="{96DAC541-7B7A-43D3-8B79-37D633B846F1}">
-                  <asvg:svgBlip xmlns:asvg="http://schemas.microsoft.com/office/drawing/2016/SVG/main" r:embed="rId4"/>
+                  <asvg:svgBlip xmlns:asvg="http://schemas.microsoft.com/office/drawing/2016/SVG/main" r:embed="rId5"/>
                 </a:ext>
               </a:extLst>
             </a:blip>
@@ -4133,10 +4286,10 @@
             <p:nvPr/>
           </p:nvPicPr>
           <p:blipFill>
-            <a:blip r:embed="rId3">
+            <a:blip r:embed="rId4">
               <a:extLst>
                 <a:ext uri="{96DAC541-7B7A-43D3-8B79-37D633B846F1}">
-                  <asvg:svgBlip xmlns:asvg="http://schemas.microsoft.com/office/drawing/2016/SVG/main" r:embed="rId4"/>
+                  <asvg:svgBlip xmlns:asvg="http://schemas.microsoft.com/office/drawing/2016/SVG/main" r:embed="rId5"/>
                 </a:ext>
               </a:extLst>
             </a:blip>
@@ -4169,10 +4322,10 @@
             <p:nvPr/>
           </p:nvPicPr>
           <p:blipFill>
-            <a:blip r:embed="rId3">
+            <a:blip r:embed="rId4">
               <a:extLst>
                 <a:ext uri="{96DAC541-7B7A-43D3-8B79-37D633B846F1}">
-                  <asvg:svgBlip xmlns:asvg="http://schemas.microsoft.com/office/drawing/2016/SVG/main" r:embed="rId4"/>
+                  <asvg:svgBlip xmlns:asvg="http://schemas.microsoft.com/office/drawing/2016/SVG/main" r:embed="rId5"/>
                 </a:ext>
               </a:extLst>
             </a:blip>
@@ -4205,10 +4358,10 @@
             <p:nvPr/>
           </p:nvPicPr>
           <p:blipFill>
-            <a:blip r:embed="rId3">
+            <a:blip r:embed="rId4">
               <a:extLst>
                 <a:ext uri="{96DAC541-7B7A-43D3-8B79-37D633B846F1}">
-                  <asvg:svgBlip xmlns:asvg="http://schemas.microsoft.com/office/drawing/2016/SVG/main" r:embed="rId4"/>
+                  <asvg:svgBlip xmlns:asvg="http://schemas.microsoft.com/office/drawing/2016/SVG/main" r:embed="rId5"/>
                 </a:ext>
               </a:extLst>
             </a:blip>
@@ -4241,10 +4394,10 @@
             <p:nvPr/>
           </p:nvPicPr>
           <p:blipFill>
-            <a:blip r:embed="rId3">
+            <a:blip r:embed="rId4">
               <a:extLst>
                 <a:ext uri="{96DAC541-7B7A-43D3-8B79-37D633B846F1}">
-                  <asvg:svgBlip xmlns:asvg="http://schemas.microsoft.com/office/drawing/2016/SVG/main" r:embed="rId4"/>
+                  <asvg:svgBlip xmlns:asvg="http://schemas.microsoft.com/office/drawing/2016/SVG/main" r:embed="rId5"/>
                 </a:ext>
               </a:extLst>
             </a:blip>
@@ -4277,10 +4430,10 @@
             <p:nvPr/>
           </p:nvPicPr>
           <p:blipFill>
-            <a:blip r:embed="rId3">
+            <a:blip r:embed="rId4">
               <a:extLst>
                 <a:ext uri="{96DAC541-7B7A-43D3-8B79-37D633B846F1}">
-                  <asvg:svgBlip xmlns:asvg="http://schemas.microsoft.com/office/drawing/2016/SVG/main" r:embed="rId4"/>
+                  <asvg:svgBlip xmlns:asvg="http://schemas.microsoft.com/office/drawing/2016/SVG/main" r:embed="rId5"/>
                 </a:ext>
               </a:extLst>
             </a:blip>
@@ -4313,10 +4466,10 @@
             <p:nvPr/>
           </p:nvPicPr>
           <p:blipFill>
-            <a:blip r:embed="rId3">
+            <a:blip r:embed="rId4">
               <a:extLst>
                 <a:ext uri="{96DAC541-7B7A-43D3-8B79-37D633B846F1}">
-                  <asvg:svgBlip xmlns:asvg="http://schemas.microsoft.com/office/drawing/2016/SVG/main" r:embed="rId4"/>
+                  <asvg:svgBlip xmlns:asvg="http://schemas.microsoft.com/office/drawing/2016/SVG/main" r:embed="rId5"/>
                 </a:ext>
               </a:extLst>
             </a:blip>
@@ -4349,10 +4502,10 @@
             <p:nvPr/>
           </p:nvPicPr>
           <p:blipFill>
-            <a:blip r:embed="rId3">
+            <a:blip r:embed="rId4">
               <a:extLst>
                 <a:ext uri="{96DAC541-7B7A-43D3-8B79-37D633B846F1}">
-                  <asvg:svgBlip xmlns:asvg="http://schemas.microsoft.com/office/drawing/2016/SVG/main" r:embed="rId4"/>
+                  <asvg:svgBlip xmlns:asvg="http://schemas.microsoft.com/office/drawing/2016/SVG/main" r:embed="rId5"/>
                 </a:ext>
               </a:extLst>
             </a:blip>
@@ -4385,10 +4538,10 @@
             <p:nvPr/>
           </p:nvPicPr>
           <p:blipFill>
-            <a:blip r:embed="rId3">
+            <a:blip r:embed="rId4">
               <a:extLst>
                 <a:ext uri="{96DAC541-7B7A-43D3-8B79-37D633B846F1}">
-                  <asvg:svgBlip xmlns:asvg="http://schemas.microsoft.com/office/drawing/2016/SVG/main" r:embed="rId4"/>
+                  <asvg:svgBlip xmlns:asvg="http://schemas.microsoft.com/office/drawing/2016/SVG/main" r:embed="rId5"/>
                 </a:ext>
               </a:extLst>
             </a:blip>
@@ -4421,10 +4574,10 @@
             <p:nvPr/>
           </p:nvPicPr>
           <p:blipFill>
-            <a:blip r:embed="rId3">
+            <a:blip r:embed="rId4">
               <a:extLst>
                 <a:ext uri="{96DAC541-7B7A-43D3-8B79-37D633B846F1}">
-                  <asvg:svgBlip xmlns:asvg="http://schemas.microsoft.com/office/drawing/2016/SVG/main" r:embed="rId4"/>
+                  <asvg:svgBlip xmlns:asvg="http://schemas.microsoft.com/office/drawing/2016/SVG/main" r:embed="rId5"/>
                 </a:ext>
               </a:extLst>
             </a:blip>
@@ -4457,7 +4610,7 @@
         </p:nvSpPr>
         <p:spPr>
           <a:xfrm>
-            <a:off x="352097" y="3173944"/>
+            <a:off x="349465" y="3245769"/>
             <a:ext cx="3141958" cy="312267"/>
           </a:xfrm>
           <a:prstGeom prst="rect">
@@ -4505,90 +4658,6 @@
           </a:p>
         </p:txBody>
       </p:sp>
-      <p:sp>
-        <p:nvSpPr>
-          <p:cNvPr id="57" name="Tekstfelt 56">
-            <a:extLst>
-              <a:ext uri="{FF2B5EF4-FFF2-40B4-BE49-F238E27FC236}">
-                <a16:creationId xmlns:a16="http://schemas.microsoft.com/office/drawing/2014/main" id="{86A711FE-FDC7-D945-192C-FD12ABCDA18D}"/>
-              </a:ext>
-            </a:extLst>
-          </p:cNvPr>
-          <p:cNvSpPr txBox="1"/>
-          <p:nvPr/>
-        </p:nvSpPr>
-        <p:spPr>
-          <a:xfrm>
-            <a:off x="4334932" y="2104727"/>
-            <a:ext cx="3013195" cy="307777"/>
-          </a:xfrm>
-          <a:prstGeom prst="rect">
-            <a:avLst/>
-          </a:prstGeom>
-          <a:noFill/>
-        </p:spPr>
-        <p:txBody>
-          <a:bodyPr wrap="square" rtlCol="0">
-            <a:spAutoFit/>
-          </a:bodyPr>
-          <a:lstStyle/>
-          <a:p>
-            <a:r>
-              <a:rPr lang="en-GB" sz="1400" i="1" dirty="0">
-                <a:solidFill>
-                  <a:schemeClr val="accent2">
-                    <a:lumMod val="50000"/>
-                  </a:schemeClr>
-                </a:solidFill>
-                <a:latin typeface="Amasis MT Pro Medium" panose="02040604050005020304" pitchFamily="18" charset="0"/>
-              </a:rPr>
-              <a:t>MEDIAN ROOMIES ATTAINED</a:t>
-            </a:r>
-          </a:p>
-        </p:txBody>
-      </p:sp>
-      <p:sp>
-        <p:nvSpPr>
-          <p:cNvPr id="58" name="Tekstfelt 57">
-            <a:extLst>
-              <a:ext uri="{FF2B5EF4-FFF2-40B4-BE49-F238E27FC236}">
-                <a16:creationId xmlns:a16="http://schemas.microsoft.com/office/drawing/2014/main" id="{2AAE9CA5-8CA8-E4EB-DACA-6566B175921E}"/>
-              </a:ext>
-            </a:extLst>
-          </p:cNvPr>
-          <p:cNvSpPr txBox="1"/>
-          <p:nvPr/>
-        </p:nvSpPr>
-        <p:spPr>
-          <a:xfrm>
-            <a:off x="4368993" y="3712781"/>
-            <a:ext cx="3013195" cy="307777"/>
-          </a:xfrm>
-          <a:prstGeom prst="rect">
-            <a:avLst/>
-          </a:prstGeom>
-          <a:noFill/>
-        </p:spPr>
-        <p:txBody>
-          <a:bodyPr wrap="square" rtlCol="0">
-            <a:spAutoFit/>
-          </a:bodyPr>
-          <a:lstStyle/>
-          <a:p>
-            <a:r>
-              <a:rPr lang="en-GB" sz="1400" i="1" dirty="0">
-                <a:solidFill>
-                  <a:schemeClr val="accent2">
-                    <a:lumMod val="50000"/>
-                  </a:schemeClr>
-                </a:solidFill>
-                <a:latin typeface="Amasis MT Pro Medium" panose="02040604050005020304" pitchFamily="18" charset="0"/>
-              </a:rPr>
-              <a:t>AVERAGE ROOMIES ATTAINED</a:t>
-            </a:r>
-          </a:p>
-        </p:txBody>
-      </p:sp>
       <p:grpSp>
         <p:nvGrpSpPr>
           <p:cNvPr id="2059" name="Gruppe 2058">
@@ -4603,7 +4672,7 @@
         </p:nvGrpSpPr>
         <p:grpSpPr>
           <a:xfrm>
-            <a:off x="286556" y="1976235"/>
+            <a:off x="283924" y="2048060"/>
             <a:ext cx="3272800" cy="1111691"/>
             <a:chOff x="341785" y="2903833"/>
             <a:chExt cx="3272800" cy="1111691"/>
@@ -5177,10 +5246,10 @@
           <p:nvPr/>
         </p:nvPicPr>
         <p:blipFill>
-          <a:blip r:embed="rId5">
+          <a:blip r:embed="rId6">
             <a:extLst>
               <a:ext uri="{96DAC541-7B7A-43D3-8B79-37D633B846F1}">
-                <asvg:svgBlip xmlns:asvg="http://schemas.microsoft.com/office/drawing/2016/SVG/main" r:embed="rId6"/>
+                <asvg:svgBlip xmlns:asvg="http://schemas.microsoft.com/office/drawing/2016/SVG/main" r:embed="rId7"/>
               </a:ext>
             </a:extLst>
           </a:blip>
@@ -5190,7 +5259,7 @@
         </p:blipFill>
         <p:spPr>
           <a:xfrm>
-            <a:off x="1470618" y="1320202"/>
+            <a:off x="1467986" y="1392027"/>
             <a:ext cx="910491" cy="910491"/>
           </a:xfrm>
           <a:prstGeom prst="rect">
@@ -5212,7 +5281,7 @@
         </p:nvSpPr>
         <p:spPr>
           <a:xfrm>
-            <a:off x="1670480" y="1615532"/>
+            <a:off x="1667848" y="1687357"/>
             <a:ext cx="250545" cy="239292"/>
           </a:xfrm>
           <a:prstGeom prst="star4">
@@ -5264,7 +5333,7 @@
         </p:nvSpPr>
         <p:spPr>
           <a:xfrm>
-            <a:off x="1848737" y="1708405"/>
+            <a:off x="1846105" y="1780230"/>
             <a:ext cx="144576" cy="138083"/>
           </a:xfrm>
           <a:prstGeom prst="star4">
@@ -5302,41 +5371,6 @@
           </a:p>
         </p:txBody>
       </p:sp>
-      <p:sp>
-        <p:nvSpPr>
-          <p:cNvPr id="2063" name="Tekstfelt 2062">
-            <a:extLst>
-              <a:ext uri="{FF2B5EF4-FFF2-40B4-BE49-F238E27FC236}">
-                <a16:creationId xmlns:a16="http://schemas.microsoft.com/office/drawing/2014/main" id="{F808B11E-134E-18F1-C15C-17B7A013A147}"/>
-              </a:ext>
-            </a:extLst>
-          </p:cNvPr>
-          <p:cNvSpPr txBox="1"/>
-          <p:nvPr/>
-        </p:nvSpPr>
-        <p:spPr>
-          <a:xfrm>
-            <a:off x="5479176" y="1490546"/>
-            <a:ext cx="308098" cy="369332"/>
-          </a:xfrm>
-          <a:prstGeom prst="rect">
-            <a:avLst/>
-          </a:prstGeom>
-          <a:noFill/>
-        </p:spPr>
-        <p:txBody>
-          <a:bodyPr wrap="none" rtlCol="0">
-            <a:spAutoFit/>
-          </a:bodyPr>
-          <a:lstStyle/>
-          <a:p>
-            <a:r>
-              <a:rPr lang="en-GB" dirty="0"/>
-              <a:t>5</a:t>
-            </a:r>
-          </a:p>
-        </p:txBody>
-      </p:sp>
       <p:pic>
         <p:nvPicPr>
           <p:cNvPr id="2064" name="Grafik 2063" descr="Rotte med massiv udfyldning">
@@ -5352,10 +5386,10 @@
           <p:nvPr/>
         </p:nvPicPr>
         <p:blipFill>
-          <a:blip r:embed="rId7">
+          <a:blip r:embed="rId8">
             <a:extLst>
               <a:ext uri="{96DAC541-7B7A-43D3-8B79-37D633B846F1}">
-                <asvg:svgBlip xmlns:asvg="http://schemas.microsoft.com/office/drawing/2016/SVG/main" r:embed="rId8"/>
+                <asvg:svgBlip xmlns:asvg="http://schemas.microsoft.com/office/drawing/2016/SVG/main" r:embed="rId9"/>
               </a:ext>
             </a:extLst>
           </a:blip>
@@ -5365,7 +5399,7 @@
         </p:blipFill>
         <p:spPr>
           <a:xfrm>
-            <a:off x="474278" y="1709988"/>
+            <a:off x="471646" y="1781813"/>
             <a:ext cx="820422" cy="820422"/>
           </a:xfrm>
           <a:prstGeom prst="rect">
@@ -5387,7 +5421,7 @@
         </p:nvSpPr>
         <p:spPr>
           <a:xfrm>
-            <a:off x="828714" y="1979488"/>
+            <a:off x="826082" y="2051313"/>
             <a:ext cx="172049" cy="164322"/>
           </a:xfrm>
           <a:prstGeom prst="star4">
@@ -5440,10 +5474,10 @@
           <p:nvPr/>
         </p:nvPicPr>
         <p:blipFill>
-          <a:blip r:embed="rId9">
+          <a:blip r:embed="rId10">
             <a:extLst>
               <a:ext uri="{96DAC541-7B7A-43D3-8B79-37D633B846F1}">
-                <asvg:svgBlip xmlns:asvg="http://schemas.microsoft.com/office/drawing/2016/SVG/main" r:embed="rId10"/>
+                <asvg:svgBlip xmlns:asvg="http://schemas.microsoft.com/office/drawing/2016/SVG/main" r:embed="rId11"/>
               </a:ext>
             </a:extLst>
           </a:blip>
@@ -5453,7 +5487,7 @@
         </p:blipFill>
         <p:spPr>
           <a:xfrm>
-            <a:off x="2608175" y="1938663"/>
+            <a:off x="2605543" y="2010488"/>
             <a:ext cx="749288" cy="749288"/>
           </a:xfrm>
           <a:prstGeom prst="rect">
@@ -5463,10 +5497,10 @@
       </p:pic>
       <p:sp>
         <p:nvSpPr>
-          <p:cNvPr id="2068" name="Pil: pentagon 2067">
+          <p:cNvPr id="1037" name="Rektangel 1036">
             <a:extLst>
               <a:ext uri="{FF2B5EF4-FFF2-40B4-BE49-F238E27FC236}">
-                <a16:creationId xmlns:a16="http://schemas.microsoft.com/office/drawing/2014/main" id="{90E58155-3460-0C64-2FAF-C2E17CFF89D8}"/>
+                <a16:creationId xmlns:a16="http://schemas.microsoft.com/office/drawing/2014/main" id="{8280DE04-5F24-A3CD-AADE-BEC17E7C1B52}"/>
               </a:ext>
             </a:extLst>
           </p:cNvPr>
@@ -5475,12 +5509,20 @@
         </p:nvSpPr>
         <p:spPr>
           <a:xfrm>
-            <a:off x="725039" y="4334856"/>
-            <a:ext cx="1766119" cy="789781"/>
+            <a:off x="4010556" y="3245769"/>
+            <a:ext cx="3141958" cy="312267"/>
           </a:xfrm>
-          <a:prstGeom prst="homePlate">
+          <a:prstGeom prst="rect">
             <a:avLst/>
           </a:prstGeom>
+          <a:solidFill>
+            <a:schemeClr val="accent2">
+              <a:lumMod val="75000"/>
+            </a:schemeClr>
+          </a:solidFill>
+          <a:ln>
+            <a:noFill/>
+          </a:ln>
         </p:spPr>
         <p:style>
           <a:lnRef idx="2">
@@ -5503,16 +5545,3292 @@
           <a:lstStyle/>
           <a:p>
             <a:pPr algn="ctr"/>
-            <a:endParaRPr lang="en-GB" dirty="0"/>
+            <a:r>
+              <a:rPr lang="en-GB" sz="1200" dirty="0">
+                <a:solidFill>
+                  <a:schemeClr val="bg1"/>
+                </a:solidFill>
+                <a:latin typeface="Amasis MT Pro Medium" panose="02040604050005020304" pitchFamily="18" charset="0"/>
+              </a:rPr>
+              <a:t>AVERAGE ROOMIES ATTAINED</a:t>
+            </a:r>
+          </a:p>
+        </p:txBody>
+      </p:sp>
+      <p:pic>
+        <p:nvPicPr>
+          <p:cNvPr id="1029" name="Billede 1028" descr="Et billede, der indeholder pattedyr, mus, snyde, gnaver&#10;&#10;AI-genereret indhold kan være ukorrekt.">
+            <a:extLst>
+              <a:ext uri="{FF2B5EF4-FFF2-40B4-BE49-F238E27FC236}">
+                <a16:creationId xmlns:a16="http://schemas.microsoft.com/office/drawing/2014/main" id="{A6BD1A5A-5939-1D08-7F85-0B8C7FFCBA1F}"/>
+              </a:ext>
+            </a:extLst>
+          </p:cNvPr>
+          <p:cNvPicPr>
+            <a:picLocks noChangeAspect="1"/>
+          </p:cNvPicPr>
+          <p:nvPr/>
+        </p:nvPicPr>
+        <p:blipFill>
+          <a:blip r:embed="rId12">
+            <a:duotone>
+              <a:prstClr val="black"/>
+              <a:schemeClr val="accent2">
+                <a:tint val="45000"/>
+                <a:satMod val="400000"/>
+              </a:schemeClr>
+            </a:duotone>
+            <a:extLst>
+              <a:ext uri="{28A0092B-C50C-407E-A947-70E740481C1C}">
+                <a14:useLocalDpi xmlns:a14="http://schemas.microsoft.com/office/drawing/2010/main" val="0"/>
+              </a:ext>
+            </a:extLst>
+          </a:blip>
+          <a:srcRect l="2690" t="20829" r="7171" b="16866"/>
+          <a:stretch>
+            <a:fillRect/>
+          </a:stretch>
+        </p:blipFill>
+        <p:spPr>
+          <a:xfrm>
+            <a:off x="4398448" y="2062511"/>
+            <a:ext cx="718690" cy="496767"/>
+          </a:xfrm>
+          <a:prstGeom prst="rect">
+            <a:avLst/>
+          </a:prstGeom>
+        </p:spPr>
+      </p:pic>
+      <p:pic>
+        <p:nvPicPr>
+          <p:cNvPr id="13" name="Billede 12" descr="Et billede, der indeholder pattedyr, mus, snyde, gnaver&#10;&#10;AI-genereret indhold kan være ukorrekt.">
+            <a:extLst>
+              <a:ext uri="{FF2B5EF4-FFF2-40B4-BE49-F238E27FC236}">
+                <a16:creationId xmlns:a16="http://schemas.microsoft.com/office/drawing/2014/main" id="{3D9B8068-6171-609E-E413-F597F0AC6763}"/>
+              </a:ext>
+            </a:extLst>
+          </p:cNvPr>
+          <p:cNvPicPr>
+            <a:picLocks noChangeAspect="1"/>
+          </p:cNvPicPr>
+          <p:nvPr/>
+        </p:nvPicPr>
+        <p:blipFill>
+          <a:blip r:embed="rId12">
+            <a:duotone>
+              <a:prstClr val="black"/>
+              <a:schemeClr val="accent2">
+                <a:tint val="45000"/>
+                <a:satMod val="400000"/>
+              </a:schemeClr>
+            </a:duotone>
+            <a:extLst>
+              <a:ext uri="{28A0092B-C50C-407E-A947-70E740481C1C}">
+                <a14:useLocalDpi xmlns:a14="http://schemas.microsoft.com/office/drawing/2010/main" val="0"/>
+              </a:ext>
+            </a:extLst>
+          </a:blip>
+          <a:srcRect l="2690" t="20829" r="7171" b="16866"/>
+          <a:stretch>
+            <a:fillRect/>
+          </a:stretch>
+        </p:blipFill>
+        <p:spPr>
+          <a:xfrm>
+            <a:off x="3865960" y="1574655"/>
+            <a:ext cx="718690" cy="496767"/>
+          </a:xfrm>
+          <a:prstGeom prst="rect">
+            <a:avLst/>
+          </a:prstGeom>
+        </p:spPr>
+      </p:pic>
+      <p:pic>
+        <p:nvPicPr>
+          <p:cNvPr id="14" name="Billede 13" descr="Et billede, der indeholder pattedyr, mus, snyde, gnaver&#10;&#10;AI-genereret indhold kan være ukorrekt.">
+            <a:extLst>
+              <a:ext uri="{FF2B5EF4-FFF2-40B4-BE49-F238E27FC236}">
+                <a16:creationId xmlns:a16="http://schemas.microsoft.com/office/drawing/2014/main" id="{009A479E-F213-D104-4A79-1F79A96314D1}"/>
+              </a:ext>
+            </a:extLst>
+          </p:cNvPr>
+          <p:cNvPicPr>
+            <a:picLocks noChangeAspect="1"/>
+          </p:cNvPicPr>
+          <p:nvPr/>
+        </p:nvPicPr>
+        <p:blipFill>
+          <a:blip r:embed="rId12">
+            <a:duotone>
+              <a:prstClr val="black"/>
+              <a:schemeClr val="accent2">
+                <a:tint val="45000"/>
+                <a:satMod val="400000"/>
+              </a:schemeClr>
+            </a:duotone>
+            <a:extLst>
+              <a:ext uri="{28A0092B-C50C-407E-A947-70E740481C1C}">
+                <a14:useLocalDpi xmlns:a14="http://schemas.microsoft.com/office/drawing/2010/main" val="0"/>
+              </a:ext>
+            </a:extLst>
+          </a:blip>
+          <a:srcRect l="2690" t="20829" r="7171" b="16866"/>
+          <a:stretch>
+            <a:fillRect/>
+          </a:stretch>
+        </p:blipFill>
+        <p:spPr>
+          <a:xfrm>
+            <a:off x="4407637" y="1574655"/>
+            <a:ext cx="718690" cy="496767"/>
+          </a:xfrm>
+          <a:prstGeom prst="rect">
+            <a:avLst/>
+          </a:prstGeom>
+        </p:spPr>
+      </p:pic>
+      <p:pic>
+        <p:nvPicPr>
+          <p:cNvPr id="15" name="Billede 14" descr="Et billede, der indeholder pattedyr, mus, snyde, gnaver&#10;&#10;AI-genereret indhold kan være ukorrekt.">
+            <a:extLst>
+              <a:ext uri="{FF2B5EF4-FFF2-40B4-BE49-F238E27FC236}">
+                <a16:creationId xmlns:a16="http://schemas.microsoft.com/office/drawing/2014/main" id="{D55470B4-32EF-8A0A-DA98-E34CB13820A5}"/>
+              </a:ext>
+            </a:extLst>
+          </p:cNvPr>
+          <p:cNvPicPr>
+            <a:picLocks noChangeAspect="1"/>
+          </p:cNvPicPr>
+          <p:nvPr/>
+        </p:nvPicPr>
+        <p:blipFill>
+          <a:blip r:embed="rId12">
+            <a:duotone>
+              <a:prstClr val="black"/>
+              <a:schemeClr val="accent2">
+                <a:tint val="45000"/>
+                <a:satMod val="400000"/>
+              </a:schemeClr>
+            </a:duotone>
+            <a:extLst>
+              <a:ext uri="{28A0092B-C50C-407E-A947-70E740481C1C}">
+                <a14:useLocalDpi xmlns:a14="http://schemas.microsoft.com/office/drawing/2010/main" val="0"/>
+              </a:ext>
+            </a:extLst>
+          </a:blip>
+          <a:srcRect l="2690" t="20829" r="7171" b="16866"/>
+          <a:stretch>
+            <a:fillRect/>
+          </a:stretch>
+        </p:blipFill>
+        <p:spPr>
+          <a:xfrm>
+            <a:off x="4949314" y="1574655"/>
+            <a:ext cx="718690" cy="496767"/>
+          </a:xfrm>
+          <a:prstGeom prst="rect">
+            <a:avLst/>
+          </a:prstGeom>
+        </p:spPr>
+      </p:pic>
+      <p:pic>
+        <p:nvPicPr>
+          <p:cNvPr id="26" name="Billede 25" descr="Et billede, der indeholder pattedyr, mus, snyde, gnaver&#10;&#10;AI-genereret indhold kan være ukorrekt.">
+            <a:extLst>
+              <a:ext uri="{FF2B5EF4-FFF2-40B4-BE49-F238E27FC236}">
+                <a16:creationId xmlns:a16="http://schemas.microsoft.com/office/drawing/2014/main" id="{07E3C7E5-CB10-5B27-51AA-B92D43E5FC14}"/>
+              </a:ext>
+            </a:extLst>
+          </p:cNvPr>
+          <p:cNvPicPr>
+            <a:picLocks noChangeAspect="1"/>
+          </p:cNvPicPr>
+          <p:nvPr/>
+        </p:nvPicPr>
+        <p:blipFill>
+          <a:blip r:embed="rId12">
+            <a:duotone>
+              <a:prstClr val="black"/>
+              <a:schemeClr val="accent2">
+                <a:tint val="45000"/>
+                <a:satMod val="400000"/>
+              </a:schemeClr>
+            </a:duotone>
+            <a:extLst>
+              <a:ext uri="{28A0092B-C50C-407E-A947-70E740481C1C}">
+                <a14:useLocalDpi xmlns:a14="http://schemas.microsoft.com/office/drawing/2010/main" val="0"/>
+              </a:ext>
+            </a:extLst>
+          </a:blip>
+          <a:srcRect l="2690" t="20829" r="7171" b="16866"/>
+          <a:stretch>
+            <a:fillRect/>
+          </a:stretch>
+        </p:blipFill>
+        <p:spPr>
+          <a:xfrm>
+            <a:off x="5490991" y="1574655"/>
+            <a:ext cx="718690" cy="496767"/>
+          </a:xfrm>
+          <a:prstGeom prst="rect">
+            <a:avLst/>
+          </a:prstGeom>
+        </p:spPr>
+      </p:pic>
+      <p:pic>
+        <p:nvPicPr>
+          <p:cNvPr id="1027" name="Billede 1026" descr="Et billede, der indeholder pattedyr, mus, snyde, gnaver&#10;&#10;AI-genereret indhold kan være ukorrekt.">
+            <a:extLst>
+              <a:ext uri="{FF2B5EF4-FFF2-40B4-BE49-F238E27FC236}">
+                <a16:creationId xmlns:a16="http://schemas.microsoft.com/office/drawing/2014/main" id="{FEB0C201-7282-51A1-F72B-25FB8C6F4512}"/>
+              </a:ext>
+            </a:extLst>
+          </p:cNvPr>
+          <p:cNvPicPr>
+            <a:picLocks noChangeAspect="1"/>
+          </p:cNvPicPr>
+          <p:nvPr/>
+        </p:nvPicPr>
+        <p:blipFill>
+          <a:blip r:embed="rId12">
+            <a:duotone>
+              <a:prstClr val="black"/>
+              <a:schemeClr val="accent2">
+                <a:tint val="45000"/>
+                <a:satMod val="400000"/>
+              </a:schemeClr>
+            </a:duotone>
+            <a:extLst>
+              <a:ext uri="{28A0092B-C50C-407E-A947-70E740481C1C}">
+                <a14:useLocalDpi xmlns:a14="http://schemas.microsoft.com/office/drawing/2010/main" val="0"/>
+              </a:ext>
+            </a:extLst>
+          </a:blip>
+          <a:srcRect l="2690" t="20829" r="7171" b="16866"/>
+          <a:stretch>
+            <a:fillRect/>
+          </a:stretch>
+        </p:blipFill>
+        <p:spPr>
+          <a:xfrm>
+            <a:off x="3856771" y="2062511"/>
+            <a:ext cx="718690" cy="496767"/>
+          </a:xfrm>
+          <a:prstGeom prst="rect">
+            <a:avLst/>
+          </a:prstGeom>
+        </p:spPr>
+      </p:pic>
+      <p:pic>
+        <p:nvPicPr>
+          <p:cNvPr id="1030" name="Billede 1029" descr="Et billede, der indeholder pattedyr, mus, snyde, gnaver&#10;&#10;AI-genereret indhold kan være ukorrekt.">
+            <a:extLst>
+              <a:ext uri="{FF2B5EF4-FFF2-40B4-BE49-F238E27FC236}">
+                <a16:creationId xmlns:a16="http://schemas.microsoft.com/office/drawing/2014/main" id="{044E0EC0-EBE7-D5B4-82E2-133F048B0079}"/>
+              </a:ext>
+            </a:extLst>
+          </p:cNvPr>
+          <p:cNvPicPr>
+            <a:picLocks noChangeAspect="1"/>
+          </p:cNvPicPr>
+          <p:nvPr/>
+        </p:nvPicPr>
+        <p:blipFill>
+          <a:blip r:embed="rId12">
+            <a:duotone>
+              <a:prstClr val="black"/>
+              <a:schemeClr val="accent2">
+                <a:tint val="45000"/>
+                <a:satMod val="400000"/>
+              </a:schemeClr>
+            </a:duotone>
+            <a:extLst>
+              <a:ext uri="{28A0092B-C50C-407E-A947-70E740481C1C}">
+                <a14:useLocalDpi xmlns:a14="http://schemas.microsoft.com/office/drawing/2010/main" val="0"/>
+              </a:ext>
+            </a:extLst>
+          </a:blip>
+          <a:srcRect l="2690" t="20829" r="7171" b="16866"/>
+          <a:stretch>
+            <a:fillRect/>
+          </a:stretch>
+        </p:blipFill>
+        <p:spPr>
+          <a:xfrm>
+            <a:off x="4940125" y="2062511"/>
+            <a:ext cx="718690" cy="496767"/>
+          </a:xfrm>
+          <a:prstGeom prst="rect">
+            <a:avLst/>
+          </a:prstGeom>
+        </p:spPr>
+      </p:pic>
+      <p:pic>
+        <p:nvPicPr>
+          <p:cNvPr id="1031" name="Billede 1030" descr="Et billede, der indeholder pattedyr, mus, snyde, gnaver&#10;&#10;AI-genereret indhold kan være ukorrekt.">
+            <a:extLst>
+              <a:ext uri="{FF2B5EF4-FFF2-40B4-BE49-F238E27FC236}">
+                <a16:creationId xmlns:a16="http://schemas.microsoft.com/office/drawing/2014/main" id="{5F3BC0A8-22D0-8E90-FC6A-EF6E67DD727F}"/>
+              </a:ext>
+            </a:extLst>
+          </p:cNvPr>
+          <p:cNvPicPr>
+            <a:picLocks noChangeAspect="1"/>
+          </p:cNvPicPr>
+          <p:nvPr/>
+        </p:nvPicPr>
+        <p:blipFill>
+          <a:blip r:embed="rId12">
+            <a:duotone>
+              <a:prstClr val="black"/>
+              <a:schemeClr val="accent2">
+                <a:tint val="45000"/>
+                <a:satMod val="400000"/>
+              </a:schemeClr>
+            </a:duotone>
+            <a:extLst>
+              <a:ext uri="{28A0092B-C50C-407E-A947-70E740481C1C}">
+                <a14:useLocalDpi xmlns:a14="http://schemas.microsoft.com/office/drawing/2010/main" val="0"/>
+              </a:ext>
+            </a:extLst>
+          </a:blip>
+          <a:srcRect l="2690" t="20829" r="7171" b="16866"/>
+          <a:stretch>
+            <a:fillRect/>
+          </a:stretch>
+        </p:blipFill>
+        <p:spPr>
+          <a:xfrm>
+            <a:off x="5481802" y="2062511"/>
+            <a:ext cx="718690" cy="496767"/>
+          </a:xfrm>
+          <a:prstGeom prst="rect">
+            <a:avLst/>
+          </a:prstGeom>
+        </p:spPr>
+      </p:pic>
+      <p:pic>
+        <p:nvPicPr>
+          <p:cNvPr id="1043" name="Billede 1042" descr="Et billede, der indeholder pattedyr, mus, snyde, gnaver&#10;&#10;AI-genereret indhold kan være ukorrekt.">
+            <a:extLst>
+              <a:ext uri="{FF2B5EF4-FFF2-40B4-BE49-F238E27FC236}">
+                <a16:creationId xmlns:a16="http://schemas.microsoft.com/office/drawing/2014/main" id="{D29699BC-FAB9-880A-615E-230CAF9EF91F}"/>
+              </a:ext>
+            </a:extLst>
+          </p:cNvPr>
+          <p:cNvPicPr>
+            <a:picLocks noChangeAspect="1"/>
+          </p:cNvPicPr>
+          <p:nvPr/>
+        </p:nvPicPr>
+        <p:blipFill>
+          <a:blip r:embed="rId12">
+            <a:duotone>
+              <a:prstClr val="black"/>
+              <a:schemeClr val="accent2">
+                <a:tint val="45000"/>
+                <a:satMod val="400000"/>
+              </a:schemeClr>
+            </a:duotone>
+            <a:extLst>
+              <a:ext uri="{28A0092B-C50C-407E-A947-70E740481C1C}">
+                <a14:useLocalDpi xmlns:a14="http://schemas.microsoft.com/office/drawing/2010/main" val="0"/>
+              </a:ext>
+            </a:extLst>
+          </a:blip>
+          <a:srcRect l="2690" t="20829" r="7171" b="16866"/>
+          <a:stretch>
+            <a:fillRect/>
+          </a:stretch>
+        </p:blipFill>
+        <p:spPr>
+          <a:xfrm>
+            <a:off x="3865960" y="2550367"/>
+            <a:ext cx="718690" cy="496767"/>
+          </a:xfrm>
+          <a:prstGeom prst="rect">
+            <a:avLst/>
+          </a:prstGeom>
+        </p:spPr>
+      </p:pic>
+      <p:pic>
+        <p:nvPicPr>
+          <p:cNvPr id="1044" name="Billede 1043" descr="Et billede, der indeholder pattedyr, mus, snyde, gnaver&#10;&#10;AI-genereret indhold kan være ukorrekt.">
+            <a:extLst>
+              <a:ext uri="{FF2B5EF4-FFF2-40B4-BE49-F238E27FC236}">
+                <a16:creationId xmlns:a16="http://schemas.microsoft.com/office/drawing/2014/main" id="{0AA13B9F-DBDE-839E-C317-DF9082CF43DF}"/>
+              </a:ext>
+            </a:extLst>
+          </p:cNvPr>
+          <p:cNvPicPr>
+            <a:picLocks noChangeAspect="1"/>
+          </p:cNvPicPr>
+          <p:nvPr/>
+        </p:nvPicPr>
+        <p:blipFill>
+          <a:blip r:embed="rId12">
+            <a:duotone>
+              <a:prstClr val="black"/>
+              <a:schemeClr val="accent2">
+                <a:tint val="45000"/>
+                <a:satMod val="400000"/>
+              </a:schemeClr>
+            </a:duotone>
+            <a:extLst>
+              <a:ext uri="{28A0092B-C50C-407E-A947-70E740481C1C}">
+                <a14:useLocalDpi xmlns:a14="http://schemas.microsoft.com/office/drawing/2010/main" val="0"/>
+              </a:ext>
+            </a:extLst>
+          </a:blip>
+          <a:srcRect l="2690" t="20829" r="7171" b="16866"/>
+          <a:stretch>
+            <a:fillRect/>
+          </a:stretch>
+        </p:blipFill>
+        <p:spPr>
+          <a:xfrm>
+            <a:off x="4407637" y="2550367"/>
+            <a:ext cx="718690" cy="496767"/>
+          </a:xfrm>
+          <a:prstGeom prst="rect">
+            <a:avLst/>
+          </a:prstGeom>
+        </p:spPr>
+      </p:pic>
+      <p:pic>
+        <p:nvPicPr>
+          <p:cNvPr id="2186" name="Billede 2185" descr="Et billede, der indeholder pattedyr, mus, snyde, gnaver&#10;&#10;AI-genereret indhold kan være ukorrekt.">
+            <a:extLst>
+              <a:ext uri="{FF2B5EF4-FFF2-40B4-BE49-F238E27FC236}">
+                <a16:creationId xmlns:a16="http://schemas.microsoft.com/office/drawing/2014/main" id="{AACA910E-7818-5078-26FF-FD272414C4E3}"/>
+              </a:ext>
+            </a:extLst>
+          </p:cNvPr>
+          <p:cNvPicPr>
+            <a:picLocks noChangeAspect="1"/>
+          </p:cNvPicPr>
+          <p:nvPr/>
+        </p:nvPicPr>
+        <p:blipFill>
+          <a:blip r:embed="rId12">
+            <a:duotone>
+              <a:prstClr val="black"/>
+              <a:schemeClr val="accent2">
+                <a:tint val="45000"/>
+                <a:satMod val="400000"/>
+              </a:schemeClr>
+            </a:duotone>
+            <a:extLst>
+              <a:ext uri="{28A0092B-C50C-407E-A947-70E740481C1C}">
+                <a14:useLocalDpi xmlns:a14="http://schemas.microsoft.com/office/drawing/2010/main" val="0"/>
+              </a:ext>
+            </a:extLst>
+          </a:blip>
+          <a:srcRect l="2690" t="20829" r="36915" b="16866"/>
+          <a:stretch>
+            <a:fillRect/>
+          </a:stretch>
+        </p:blipFill>
+        <p:spPr>
+          <a:xfrm>
+            <a:off x="4949314" y="2550367"/>
+            <a:ext cx="481538" cy="496767"/>
+          </a:xfrm>
+          <a:custGeom>
+            <a:avLst/>
+            <a:gdLst>
+              <a:gd name="connsiteX0" fmla="*/ 0 w 481538"/>
+              <a:gd name="connsiteY0" fmla="*/ 0 h 496767"/>
+              <a:gd name="connsiteX1" fmla="*/ 481538 w 481538"/>
+              <a:gd name="connsiteY1" fmla="*/ 0 h 496767"/>
+              <a:gd name="connsiteX2" fmla="*/ 481538 w 481538"/>
+              <a:gd name="connsiteY2" fmla="*/ 496767 h 496767"/>
+              <a:gd name="connsiteX3" fmla="*/ 0 w 481538"/>
+              <a:gd name="connsiteY3" fmla="*/ 496767 h 496767"/>
+            </a:gdLst>
+            <a:ahLst/>
+            <a:cxnLst>
+              <a:cxn ang="0">
+                <a:pos x="connsiteX0" y="connsiteY0"/>
+              </a:cxn>
+              <a:cxn ang="0">
+                <a:pos x="connsiteX1" y="connsiteY1"/>
+              </a:cxn>
+              <a:cxn ang="0">
+                <a:pos x="connsiteX2" y="connsiteY2"/>
+              </a:cxn>
+              <a:cxn ang="0">
+                <a:pos x="connsiteX3" y="connsiteY3"/>
+              </a:cxn>
+            </a:cxnLst>
+            <a:rect l="l" t="t" r="r" b="b"/>
+            <a:pathLst>
+              <a:path w="481538" h="496767">
+                <a:moveTo>
+                  <a:pt x="0" y="0"/>
+                </a:moveTo>
+                <a:lnTo>
+                  <a:pt x="481538" y="0"/>
+                </a:lnTo>
+                <a:lnTo>
+                  <a:pt x="481538" y="496767"/>
+                </a:lnTo>
+                <a:lnTo>
+                  <a:pt x="0" y="496767"/>
+                </a:lnTo>
+                <a:close/>
+              </a:path>
+            </a:pathLst>
+          </a:custGeom>
+        </p:spPr>
+      </p:pic>
+      <p:sp>
+        <p:nvSpPr>
+          <p:cNvPr id="1049" name="Tekstfelt 1048">
+            <a:extLst>
+              <a:ext uri="{FF2B5EF4-FFF2-40B4-BE49-F238E27FC236}">
+                <a16:creationId xmlns:a16="http://schemas.microsoft.com/office/drawing/2014/main" id="{7BC4125B-148B-E1A0-C571-D7169EE7F9EC}"/>
+              </a:ext>
+            </a:extLst>
+          </p:cNvPr>
+          <p:cNvSpPr txBox="1"/>
+          <p:nvPr/>
+        </p:nvSpPr>
+        <p:spPr>
+          <a:xfrm>
+            <a:off x="6098366" y="1944806"/>
+            <a:ext cx="968535" cy="584775"/>
+          </a:xfrm>
+          <a:prstGeom prst="rect">
+            <a:avLst/>
+          </a:prstGeom>
+          <a:noFill/>
+        </p:spPr>
+        <p:txBody>
+          <a:bodyPr wrap="none" rtlCol="0">
+            <a:spAutoFit/>
+          </a:bodyPr>
+          <a:lstStyle/>
+          <a:p>
+            <a:r>
+              <a:rPr lang="en-GB" sz="3200" dirty="0">
+                <a:solidFill>
+                  <a:schemeClr val="accent2">
+                    <a:lumMod val="50000"/>
+                  </a:schemeClr>
+                </a:solidFill>
+                <a:latin typeface="Amasis MT Pro Medium" panose="02040604050005020304" pitchFamily="18" charset="0"/>
+              </a:rPr>
+              <a:t>14,8</a:t>
+            </a:r>
+          </a:p>
+        </p:txBody>
+      </p:sp>
+      <p:grpSp>
+        <p:nvGrpSpPr>
+          <p:cNvPr id="1052" name="Gruppe 1051">
+            <a:extLst>
+              <a:ext uri="{FF2B5EF4-FFF2-40B4-BE49-F238E27FC236}">
+                <a16:creationId xmlns:a16="http://schemas.microsoft.com/office/drawing/2014/main" id="{9574C538-D3B2-B374-6ABD-657C90635CE8}"/>
+              </a:ext>
+            </a:extLst>
+          </p:cNvPr>
+          <p:cNvGrpSpPr/>
+          <p:nvPr/>
+        </p:nvGrpSpPr>
+        <p:grpSpPr>
+          <a:xfrm>
+            <a:off x="364025" y="3943670"/>
+            <a:ext cx="6831394" cy="252000"/>
+            <a:chOff x="111917" y="749432"/>
+            <a:chExt cx="6831394" cy="252000"/>
+          </a:xfrm>
+        </p:grpSpPr>
+        <p:pic>
+          <p:nvPicPr>
+            <p:cNvPr id="1053" name="Grafik 1052" descr="Rotte med massiv udfyldning">
+              <a:extLst>
+                <a:ext uri="{FF2B5EF4-FFF2-40B4-BE49-F238E27FC236}">
+                  <a16:creationId xmlns:a16="http://schemas.microsoft.com/office/drawing/2014/main" id="{57F1DB38-9AAB-3FBB-32CD-B876B8D4ACAA}"/>
+                </a:ext>
+              </a:extLst>
+            </p:cNvPr>
+            <p:cNvPicPr>
+              <a:picLocks noChangeAspect="1"/>
+            </p:cNvPicPr>
+            <p:nvPr/>
+          </p:nvPicPr>
+          <p:blipFill>
+            <a:blip r:embed="rId4">
+              <a:extLst>
+                <a:ext uri="{96DAC541-7B7A-43D3-8B79-37D633B846F1}">
+                  <asvg:svgBlip xmlns:asvg="http://schemas.microsoft.com/office/drawing/2016/SVG/main" r:embed="rId5"/>
+                </a:ext>
+              </a:extLst>
+            </a:blip>
+            <a:stretch>
+              <a:fillRect/>
+            </a:stretch>
+          </p:blipFill>
+          <p:spPr>
+            <a:xfrm>
+              <a:off x="111917" y="749432"/>
+              <a:ext cx="252000" cy="252000"/>
+            </a:xfrm>
+            <a:prstGeom prst="rect">
+              <a:avLst/>
+            </a:prstGeom>
+          </p:spPr>
+        </p:pic>
+        <p:pic>
+          <p:nvPicPr>
+            <p:cNvPr id="1054" name="Grafik 1053" descr="Rotte med massiv udfyldning">
+              <a:extLst>
+                <a:ext uri="{FF2B5EF4-FFF2-40B4-BE49-F238E27FC236}">
+                  <a16:creationId xmlns:a16="http://schemas.microsoft.com/office/drawing/2014/main" id="{A92C5B67-2C95-10A7-23A6-864598BF7A80}"/>
+                </a:ext>
+              </a:extLst>
+            </p:cNvPr>
+            <p:cNvPicPr>
+              <a:picLocks noChangeAspect="1"/>
+            </p:cNvPicPr>
+            <p:nvPr/>
+          </p:nvPicPr>
+          <p:blipFill>
+            <a:blip r:embed="rId4">
+              <a:extLst>
+                <a:ext uri="{96DAC541-7B7A-43D3-8B79-37D633B846F1}">
+                  <asvg:svgBlip xmlns:asvg="http://schemas.microsoft.com/office/drawing/2016/SVG/main" r:embed="rId5"/>
+                </a:ext>
+              </a:extLst>
+            </a:blip>
+            <a:stretch>
+              <a:fillRect/>
+            </a:stretch>
+          </p:blipFill>
+          <p:spPr>
+            <a:xfrm>
+              <a:off x="397978" y="749432"/>
+              <a:ext cx="252000" cy="252000"/>
+            </a:xfrm>
+            <a:prstGeom prst="rect">
+              <a:avLst/>
+            </a:prstGeom>
+          </p:spPr>
+        </p:pic>
+        <p:pic>
+          <p:nvPicPr>
+            <p:cNvPr id="1055" name="Grafik 1054" descr="Rotte med massiv udfyldning">
+              <a:extLst>
+                <a:ext uri="{FF2B5EF4-FFF2-40B4-BE49-F238E27FC236}">
+                  <a16:creationId xmlns:a16="http://schemas.microsoft.com/office/drawing/2014/main" id="{6C8BB021-BACF-A5F8-D257-E0AECFD968C7}"/>
+                </a:ext>
+              </a:extLst>
+            </p:cNvPr>
+            <p:cNvPicPr>
+              <a:picLocks noChangeAspect="1"/>
+            </p:cNvPicPr>
+            <p:nvPr/>
+          </p:nvPicPr>
+          <p:blipFill>
+            <a:blip r:embed="rId4">
+              <a:extLst>
+                <a:ext uri="{96DAC541-7B7A-43D3-8B79-37D633B846F1}">
+                  <asvg:svgBlip xmlns:asvg="http://schemas.microsoft.com/office/drawing/2016/SVG/main" r:embed="rId5"/>
+                </a:ext>
+              </a:extLst>
+            </a:blip>
+            <a:stretch>
+              <a:fillRect/>
+            </a:stretch>
+          </p:blipFill>
+          <p:spPr>
+            <a:xfrm>
+              <a:off x="684039" y="749432"/>
+              <a:ext cx="252000" cy="252000"/>
+            </a:xfrm>
+            <a:prstGeom prst="rect">
+              <a:avLst/>
+            </a:prstGeom>
+          </p:spPr>
+        </p:pic>
+        <p:pic>
+          <p:nvPicPr>
+            <p:cNvPr id="1056" name="Grafik 1055" descr="Rotte med massiv udfyldning">
+              <a:extLst>
+                <a:ext uri="{FF2B5EF4-FFF2-40B4-BE49-F238E27FC236}">
+                  <a16:creationId xmlns:a16="http://schemas.microsoft.com/office/drawing/2014/main" id="{11CDD76D-9C4A-1CE0-6CFB-C36D44FA12D4}"/>
+                </a:ext>
+              </a:extLst>
+            </p:cNvPr>
+            <p:cNvPicPr>
+              <a:picLocks noChangeAspect="1"/>
+            </p:cNvPicPr>
+            <p:nvPr/>
+          </p:nvPicPr>
+          <p:blipFill>
+            <a:blip r:embed="rId4">
+              <a:extLst>
+                <a:ext uri="{96DAC541-7B7A-43D3-8B79-37D633B846F1}">
+                  <asvg:svgBlip xmlns:asvg="http://schemas.microsoft.com/office/drawing/2016/SVG/main" r:embed="rId5"/>
+                </a:ext>
+              </a:extLst>
+            </a:blip>
+            <a:stretch>
+              <a:fillRect/>
+            </a:stretch>
+          </p:blipFill>
+          <p:spPr>
+            <a:xfrm>
+              <a:off x="970100" y="749432"/>
+              <a:ext cx="252000" cy="252000"/>
+            </a:xfrm>
+            <a:prstGeom prst="rect">
+              <a:avLst/>
+            </a:prstGeom>
+          </p:spPr>
+        </p:pic>
+        <p:pic>
+          <p:nvPicPr>
+            <p:cNvPr id="1057" name="Grafik 1056" descr="Rotte med massiv udfyldning">
+              <a:extLst>
+                <a:ext uri="{FF2B5EF4-FFF2-40B4-BE49-F238E27FC236}">
+                  <a16:creationId xmlns:a16="http://schemas.microsoft.com/office/drawing/2014/main" id="{F9C2C693-7A3A-216A-4773-9346DEE46534}"/>
+                </a:ext>
+              </a:extLst>
+            </p:cNvPr>
+            <p:cNvPicPr>
+              <a:picLocks noChangeAspect="1"/>
+            </p:cNvPicPr>
+            <p:nvPr/>
+          </p:nvPicPr>
+          <p:blipFill>
+            <a:blip r:embed="rId4">
+              <a:extLst>
+                <a:ext uri="{96DAC541-7B7A-43D3-8B79-37D633B846F1}">
+                  <asvg:svgBlip xmlns:asvg="http://schemas.microsoft.com/office/drawing/2016/SVG/main" r:embed="rId5"/>
+                </a:ext>
+              </a:extLst>
+            </a:blip>
+            <a:stretch>
+              <a:fillRect/>
+            </a:stretch>
+          </p:blipFill>
+          <p:spPr>
+            <a:xfrm>
+              <a:off x="1256161" y="749432"/>
+              <a:ext cx="252000" cy="252000"/>
+            </a:xfrm>
+            <a:prstGeom prst="rect">
+              <a:avLst/>
+            </a:prstGeom>
+          </p:spPr>
+        </p:pic>
+        <p:pic>
+          <p:nvPicPr>
+            <p:cNvPr id="1058" name="Grafik 1057" descr="Rotte med massiv udfyldning">
+              <a:extLst>
+                <a:ext uri="{FF2B5EF4-FFF2-40B4-BE49-F238E27FC236}">
+                  <a16:creationId xmlns:a16="http://schemas.microsoft.com/office/drawing/2014/main" id="{6F72E654-6056-5603-4368-110041738664}"/>
+                </a:ext>
+              </a:extLst>
+            </p:cNvPr>
+            <p:cNvPicPr>
+              <a:picLocks noChangeAspect="1"/>
+            </p:cNvPicPr>
+            <p:nvPr/>
+          </p:nvPicPr>
+          <p:blipFill>
+            <a:blip r:embed="rId4">
+              <a:extLst>
+                <a:ext uri="{96DAC541-7B7A-43D3-8B79-37D633B846F1}">
+                  <asvg:svgBlip xmlns:asvg="http://schemas.microsoft.com/office/drawing/2016/SVG/main" r:embed="rId5"/>
+                </a:ext>
+              </a:extLst>
+            </a:blip>
+            <a:stretch>
+              <a:fillRect/>
+            </a:stretch>
+          </p:blipFill>
+          <p:spPr>
+            <a:xfrm>
+              <a:off x="1542222" y="749432"/>
+              <a:ext cx="252000" cy="252000"/>
+            </a:xfrm>
+            <a:prstGeom prst="rect">
+              <a:avLst/>
+            </a:prstGeom>
+          </p:spPr>
+        </p:pic>
+        <p:pic>
+          <p:nvPicPr>
+            <p:cNvPr id="1059" name="Grafik 1058" descr="Rotte med massiv udfyldning">
+              <a:extLst>
+                <a:ext uri="{FF2B5EF4-FFF2-40B4-BE49-F238E27FC236}">
+                  <a16:creationId xmlns:a16="http://schemas.microsoft.com/office/drawing/2014/main" id="{301C5BCF-837C-6843-52F6-E4702EF3AEDB}"/>
+                </a:ext>
+              </a:extLst>
+            </p:cNvPr>
+            <p:cNvPicPr>
+              <a:picLocks noChangeAspect="1"/>
+            </p:cNvPicPr>
+            <p:nvPr/>
+          </p:nvPicPr>
+          <p:blipFill>
+            <a:blip r:embed="rId4">
+              <a:extLst>
+                <a:ext uri="{96DAC541-7B7A-43D3-8B79-37D633B846F1}">
+                  <asvg:svgBlip xmlns:asvg="http://schemas.microsoft.com/office/drawing/2016/SVG/main" r:embed="rId5"/>
+                </a:ext>
+              </a:extLst>
+            </a:blip>
+            <a:stretch>
+              <a:fillRect/>
+            </a:stretch>
+          </p:blipFill>
+          <p:spPr>
+            <a:xfrm>
+              <a:off x="1828283" y="749432"/>
+              <a:ext cx="252000" cy="252000"/>
+            </a:xfrm>
+            <a:prstGeom prst="rect">
+              <a:avLst/>
+            </a:prstGeom>
+          </p:spPr>
+        </p:pic>
+        <p:pic>
+          <p:nvPicPr>
+            <p:cNvPr id="1060" name="Grafik 1059" descr="Rotte med massiv udfyldning">
+              <a:extLst>
+                <a:ext uri="{FF2B5EF4-FFF2-40B4-BE49-F238E27FC236}">
+                  <a16:creationId xmlns:a16="http://schemas.microsoft.com/office/drawing/2014/main" id="{FBC5065D-DA5D-F123-5464-2E0A90DCC2FA}"/>
+                </a:ext>
+              </a:extLst>
+            </p:cNvPr>
+            <p:cNvPicPr>
+              <a:picLocks noChangeAspect="1"/>
+            </p:cNvPicPr>
+            <p:nvPr/>
+          </p:nvPicPr>
+          <p:blipFill>
+            <a:blip r:embed="rId4">
+              <a:extLst>
+                <a:ext uri="{96DAC541-7B7A-43D3-8B79-37D633B846F1}">
+                  <asvg:svgBlip xmlns:asvg="http://schemas.microsoft.com/office/drawing/2016/SVG/main" r:embed="rId5"/>
+                </a:ext>
+              </a:extLst>
+            </a:blip>
+            <a:stretch>
+              <a:fillRect/>
+            </a:stretch>
+          </p:blipFill>
+          <p:spPr>
+            <a:xfrm>
+              <a:off x="2114344" y="749432"/>
+              <a:ext cx="252000" cy="252000"/>
+            </a:xfrm>
+            <a:prstGeom prst="rect">
+              <a:avLst/>
+            </a:prstGeom>
+          </p:spPr>
+        </p:pic>
+        <p:pic>
+          <p:nvPicPr>
+            <p:cNvPr id="1061" name="Grafik 1060" descr="Rotte med massiv udfyldning">
+              <a:extLst>
+                <a:ext uri="{FF2B5EF4-FFF2-40B4-BE49-F238E27FC236}">
+                  <a16:creationId xmlns:a16="http://schemas.microsoft.com/office/drawing/2014/main" id="{4768F9B8-EFBB-61FD-2E55-270607512676}"/>
+                </a:ext>
+              </a:extLst>
+            </p:cNvPr>
+            <p:cNvPicPr>
+              <a:picLocks noChangeAspect="1"/>
+            </p:cNvPicPr>
+            <p:nvPr/>
+          </p:nvPicPr>
+          <p:blipFill>
+            <a:blip r:embed="rId4">
+              <a:extLst>
+                <a:ext uri="{96DAC541-7B7A-43D3-8B79-37D633B846F1}">
+                  <asvg:svgBlip xmlns:asvg="http://schemas.microsoft.com/office/drawing/2016/SVG/main" r:embed="rId5"/>
+                </a:ext>
+              </a:extLst>
+            </a:blip>
+            <a:stretch>
+              <a:fillRect/>
+            </a:stretch>
+          </p:blipFill>
+          <p:spPr>
+            <a:xfrm>
+              <a:off x="2400405" y="749432"/>
+              <a:ext cx="252000" cy="252000"/>
+            </a:xfrm>
+            <a:prstGeom prst="rect">
+              <a:avLst/>
+            </a:prstGeom>
+          </p:spPr>
+        </p:pic>
+        <p:pic>
+          <p:nvPicPr>
+            <p:cNvPr id="1062" name="Grafik 1061" descr="Rotte med massiv udfyldning">
+              <a:extLst>
+                <a:ext uri="{FF2B5EF4-FFF2-40B4-BE49-F238E27FC236}">
+                  <a16:creationId xmlns:a16="http://schemas.microsoft.com/office/drawing/2014/main" id="{EA6ECF42-C416-935D-335A-F58BBB5A7914}"/>
+                </a:ext>
+              </a:extLst>
+            </p:cNvPr>
+            <p:cNvPicPr>
+              <a:picLocks noChangeAspect="1"/>
+            </p:cNvPicPr>
+            <p:nvPr/>
+          </p:nvPicPr>
+          <p:blipFill>
+            <a:blip r:embed="rId4">
+              <a:extLst>
+                <a:ext uri="{96DAC541-7B7A-43D3-8B79-37D633B846F1}">
+                  <asvg:svgBlip xmlns:asvg="http://schemas.microsoft.com/office/drawing/2016/SVG/main" r:embed="rId5"/>
+                </a:ext>
+              </a:extLst>
+            </a:blip>
+            <a:stretch>
+              <a:fillRect/>
+            </a:stretch>
+          </p:blipFill>
+          <p:spPr>
+            <a:xfrm>
+              <a:off x="2686466" y="749432"/>
+              <a:ext cx="252000" cy="252000"/>
+            </a:xfrm>
+            <a:prstGeom prst="rect">
+              <a:avLst/>
+            </a:prstGeom>
+          </p:spPr>
+        </p:pic>
+        <p:pic>
+          <p:nvPicPr>
+            <p:cNvPr id="1063" name="Grafik 1062" descr="Rotte med massiv udfyldning">
+              <a:extLst>
+                <a:ext uri="{FF2B5EF4-FFF2-40B4-BE49-F238E27FC236}">
+                  <a16:creationId xmlns:a16="http://schemas.microsoft.com/office/drawing/2014/main" id="{1B0FE5F6-CA97-FD62-BDDB-844BD28031A1}"/>
+                </a:ext>
+              </a:extLst>
+            </p:cNvPr>
+            <p:cNvPicPr>
+              <a:picLocks noChangeAspect="1"/>
+            </p:cNvPicPr>
+            <p:nvPr/>
+          </p:nvPicPr>
+          <p:blipFill>
+            <a:blip r:embed="rId4">
+              <a:extLst>
+                <a:ext uri="{96DAC541-7B7A-43D3-8B79-37D633B846F1}">
+                  <asvg:svgBlip xmlns:asvg="http://schemas.microsoft.com/office/drawing/2016/SVG/main" r:embed="rId5"/>
+                </a:ext>
+              </a:extLst>
+            </a:blip>
+            <a:stretch>
+              <a:fillRect/>
+            </a:stretch>
+          </p:blipFill>
+          <p:spPr>
+            <a:xfrm>
+              <a:off x="2972527" y="749432"/>
+              <a:ext cx="252000" cy="252000"/>
+            </a:xfrm>
+            <a:prstGeom prst="rect">
+              <a:avLst/>
+            </a:prstGeom>
+          </p:spPr>
+        </p:pic>
+        <p:pic>
+          <p:nvPicPr>
+            <p:cNvPr id="1064" name="Grafik 1063" descr="Rotte med massiv udfyldning">
+              <a:extLst>
+                <a:ext uri="{FF2B5EF4-FFF2-40B4-BE49-F238E27FC236}">
+                  <a16:creationId xmlns:a16="http://schemas.microsoft.com/office/drawing/2014/main" id="{5C7AA12A-F09C-00C7-03ED-9459AA20A211}"/>
+                </a:ext>
+              </a:extLst>
+            </p:cNvPr>
+            <p:cNvPicPr>
+              <a:picLocks noChangeAspect="1"/>
+            </p:cNvPicPr>
+            <p:nvPr/>
+          </p:nvPicPr>
+          <p:blipFill>
+            <a:blip r:embed="rId4">
+              <a:extLst>
+                <a:ext uri="{96DAC541-7B7A-43D3-8B79-37D633B846F1}">
+                  <asvg:svgBlip xmlns:asvg="http://schemas.microsoft.com/office/drawing/2016/SVG/main" r:embed="rId5"/>
+                </a:ext>
+              </a:extLst>
+            </a:blip>
+            <a:stretch>
+              <a:fillRect/>
+            </a:stretch>
+          </p:blipFill>
+          <p:spPr>
+            <a:xfrm>
+              <a:off x="3544649" y="749432"/>
+              <a:ext cx="252000" cy="252000"/>
+            </a:xfrm>
+            <a:prstGeom prst="rect">
+              <a:avLst/>
+            </a:prstGeom>
+          </p:spPr>
+        </p:pic>
+        <p:pic>
+          <p:nvPicPr>
+            <p:cNvPr id="1065" name="Grafik 1064" descr="Rotte med massiv udfyldning">
+              <a:extLst>
+                <a:ext uri="{FF2B5EF4-FFF2-40B4-BE49-F238E27FC236}">
+                  <a16:creationId xmlns:a16="http://schemas.microsoft.com/office/drawing/2014/main" id="{B98C8F37-3690-AFDB-A57A-C3A7274DB7A0}"/>
+                </a:ext>
+              </a:extLst>
+            </p:cNvPr>
+            <p:cNvPicPr>
+              <a:picLocks noChangeAspect="1"/>
+            </p:cNvPicPr>
+            <p:nvPr/>
+          </p:nvPicPr>
+          <p:blipFill>
+            <a:blip r:embed="rId4">
+              <a:extLst>
+                <a:ext uri="{96DAC541-7B7A-43D3-8B79-37D633B846F1}">
+                  <asvg:svgBlip xmlns:asvg="http://schemas.microsoft.com/office/drawing/2016/SVG/main" r:embed="rId5"/>
+                </a:ext>
+              </a:extLst>
+            </a:blip>
+            <a:stretch>
+              <a:fillRect/>
+            </a:stretch>
+          </p:blipFill>
+          <p:spPr>
+            <a:xfrm>
+              <a:off x="4116771" y="749432"/>
+              <a:ext cx="252000" cy="252000"/>
+            </a:xfrm>
+            <a:prstGeom prst="rect">
+              <a:avLst/>
+            </a:prstGeom>
+          </p:spPr>
+        </p:pic>
+        <p:pic>
+          <p:nvPicPr>
+            <p:cNvPr id="1066" name="Grafik 1065" descr="Rotte med massiv udfyldning">
+              <a:extLst>
+                <a:ext uri="{FF2B5EF4-FFF2-40B4-BE49-F238E27FC236}">
+                  <a16:creationId xmlns:a16="http://schemas.microsoft.com/office/drawing/2014/main" id="{BA609A60-1B8E-5DD9-DB66-E4778E13DFEF}"/>
+                </a:ext>
+              </a:extLst>
+            </p:cNvPr>
+            <p:cNvPicPr>
+              <a:picLocks noChangeAspect="1"/>
+            </p:cNvPicPr>
+            <p:nvPr/>
+          </p:nvPicPr>
+          <p:blipFill>
+            <a:blip r:embed="rId4">
+              <a:extLst>
+                <a:ext uri="{96DAC541-7B7A-43D3-8B79-37D633B846F1}">
+                  <asvg:svgBlip xmlns:asvg="http://schemas.microsoft.com/office/drawing/2016/SVG/main" r:embed="rId5"/>
+                </a:ext>
+              </a:extLst>
+            </a:blip>
+            <a:stretch>
+              <a:fillRect/>
+            </a:stretch>
+          </p:blipFill>
+          <p:spPr>
+            <a:xfrm>
+              <a:off x="4688893" y="749432"/>
+              <a:ext cx="252000" cy="252000"/>
+            </a:xfrm>
+            <a:prstGeom prst="rect">
+              <a:avLst/>
+            </a:prstGeom>
+          </p:spPr>
+        </p:pic>
+        <p:pic>
+          <p:nvPicPr>
+            <p:cNvPr id="1067" name="Grafik 1066" descr="Rotte med massiv udfyldning">
+              <a:extLst>
+                <a:ext uri="{FF2B5EF4-FFF2-40B4-BE49-F238E27FC236}">
+                  <a16:creationId xmlns:a16="http://schemas.microsoft.com/office/drawing/2014/main" id="{72DDF5EB-5023-9EAF-695E-2448D907D328}"/>
+                </a:ext>
+              </a:extLst>
+            </p:cNvPr>
+            <p:cNvPicPr>
+              <a:picLocks noChangeAspect="1"/>
+            </p:cNvPicPr>
+            <p:nvPr/>
+          </p:nvPicPr>
+          <p:blipFill>
+            <a:blip r:embed="rId4">
+              <a:extLst>
+                <a:ext uri="{96DAC541-7B7A-43D3-8B79-37D633B846F1}">
+                  <asvg:svgBlip xmlns:asvg="http://schemas.microsoft.com/office/drawing/2016/SVG/main" r:embed="rId5"/>
+                </a:ext>
+              </a:extLst>
+            </a:blip>
+            <a:stretch>
+              <a:fillRect/>
+            </a:stretch>
+          </p:blipFill>
+          <p:spPr>
+            <a:xfrm>
+              <a:off x="5261015" y="749432"/>
+              <a:ext cx="252000" cy="252000"/>
+            </a:xfrm>
+            <a:prstGeom prst="rect">
+              <a:avLst/>
+            </a:prstGeom>
+          </p:spPr>
+        </p:pic>
+        <p:pic>
+          <p:nvPicPr>
+            <p:cNvPr id="1068" name="Grafik 1067" descr="Rotte med massiv udfyldning">
+              <a:extLst>
+                <a:ext uri="{FF2B5EF4-FFF2-40B4-BE49-F238E27FC236}">
+                  <a16:creationId xmlns:a16="http://schemas.microsoft.com/office/drawing/2014/main" id="{22B424AB-001A-DB1A-A8FA-A3C0BC1AC3FE}"/>
+                </a:ext>
+              </a:extLst>
+            </p:cNvPr>
+            <p:cNvPicPr>
+              <a:picLocks noChangeAspect="1"/>
+            </p:cNvPicPr>
+            <p:nvPr/>
+          </p:nvPicPr>
+          <p:blipFill>
+            <a:blip r:embed="rId4">
+              <a:extLst>
+                <a:ext uri="{96DAC541-7B7A-43D3-8B79-37D633B846F1}">
+                  <asvg:svgBlip xmlns:asvg="http://schemas.microsoft.com/office/drawing/2016/SVG/main" r:embed="rId5"/>
+                </a:ext>
+              </a:extLst>
+            </a:blip>
+            <a:stretch>
+              <a:fillRect/>
+            </a:stretch>
+          </p:blipFill>
+          <p:spPr>
+            <a:xfrm>
+              <a:off x="5833137" y="749432"/>
+              <a:ext cx="252000" cy="252000"/>
+            </a:xfrm>
+            <a:prstGeom prst="rect">
+              <a:avLst/>
+            </a:prstGeom>
+          </p:spPr>
+        </p:pic>
+        <p:pic>
+          <p:nvPicPr>
+            <p:cNvPr id="1069" name="Grafik 1068" descr="Rotte med massiv udfyldning">
+              <a:extLst>
+                <a:ext uri="{FF2B5EF4-FFF2-40B4-BE49-F238E27FC236}">
+                  <a16:creationId xmlns:a16="http://schemas.microsoft.com/office/drawing/2014/main" id="{2FC36643-E477-DDD5-E27D-E83B0643D51A}"/>
+                </a:ext>
+              </a:extLst>
+            </p:cNvPr>
+            <p:cNvPicPr>
+              <a:picLocks noChangeAspect="1"/>
+            </p:cNvPicPr>
+            <p:nvPr/>
+          </p:nvPicPr>
+          <p:blipFill>
+            <a:blip r:embed="rId4">
+              <a:extLst>
+                <a:ext uri="{96DAC541-7B7A-43D3-8B79-37D633B846F1}">
+                  <asvg:svgBlip xmlns:asvg="http://schemas.microsoft.com/office/drawing/2016/SVG/main" r:embed="rId5"/>
+                </a:ext>
+              </a:extLst>
+            </a:blip>
+            <a:stretch>
+              <a:fillRect/>
+            </a:stretch>
+          </p:blipFill>
+          <p:spPr>
+            <a:xfrm>
+              <a:off x="6405259" y="749432"/>
+              <a:ext cx="252000" cy="252000"/>
+            </a:xfrm>
+            <a:prstGeom prst="rect">
+              <a:avLst/>
+            </a:prstGeom>
+          </p:spPr>
+        </p:pic>
+        <p:pic>
+          <p:nvPicPr>
+            <p:cNvPr id="1070" name="Grafik 1069" descr="Rotte med massiv udfyldning">
+              <a:extLst>
+                <a:ext uri="{FF2B5EF4-FFF2-40B4-BE49-F238E27FC236}">
+                  <a16:creationId xmlns:a16="http://schemas.microsoft.com/office/drawing/2014/main" id="{968167A1-5758-401E-B49E-E080F3D1584D}"/>
+                </a:ext>
+              </a:extLst>
+            </p:cNvPr>
+            <p:cNvPicPr>
+              <a:picLocks noChangeAspect="1"/>
+            </p:cNvPicPr>
+            <p:nvPr/>
+          </p:nvPicPr>
+          <p:blipFill>
+            <a:blip r:embed="rId4">
+              <a:extLst>
+                <a:ext uri="{96DAC541-7B7A-43D3-8B79-37D633B846F1}">
+                  <asvg:svgBlip xmlns:asvg="http://schemas.microsoft.com/office/drawing/2016/SVG/main" r:embed="rId5"/>
+                </a:ext>
+              </a:extLst>
+            </a:blip>
+            <a:stretch>
+              <a:fillRect/>
+            </a:stretch>
+          </p:blipFill>
+          <p:spPr>
+            <a:xfrm>
+              <a:off x="6691311" y="749432"/>
+              <a:ext cx="252000" cy="252000"/>
+            </a:xfrm>
+            <a:prstGeom prst="rect">
+              <a:avLst/>
+            </a:prstGeom>
+          </p:spPr>
+        </p:pic>
+        <p:pic>
+          <p:nvPicPr>
+            <p:cNvPr id="1071" name="Grafik 1070" descr="Rotte med massiv udfyldning">
+              <a:extLst>
+                <a:ext uri="{FF2B5EF4-FFF2-40B4-BE49-F238E27FC236}">
+                  <a16:creationId xmlns:a16="http://schemas.microsoft.com/office/drawing/2014/main" id="{28BDB4A7-71CA-F205-3A3F-8576644BF48D}"/>
+                </a:ext>
+              </a:extLst>
+            </p:cNvPr>
+            <p:cNvPicPr>
+              <a:picLocks noChangeAspect="1"/>
+            </p:cNvPicPr>
+            <p:nvPr/>
+          </p:nvPicPr>
+          <p:blipFill>
+            <a:blip r:embed="rId4">
+              <a:extLst>
+                <a:ext uri="{96DAC541-7B7A-43D3-8B79-37D633B846F1}">
+                  <asvg:svgBlip xmlns:asvg="http://schemas.microsoft.com/office/drawing/2016/SVG/main" r:embed="rId5"/>
+                </a:ext>
+              </a:extLst>
+            </a:blip>
+            <a:stretch>
+              <a:fillRect/>
+            </a:stretch>
+          </p:blipFill>
+          <p:spPr>
+            <a:xfrm>
+              <a:off x="3258588" y="749432"/>
+              <a:ext cx="252000" cy="252000"/>
+            </a:xfrm>
+            <a:prstGeom prst="rect">
+              <a:avLst/>
+            </a:prstGeom>
+          </p:spPr>
+        </p:pic>
+        <p:pic>
+          <p:nvPicPr>
+            <p:cNvPr id="1072" name="Grafik 1071" descr="Rotte med massiv udfyldning">
+              <a:extLst>
+                <a:ext uri="{FF2B5EF4-FFF2-40B4-BE49-F238E27FC236}">
+                  <a16:creationId xmlns:a16="http://schemas.microsoft.com/office/drawing/2014/main" id="{C28BEF59-CAF7-CDAA-EB83-F0F24909465F}"/>
+                </a:ext>
+              </a:extLst>
+            </p:cNvPr>
+            <p:cNvPicPr>
+              <a:picLocks noChangeAspect="1"/>
+            </p:cNvPicPr>
+            <p:nvPr/>
+          </p:nvPicPr>
+          <p:blipFill>
+            <a:blip r:embed="rId4">
+              <a:extLst>
+                <a:ext uri="{96DAC541-7B7A-43D3-8B79-37D633B846F1}">
+                  <asvg:svgBlip xmlns:asvg="http://schemas.microsoft.com/office/drawing/2016/SVG/main" r:embed="rId5"/>
+                </a:ext>
+              </a:extLst>
+            </a:blip>
+            <a:stretch>
+              <a:fillRect/>
+            </a:stretch>
+          </p:blipFill>
+          <p:spPr>
+            <a:xfrm>
+              <a:off x="3830710" y="749432"/>
+              <a:ext cx="252000" cy="252000"/>
+            </a:xfrm>
+            <a:prstGeom prst="rect">
+              <a:avLst/>
+            </a:prstGeom>
+          </p:spPr>
+        </p:pic>
+        <p:pic>
+          <p:nvPicPr>
+            <p:cNvPr id="1073" name="Grafik 1072" descr="Rotte med massiv udfyldning">
+              <a:extLst>
+                <a:ext uri="{FF2B5EF4-FFF2-40B4-BE49-F238E27FC236}">
+                  <a16:creationId xmlns:a16="http://schemas.microsoft.com/office/drawing/2014/main" id="{70263E5D-B711-A922-70C3-A9351EC915A9}"/>
+                </a:ext>
+              </a:extLst>
+            </p:cNvPr>
+            <p:cNvPicPr>
+              <a:picLocks noChangeAspect="1"/>
+            </p:cNvPicPr>
+            <p:nvPr/>
+          </p:nvPicPr>
+          <p:blipFill>
+            <a:blip r:embed="rId4">
+              <a:extLst>
+                <a:ext uri="{96DAC541-7B7A-43D3-8B79-37D633B846F1}">
+                  <asvg:svgBlip xmlns:asvg="http://schemas.microsoft.com/office/drawing/2016/SVG/main" r:embed="rId5"/>
+                </a:ext>
+              </a:extLst>
+            </a:blip>
+            <a:stretch>
+              <a:fillRect/>
+            </a:stretch>
+          </p:blipFill>
+          <p:spPr>
+            <a:xfrm>
+              <a:off x="4402832" y="749432"/>
+              <a:ext cx="252000" cy="252000"/>
+            </a:xfrm>
+            <a:prstGeom prst="rect">
+              <a:avLst/>
+            </a:prstGeom>
+          </p:spPr>
+        </p:pic>
+        <p:pic>
+          <p:nvPicPr>
+            <p:cNvPr id="1074" name="Grafik 1073" descr="Rotte med massiv udfyldning">
+              <a:extLst>
+                <a:ext uri="{FF2B5EF4-FFF2-40B4-BE49-F238E27FC236}">
+                  <a16:creationId xmlns:a16="http://schemas.microsoft.com/office/drawing/2014/main" id="{31AD5EA0-F620-1405-24FB-97EDF05E91A9}"/>
+                </a:ext>
+              </a:extLst>
+            </p:cNvPr>
+            <p:cNvPicPr>
+              <a:picLocks noChangeAspect="1"/>
+            </p:cNvPicPr>
+            <p:nvPr/>
+          </p:nvPicPr>
+          <p:blipFill>
+            <a:blip r:embed="rId4">
+              <a:extLst>
+                <a:ext uri="{96DAC541-7B7A-43D3-8B79-37D633B846F1}">
+                  <asvg:svgBlip xmlns:asvg="http://schemas.microsoft.com/office/drawing/2016/SVG/main" r:embed="rId5"/>
+                </a:ext>
+              </a:extLst>
+            </a:blip>
+            <a:stretch>
+              <a:fillRect/>
+            </a:stretch>
+          </p:blipFill>
+          <p:spPr>
+            <a:xfrm>
+              <a:off x="4974954" y="749432"/>
+              <a:ext cx="252000" cy="252000"/>
+            </a:xfrm>
+            <a:prstGeom prst="rect">
+              <a:avLst/>
+            </a:prstGeom>
+          </p:spPr>
+        </p:pic>
+        <p:pic>
+          <p:nvPicPr>
+            <p:cNvPr id="1075" name="Grafik 1074" descr="Rotte med massiv udfyldning">
+              <a:extLst>
+                <a:ext uri="{FF2B5EF4-FFF2-40B4-BE49-F238E27FC236}">
+                  <a16:creationId xmlns:a16="http://schemas.microsoft.com/office/drawing/2014/main" id="{C465CBA3-D14B-7F2B-825E-1B15A0AC9141}"/>
+                </a:ext>
+              </a:extLst>
+            </p:cNvPr>
+            <p:cNvPicPr>
+              <a:picLocks noChangeAspect="1"/>
+            </p:cNvPicPr>
+            <p:nvPr/>
+          </p:nvPicPr>
+          <p:blipFill>
+            <a:blip r:embed="rId4">
+              <a:extLst>
+                <a:ext uri="{96DAC541-7B7A-43D3-8B79-37D633B846F1}">
+                  <asvg:svgBlip xmlns:asvg="http://schemas.microsoft.com/office/drawing/2016/SVG/main" r:embed="rId5"/>
+                </a:ext>
+              </a:extLst>
+            </a:blip>
+            <a:stretch>
+              <a:fillRect/>
+            </a:stretch>
+          </p:blipFill>
+          <p:spPr>
+            <a:xfrm>
+              <a:off x="5547076" y="749432"/>
+              <a:ext cx="252000" cy="252000"/>
+            </a:xfrm>
+            <a:prstGeom prst="rect">
+              <a:avLst/>
+            </a:prstGeom>
+          </p:spPr>
+        </p:pic>
+        <p:pic>
+          <p:nvPicPr>
+            <p:cNvPr id="1076" name="Grafik 1075" descr="Rotte med massiv udfyldning">
+              <a:extLst>
+                <a:ext uri="{FF2B5EF4-FFF2-40B4-BE49-F238E27FC236}">
+                  <a16:creationId xmlns:a16="http://schemas.microsoft.com/office/drawing/2014/main" id="{DCA38D71-887A-94B7-41C1-D86146C42F8B}"/>
+                </a:ext>
+              </a:extLst>
+            </p:cNvPr>
+            <p:cNvPicPr>
+              <a:picLocks noChangeAspect="1"/>
+            </p:cNvPicPr>
+            <p:nvPr/>
+          </p:nvPicPr>
+          <p:blipFill>
+            <a:blip r:embed="rId4">
+              <a:extLst>
+                <a:ext uri="{96DAC541-7B7A-43D3-8B79-37D633B846F1}">
+                  <asvg:svgBlip xmlns:asvg="http://schemas.microsoft.com/office/drawing/2016/SVG/main" r:embed="rId5"/>
+                </a:ext>
+              </a:extLst>
+            </a:blip>
+            <a:stretch>
+              <a:fillRect/>
+            </a:stretch>
+          </p:blipFill>
+          <p:spPr>
+            <a:xfrm>
+              <a:off x="6119198" y="749432"/>
+              <a:ext cx="252000" cy="252000"/>
+            </a:xfrm>
+            <a:prstGeom prst="rect">
+              <a:avLst/>
+            </a:prstGeom>
+          </p:spPr>
+        </p:pic>
+      </p:grpSp>
+      <p:sp>
+        <p:nvSpPr>
+          <p:cNvPr id="1077" name="Tekstfelt 1076">
+            <a:extLst>
+              <a:ext uri="{FF2B5EF4-FFF2-40B4-BE49-F238E27FC236}">
+                <a16:creationId xmlns:a16="http://schemas.microsoft.com/office/drawing/2014/main" id="{E07196D7-3DF4-DC3E-50F9-08837CB1E86F}"/>
+              </a:ext>
+            </a:extLst>
+          </p:cNvPr>
+          <p:cNvSpPr txBox="1"/>
+          <p:nvPr/>
+        </p:nvSpPr>
+        <p:spPr>
+          <a:xfrm>
+            <a:off x="1266962" y="1131713"/>
+            <a:ext cx="1302861" cy="446276"/>
+          </a:xfrm>
+          <a:prstGeom prst="rect">
+            <a:avLst/>
+          </a:prstGeom>
+          <a:noFill/>
+        </p:spPr>
+        <p:txBody>
+          <a:bodyPr wrap="square" rtlCol="0">
+            <a:spAutoFit/>
+          </a:bodyPr>
+          <a:lstStyle/>
+          <a:p>
+            <a:pPr algn="ctr"/>
+            <a:r>
+              <a:rPr lang="en-GB" sz="1200" b="1" dirty="0">
+                <a:solidFill>
+                  <a:schemeClr val="accent2">
+                    <a:lumMod val="50000"/>
+                  </a:schemeClr>
+                </a:solidFill>
+                <a:latin typeface="Amasis MT Pro Medium" panose="02040604050005020304" pitchFamily="18" charset="0"/>
+              </a:rPr>
+              <a:t>ROSANNA S.</a:t>
+            </a:r>
+          </a:p>
+          <a:p>
+            <a:pPr algn="ctr"/>
+            <a:r>
+              <a:rPr lang="en-GB" sz="1050" dirty="0">
+                <a:solidFill>
+                  <a:schemeClr val="accent2">
+                    <a:lumMod val="50000"/>
+                  </a:schemeClr>
+                </a:solidFill>
+                <a:latin typeface="Amasis MT Pro Medium" panose="02040604050005020304" pitchFamily="18" charset="0"/>
+              </a:rPr>
+              <a:t>30 ROOMIES</a:t>
+            </a:r>
           </a:p>
         </p:txBody>
       </p:sp>
       <p:sp>
         <p:nvSpPr>
-          <p:cNvPr id="2069" name="Pil: pentagon 2068">
+          <p:cNvPr id="1080" name="Tekstfelt 1079">
             <a:extLst>
               <a:ext uri="{FF2B5EF4-FFF2-40B4-BE49-F238E27FC236}">
-                <a16:creationId xmlns:a16="http://schemas.microsoft.com/office/drawing/2014/main" id="{4CCB6056-9585-9DA0-29CE-1D0AAA161B91}"/>
+                <a16:creationId xmlns:a16="http://schemas.microsoft.com/office/drawing/2014/main" id="{EBB565C1-07C7-014E-A198-77E3B9437CC5}"/>
+              </a:ext>
+            </a:extLst>
+          </p:cNvPr>
+          <p:cNvSpPr txBox="1"/>
+          <p:nvPr/>
+        </p:nvSpPr>
+        <p:spPr>
+          <a:xfrm>
+            <a:off x="188594" y="1539692"/>
+            <a:ext cx="1378452" cy="438582"/>
+          </a:xfrm>
+          <a:prstGeom prst="rect">
+            <a:avLst/>
+          </a:prstGeom>
+          <a:noFill/>
+        </p:spPr>
+        <p:txBody>
+          <a:bodyPr wrap="square" rtlCol="0">
+            <a:spAutoFit/>
+          </a:bodyPr>
+          <a:lstStyle/>
+          <a:p>
+            <a:pPr algn="ctr"/>
+            <a:r>
+              <a:rPr lang="en-GB" sz="1200" b="1" dirty="0">
+                <a:solidFill>
+                  <a:schemeClr val="accent2">
+                    <a:lumMod val="50000"/>
+                  </a:schemeClr>
+                </a:solidFill>
+                <a:latin typeface="Amasis MT Pro Medium" panose="02040604050005020304" pitchFamily="18" charset="0"/>
+              </a:rPr>
+              <a:t>LEONORA M.</a:t>
+            </a:r>
+          </a:p>
+          <a:p>
+            <a:pPr algn="ctr"/>
+            <a:r>
+              <a:rPr lang="en-GB" sz="1050" dirty="0">
+                <a:solidFill>
+                  <a:schemeClr val="accent2">
+                    <a:lumMod val="50000"/>
+                  </a:schemeClr>
+                </a:solidFill>
+                <a:latin typeface="Amasis MT Pro Medium" panose="02040604050005020304" pitchFamily="18" charset="0"/>
+              </a:rPr>
+              <a:t>26 ROOMIES</a:t>
+            </a:r>
+          </a:p>
+        </p:txBody>
+      </p:sp>
+      <p:sp>
+        <p:nvSpPr>
+          <p:cNvPr id="1081" name="Tekstfelt 1080">
+            <a:extLst>
+              <a:ext uri="{FF2B5EF4-FFF2-40B4-BE49-F238E27FC236}">
+                <a16:creationId xmlns:a16="http://schemas.microsoft.com/office/drawing/2014/main" id="{5C1A594B-F1B4-0003-3B37-76015AEAC674}"/>
+              </a:ext>
+            </a:extLst>
+          </p:cNvPr>
+          <p:cNvSpPr txBox="1"/>
+          <p:nvPr/>
+        </p:nvSpPr>
+        <p:spPr>
+          <a:xfrm>
+            <a:off x="2290961" y="1744644"/>
+            <a:ext cx="1378452" cy="438582"/>
+          </a:xfrm>
+          <a:prstGeom prst="rect">
+            <a:avLst/>
+          </a:prstGeom>
+          <a:noFill/>
+        </p:spPr>
+        <p:txBody>
+          <a:bodyPr wrap="square" rtlCol="0">
+            <a:spAutoFit/>
+          </a:bodyPr>
+          <a:lstStyle/>
+          <a:p>
+            <a:pPr algn="ctr"/>
+            <a:r>
+              <a:rPr lang="en-GB" sz="1200" b="1" dirty="0">
+                <a:solidFill>
+                  <a:schemeClr val="accent2">
+                    <a:lumMod val="50000"/>
+                  </a:schemeClr>
+                </a:solidFill>
+                <a:latin typeface="Amasis MT Pro Medium" panose="02040604050005020304" pitchFamily="18" charset="0"/>
+              </a:rPr>
+              <a:t>MARK R.</a:t>
+            </a:r>
+          </a:p>
+          <a:p>
+            <a:pPr algn="ctr"/>
+            <a:r>
+              <a:rPr lang="en-GB" sz="1050" dirty="0">
+                <a:solidFill>
+                  <a:schemeClr val="accent2">
+                    <a:lumMod val="50000"/>
+                  </a:schemeClr>
+                </a:solidFill>
+                <a:latin typeface="Amasis MT Pro Medium" panose="02040604050005020304" pitchFamily="18" charset="0"/>
+              </a:rPr>
+              <a:t>25 ROOMIES</a:t>
+            </a:r>
+          </a:p>
+        </p:txBody>
+      </p:sp>
+      <p:grpSp>
+        <p:nvGrpSpPr>
+          <p:cNvPr id="1082" name="Gruppe 1081">
+            <a:extLst>
+              <a:ext uri="{FF2B5EF4-FFF2-40B4-BE49-F238E27FC236}">
+                <a16:creationId xmlns:a16="http://schemas.microsoft.com/office/drawing/2014/main" id="{43B216E4-D2E3-435E-60E0-A78C8379EDE2}"/>
+              </a:ext>
+            </a:extLst>
+          </p:cNvPr>
+          <p:cNvGrpSpPr/>
+          <p:nvPr/>
+        </p:nvGrpSpPr>
+        <p:grpSpPr>
+          <a:xfrm>
+            <a:off x="346990" y="6636861"/>
+            <a:ext cx="6831394" cy="252000"/>
+            <a:chOff x="111917" y="749432"/>
+            <a:chExt cx="6831394" cy="252000"/>
+          </a:xfrm>
+        </p:grpSpPr>
+        <p:pic>
+          <p:nvPicPr>
+            <p:cNvPr id="1083" name="Grafik 1082" descr="Rotte med massiv udfyldning">
+              <a:extLst>
+                <a:ext uri="{FF2B5EF4-FFF2-40B4-BE49-F238E27FC236}">
+                  <a16:creationId xmlns:a16="http://schemas.microsoft.com/office/drawing/2014/main" id="{341350B5-8B4C-5568-2DEB-0D0B8CECBE44}"/>
+                </a:ext>
+              </a:extLst>
+            </p:cNvPr>
+            <p:cNvPicPr>
+              <a:picLocks noChangeAspect="1"/>
+            </p:cNvPicPr>
+            <p:nvPr/>
+          </p:nvPicPr>
+          <p:blipFill>
+            <a:blip r:embed="rId4">
+              <a:extLst>
+                <a:ext uri="{96DAC541-7B7A-43D3-8B79-37D633B846F1}">
+                  <asvg:svgBlip xmlns:asvg="http://schemas.microsoft.com/office/drawing/2016/SVG/main" r:embed="rId5"/>
+                </a:ext>
+              </a:extLst>
+            </a:blip>
+            <a:stretch>
+              <a:fillRect/>
+            </a:stretch>
+          </p:blipFill>
+          <p:spPr>
+            <a:xfrm>
+              <a:off x="111917" y="749432"/>
+              <a:ext cx="252000" cy="252000"/>
+            </a:xfrm>
+            <a:prstGeom prst="rect">
+              <a:avLst/>
+            </a:prstGeom>
+          </p:spPr>
+        </p:pic>
+        <p:pic>
+          <p:nvPicPr>
+            <p:cNvPr id="1084" name="Grafik 1083" descr="Rotte med massiv udfyldning">
+              <a:extLst>
+                <a:ext uri="{FF2B5EF4-FFF2-40B4-BE49-F238E27FC236}">
+                  <a16:creationId xmlns:a16="http://schemas.microsoft.com/office/drawing/2014/main" id="{E69610F4-72DC-6090-2B3A-5CEBBD76DC7D}"/>
+                </a:ext>
+              </a:extLst>
+            </p:cNvPr>
+            <p:cNvPicPr>
+              <a:picLocks noChangeAspect="1"/>
+            </p:cNvPicPr>
+            <p:nvPr/>
+          </p:nvPicPr>
+          <p:blipFill>
+            <a:blip r:embed="rId4">
+              <a:extLst>
+                <a:ext uri="{96DAC541-7B7A-43D3-8B79-37D633B846F1}">
+                  <asvg:svgBlip xmlns:asvg="http://schemas.microsoft.com/office/drawing/2016/SVG/main" r:embed="rId5"/>
+                </a:ext>
+              </a:extLst>
+            </a:blip>
+            <a:stretch>
+              <a:fillRect/>
+            </a:stretch>
+          </p:blipFill>
+          <p:spPr>
+            <a:xfrm>
+              <a:off x="397978" y="749432"/>
+              <a:ext cx="252000" cy="252000"/>
+            </a:xfrm>
+            <a:prstGeom prst="rect">
+              <a:avLst/>
+            </a:prstGeom>
+          </p:spPr>
+        </p:pic>
+        <p:pic>
+          <p:nvPicPr>
+            <p:cNvPr id="1085" name="Grafik 1084" descr="Rotte med massiv udfyldning">
+              <a:extLst>
+                <a:ext uri="{FF2B5EF4-FFF2-40B4-BE49-F238E27FC236}">
+                  <a16:creationId xmlns:a16="http://schemas.microsoft.com/office/drawing/2014/main" id="{5B322EB3-7959-8CB5-8453-5382E7158EBB}"/>
+                </a:ext>
+              </a:extLst>
+            </p:cNvPr>
+            <p:cNvPicPr>
+              <a:picLocks noChangeAspect="1"/>
+            </p:cNvPicPr>
+            <p:nvPr/>
+          </p:nvPicPr>
+          <p:blipFill>
+            <a:blip r:embed="rId4">
+              <a:extLst>
+                <a:ext uri="{96DAC541-7B7A-43D3-8B79-37D633B846F1}">
+                  <asvg:svgBlip xmlns:asvg="http://schemas.microsoft.com/office/drawing/2016/SVG/main" r:embed="rId5"/>
+                </a:ext>
+              </a:extLst>
+            </a:blip>
+            <a:stretch>
+              <a:fillRect/>
+            </a:stretch>
+          </p:blipFill>
+          <p:spPr>
+            <a:xfrm>
+              <a:off x="684039" y="749432"/>
+              <a:ext cx="252000" cy="252000"/>
+            </a:xfrm>
+            <a:prstGeom prst="rect">
+              <a:avLst/>
+            </a:prstGeom>
+          </p:spPr>
+        </p:pic>
+        <p:pic>
+          <p:nvPicPr>
+            <p:cNvPr id="1086" name="Grafik 1085" descr="Rotte med massiv udfyldning">
+              <a:extLst>
+                <a:ext uri="{FF2B5EF4-FFF2-40B4-BE49-F238E27FC236}">
+                  <a16:creationId xmlns:a16="http://schemas.microsoft.com/office/drawing/2014/main" id="{4C700203-BC40-5F87-0E54-62CB3410AFB2}"/>
+                </a:ext>
+              </a:extLst>
+            </p:cNvPr>
+            <p:cNvPicPr>
+              <a:picLocks noChangeAspect="1"/>
+            </p:cNvPicPr>
+            <p:nvPr/>
+          </p:nvPicPr>
+          <p:blipFill>
+            <a:blip r:embed="rId4">
+              <a:extLst>
+                <a:ext uri="{96DAC541-7B7A-43D3-8B79-37D633B846F1}">
+                  <asvg:svgBlip xmlns:asvg="http://schemas.microsoft.com/office/drawing/2016/SVG/main" r:embed="rId5"/>
+                </a:ext>
+              </a:extLst>
+            </a:blip>
+            <a:stretch>
+              <a:fillRect/>
+            </a:stretch>
+          </p:blipFill>
+          <p:spPr>
+            <a:xfrm>
+              <a:off x="970100" y="749432"/>
+              <a:ext cx="252000" cy="252000"/>
+            </a:xfrm>
+            <a:prstGeom prst="rect">
+              <a:avLst/>
+            </a:prstGeom>
+          </p:spPr>
+        </p:pic>
+        <p:pic>
+          <p:nvPicPr>
+            <p:cNvPr id="1087" name="Grafik 1086" descr="Rotte med massiv udfyldning">
+              <a:extLst>
+                <a:ext uri="{FF2B5EF4-FFF2-40B4-BE49-F238E27FC236}">
+                  <a16:creationId xmlns:a16="http://schemas.microsoft.com/office/drawing/2014/main" id="{D2618690-EA96-674B-255D-F2F6D4FA610B}"/>
+                </a:ext>
+              </a:extLst>
+            </p:cNvPr>
+            <p:cNvPicPr>
+              <a:picLocks noChangeAspect="1"/>
+            </p:cNvPicPr>
+            <p:nvPr/>
+          </p:nvPicPr>
+          <p:blipFill>
+            <a:blip r:embed="rId4">
+              <a:extLst>
+                <a:ext uri="{96DAC541-7B7A-43D3-8B79-37D633B846F1}">
+                  <asvg:svgBlip xmlns:asvg="http://schemas.microsoft.com/office/drawing/2016/SVG/main" r:embed="rId5"/>
+                </a:ext>
+              </a:extLst>
+            </a:blip>
+            <a:stretch>
+              <a:fillRect/>
+            </a:stretch>
+          </p:blipFill>
+          <p:spPr>
+            <a:xfrm>
+              <a:off x="1256161" y="749432"/>
+              <a:ext cx="252000" cy="252000"/>
+            </a:xfrm>
+            <a:prstGeom prst="rect">
+              <a:avLst/>
+            </a:prstGeom>
+          </p:spPr>
+        </p:pic>
+        <p:pic>
+          <p:nvPicPr>
+            <p:cNvPr id="2049" name="Grafik 2048" descr="Rotte med massiv udfyldning">
+              <a:extLst>
+                <a:ext uri="{FF2B5EF4-FFF2-40B4-BE49-F238E27FC236}">
+                  <a16:creationId xmlns:a16="http://schemas.microsoft.com/office/drawing/2014/main" id="{5440F4DD-7F21-294A-9E3D-A30FEDBD6B98}"/>
+                </a:ext>
+              </a:extLst>
+            </p:cNvPr>
+            <p:cNvPicPr>
+              <a:picLocks noChangeAspect="1"/>
+            </p:cNvPicPr>
+            <p:nvPr/>
+          </p:nvPicPr>
+          <p:blipFill>
+            <a:blip r:embed="rId4">
+              <a:extLst>
+                <a:ext uri="{96DAC541-7B7A-43D3-8B79-37D633B846F1}">
+                  <asvg:svgBlip xmlns:asvg="http://schemas.microsoft.com/office/drawing/2016/SVG/main" r:embed="rId5"/>
+                </a:ext>
+              </a:extLst>
+            </a:blip>
+            <a:stretch>
+              <a:fillRect/>
+            </a:stretch>
+          </p:blipFill>
+          <p:spPr>
+            <a:xfrm>
+              <a:off x="1542222" y="749432"/>
+              <a:ext cx="252000" cy="252000"/>
+            </a:xfrm>
+            <a:prstGeom prst="rect">
+              <a:avLst/>
+            </a:prstGeom>
+          </p:spPr>
+        </p:pic>
+        <p:pic>
+          <p:nvPicPr>
+            <p:cNvPr id="2050" name="Grafik 2049" descr="Rotte med massiv udfyldning">
+              <a:extLst>
+                <a:ext uri="{FF2B5EF4-FFF2-40B4-BE49-F238E27FC236}">
+                  <a16:creationId xmlns:a16="http://schemas.microsoft.com/office/drawing/2014/main" id="{4461783B-2825-AC2C-DC45-D6031B98888B}"/>
+                </a:ext>
+              </a:extLst>
+            </p:cNvPr>
+            <p:cNvPicPr>
+              <a:picLocks noChangeAspect="1"/>
+            </p:cNvPicPr>
+            <p:nvPr/>
+          </p:nvPicPr>
+          <p:blipFill>
+            <a:blip r:embed="rId4">
+              <a:extLst>
+                <a:ext uri="{96DAC541-7B7A-43D3-8B79-37D633B846F1}">
+                  <asvg:svgBlip xmlns:asvg="http://schemas.microsoft.com/office/drawing/2016/SVG/main" r:embed="rId5"/>
+                </a:ext>
+              </a:extLst>
+            </a:blip>
+            <a:stretch>
+              <a:fillRect/>
+            </a:stretch>
+          </p:blipFill>
+          <p:spPr>
+            <a:xfrm>
+              <a:off x="1828283" y="749432"/>
+              <a:ext cx="252000" cy="252000"/>
+            </a:xfrm>
+            <a:prstGeom prst="rect">
+              <a:avLst/>
+            </a:prstGeom>
+          </p:spPr>
+        </p:pic>
+        <p:pic>
+          <p:nvPicPr>
+            <p:cNvPr id="2051" name="Grafik 2050" descr="Rotte med massiv udfyldning">
+              <a:extLst>
+                <a:ext uri="{FF2B5EF4-FFF2-40B4-BE49-F238E27FC236}">
+                  <a16:creationId xmlns:a16="http://schemas.microsoft.com/office/drawing/2014/main" id="{3888ACB7-5134-487E-CCB5-E43F9A965CE4}"/>
+                </a:ext>
+              </a:extLst>
+            </p:cNvPr>
+            <p:cNvPicPr>
+              <a:picLocks noChangeAspect="1"/>
+            </p:cNvPicPr>
+            <p:nvPr/>
+          </p:nvPicPr>
+          <p:blipFill>
+            <a:blip r:embed="rId4">
+              <a:extLst>
+                <a:ext uri="{96DAC541-7B7A-43D3-8B79-37D633B846F1}">
+                  <asvg:svgBlip xmlns:asvg="http://schemas.microsoft.com/office/drawing/2016/SVG/main" r:embed="rId5"/>
+                </a:ext>
+              </a:extLst>
+            </a:blip>
+            <a:stretch>
+              <a:fillRect/>
+            </a:stretch>
+          </p:blipFill>
+          <p:spPr>
+            <a:xfrm>
+              <a:off x="2114344" y="749432"/>
+              <a:ext cx="252000" cy="252000"/>
+            </a:xfrm>
+            <a:prstGeom prst="rect">
+              <a:avLst/>
+            </a:prstGeom>
+          </p:spPr>
+        </p:pic>
+        <p:pic>
+          <p:nvPicPr>
+            <p:cNvPr id="2052" name="Grafik 2051" descr="Rotte med massiv udfyldning">
+              <a:extLst>
+                <a:ext uri="{FF2B5EF4-FFF2-40B4-BE49-F238E27FC236}">
+                  <a16:creationId xmlns:a16="http://schemas.microsoft.com/office/drawing/2014/main" id="{52F13132-03A1-56C4-F57F-1F4590A7AE8F}"/>
+                </a:ext>
+              </a:extLst>
+            </p:cNvPr>
+            <p:cNvPicPr>
+              <a:picLocks noChangeAspect="1"/>
+            </p:cNvPicPr>
+            <p:nvPr/>
+          </p:nvPicPr>
+          <p:blipFill>
+            <a:blip r:embed="rId4">
+              <a:extLst>
+                <a:ext uri="{96DAC541-7B7A-43D3-8B79-37D633B846F1}">
+                  <asvg:svgBlip xmlns:asvg="http://schemas.microsoft.com/office/drawing/2016/SVG/main" r:embed="rId5"/>
+                </a:ext>
+              </a:extLst>
+            </a:blip>
+            <a:stretch>
+              <a:fillRect/>
+            </a:stretch>
+          </p:blipFill>
+          <p:spPr>
+            <a:xfrm>
+              <a:off x="2400405" y="749432"/>
+              <a:ext cx="252000" cy="252000"/>
+            </a:xfrm>
+            <a:prstGeom prst="rect">
+              <a:avLst/>
+            </a:prstGeom>
+          </p:spPr>
+        </p:pic>
+        <p:pic>
+          <p:nvPicPr>
+            <p:cNvPr id="2067" name="Grafik 2066" descr="Rotte med massiv udfyldning">
+              <a:extLst>
+                <a:ext uri="{FF2B5EF4-FFF2-40B4-BE49-F238E27FC236}">
+                  <a16:creationId xmlns:a16="http://schemas.microsoft.com/office/drawing/2014/main" id="{3BF1503C-ACDA-4563-CF87-38C745818AF8}"/>
+                </a:ext>
+              </a:extLst>
+            </p:cNvPr>
+            <p:cNvPicPr>
+              <a:picLocks noChangeAspect="1"/>
+            </p:cNvPicPr>
+            <p:nvPr/>
+          </p:nvPicPr>
+          <p:blipFill>
+            <a:blip r:embed="rId4">
+              <a:extLst>
+                <a:ext uri="{96DAC541-7B7A-43D3-8B79-37D633B846F1}">
+                  <asvg:svgBlip xmlns:asvg="http://schemas.microsoft.com/office/drawing/2016/SVG/main" r:embed="rId5"/>
+                </a:ext>
+              </a:extLst>
+            </a:blip>
+            <a:stretch>
+              <a:fillRect/>
+            </a:stretch>
+          </p:blipFill>
+          <p:spPr>
+            <a:xfrm>
+              <a:off x="2686466" y="749432"/>
+              <a:ext cx="252000" cy="252000"/>
+            </a:xfrm>
+            <a:prstGeom prst="rect">
+              <a:avLst/>
+            </a:prstGeom>
+          </p:spPr>
+        </p:pic>
+        <p:pic>
+          <p:nvPicPr>
+            <p:cNvPr id="2070" name="Grafik 2069" descr="Rotte med massiv udfyldning">
+              <a:extLst>
+                <a:ext uri="{FF2B5EF4-FFF2-40B4-BE49-F238E27FC236}">
+                  <a16:creationId xmlns:a16="http://schemas.microsoft.com/office/drawing/2014/main" id="{05F454D1-F53A-1FCA-BF87-EB524BE886AF}"/>
+                </a:ext>
+              </a:extLst>
+            </p:cNvPr>
+            <p:cNvPicPr>
+              <a:picLocks noChangeAspect="1"/>
+            </p:cNvPicPr>
+            <p:nvPr/>
+          </p:nvPicPr>
+          <p:blipFill>
+            <a:blip r:embed="rId4">
+              <a:extLst>
+                <a:ext uri="{96DAC541-7B7A-43D3-8B79-37D633B846F1}">
+                  <asvg:svgBlip xmlns:asvg="http://schemas.microsoft.com/office/drawing/2016/SVG/main" r:embed="rId5"/>
+                </a:ext>
+              </a:extLst>
+            </a:blip>
+            <a:stretch>
+              <a:fillRect/>
+            </a:stretch>
+          </p:blipFill>
+          <p:spPr>
+            <a:xfrm>
+              <a:off x="2972527" y="749432"/>
+              <a:ext cx="252000" cy="252000"/>
+            </a:xfrm>
+            <a:prstGeom prst="rect">
+              <a:avLst/>
+            </a:prstGeom>
+          </p:spPr>
+        </p:pic>
+        <p:pic>
+          <p:nvPicPr>
+            <p:cNvPr id="2071" name="Grafik 2070" descr="Rotte med massiv udfyldning">
+              <a:extLst>
+                <a:ext uri="{FF2B5EF4-FFF2-40B4-BE49-F238E27FC236}">
+                  <a16:creationId xmlns:a16="http://schemas.microsoft.com/office/drawing/2014/main" id="{46E1A5B0-6355-5046-0D07-1A7A71012286}"/>
+                </a:ext>
+              </a:extLst>
+            </p:cNvPr>
+            <p:cNvPicPr>
+              <a:picLocks noChangeAspect="1"/>
+            </p:cNvPicPr>
+            <p:nvPr/>
+          </p:nvPicPr>
+          <p:blipFill>
+            <a:blip r:embed="rId4">
+              <a:extLst>
+                <a:ext uri="{96DAC541-7B7A-43D3-8B79-37D633B846F1}">
+                  <asvg:svgBlip xmlns:asvg="http://schemas.microsoft.com/office/drawing/2016/SVG/main" r:embed="rId5"/>
+                </a:ext>
+              </a:extLst>
+            </a:blip>
+            <a:stretch>
+              <a:fillRect/>
+            </a:stretch>
+          </p:blipFill>
+          <p:spPr>
+            <a:xfrm>
+              <a:off x="3544649" y="749432"/>
+              <a:ext cx="252000" cy="252000"/>
+            </a:xfrm>
+            <a:prstGeom prst="rect">
+              <a:avLst/>
+            </a:prstGeom>
+          </p:spPr>
+        </p:pic>
+        <p:pic>
+          <p:nvPicPr>
+            <p:cNvPr id="2072" name="Grafik 2071" descr="Rotte med massiv udfyldning">
+              <a:extLst>
+                <a:ext uri="{FF2B5EF4-FFF2-40B4-BE49-F238E27FC236}">
+                  <a16:creationId xmlns:a16="http://schemas.microsoft.com/office/drawing/2014/main" id="{17AEB884-DB88-681E-95BB-36AA6F6C4884}"/>
+                </a:ext>
+              </a:extLst>
+            </p:cNvPr>
+            <p:cNvPicPr>
+              <a:picLocks noChangeAspect="1"/>
+            </p:cNvPicPr>
+            <p:nvPr/>
+          </p:nvPicPr>
+          <p:blipFill>
+            <a:blip r:embed="rId4">
+              <a:extLst>
+                <a:ext uri="{96DAC541-7B7A-43D3-8B79-37D633B846F1}">
+                  <asvg:svgBlip xmlns:asvg="http://schemas.microsoft.com/office/drawing/2016/SVG/main" r:embed="rId5"/>
+                </a:ext>
+              </a:extLst>
+            </a:blip>
+            <a:stretch>
+              <a:fillRect/>
+            </a:stretch>
+          </p:blipFill>
+          <p:spPr>
+            <a:xfrm>
+              <a:off x="4116771" y="749432"/>
+              <a:ext cx="252000" cy="252000"/>
+            </a:xfrm>
+            <a:prstGeom prst="rect">
+              <a:avLst/>
+            </a:prstGeom>
+          </p:spPr>
+        </p:pic>
+        <p:pic>
+          <p:nvPicPr>
+            <p:cNvPr id="2073" name="Grafik 2072" descr="Rotte med massiv udfyldning">
+              <a:extLst>
+                <a:ext uri="{FF2B5EF4-FFF2-40B4-BE49-F238E27FC236}">
+                  <a16:creationId xmlns:a16="http://schemas.microsoft.com/office/drawing/2014/main" id="{E425CFB1-A5C5-DD53-40E7-BA0B417A4843}"/>
+                </a:ext>
+              </a:extLst>
+            </p:cNvPr>
+            <p:cNvPicPr>
+              <a:picLocks noChangeAspect="1"/>
+            </p:cNvPicPr>
+            <p:nvPr/>
+          </p:nvPicPr>
+          <p:blipFill>
+            <a:blip r:embed="rId4">
+              <a:extLst>
+                <a:ext uri="{96DAC541-7B7A-43D3-8B79-37D633B846F1}">
+                  <asvg:svgBlip xmlns:asvg="http://schemas.microsoft.com/office/drawing/2016/SVG/main" r:embed="rId5"/>
+                </a:ext>
+              </a:extLst>
+            </a:blip>
+            <a:stretch>
+              <a:fillRect/>
+            </a:stretch>
+          </p:blipFill>
+          <p:spPr>
+            <a:xfrm>
+              <a:off x="4688893" y="749432"/>
+              <a:ext cx="252000" cy="252000"/>
+            </a:xfrm>
+            <a:prstGeom prst="rect">
+              <a:avLst/>
+            </a:prstGeom>
+          </p:spPr>
+        </p:pic>
+        <p:pic>
+          <p:nvPicPr>
+            <p:cNvPr id="2074" name="Grafik 2073" descr="Rotte med massiv udfyldning">
+              <a:extLst>
+                <a:ext uri="{FF2B5EF4-FFF2-40B4-BE49-F238E27FC236}">
+                  <a16:creationId xmlns:a16="http://schemas.microsoft.com/office/drawing/2014/main" id="{11C9E723-5B89-0642-B173-35C8D20E82F4}"/>
+                </a:ext>
+              </a:extLst>
+            </p:cNvPr>
+            <p:cNvPicPr>
+              <a:picLocks noChangeAspect="1"/>
+            </p:cNvPicPr>
+            <p:nvPr/>
+          </p:nvPicPr>
+          <p:blipFill>
+            <a:blip r:embed="rId4">
+              <a:extLst>
+                <a:ext uri="{96DAC541-7B7A-43D3-8B79-37D633B846F1}">
+                  <asvg:svgBlip xmlns:asvg="http://schemas.microsoft.com/office/drawing/2016/SVG/main" r:embed="rId5"/>
+                </a:ext>
+              </a:extLst>
+            </a:blip>
+            <a:stretch>
+              <a:fillRect/>
+            </a:stretch>
+          </p:blipFill>
+          <p:spPr>
+            <a:xfrm>
+              <a:off x="5261015" y="749432"/>
+              <a:ext cx="252000" cy="252000"/>
+            </a:xfrm>
+            <a:prstGeom prst="rect">
+              <a:avLst/>
+            </a:prstGeom>
+          </p:spPr>
+        </p:pic>
+        <p:pic>
+          <p:nvPicPr>
+            <p:cNvPr id="2075" name="Grafik 2074" descr="Rotte med massiv udfyldning">
+              <a:extLst>
+                <a:ext uri="{FF2B5EF4-FFF2-40B4-BE49-F238E27FC236}">
+                  <a16:creationId xmlns:a16="http://schemas.microsoft.com/office/drawing/2014/main" id="{75FD9060-6BEA-DDB4-0077-9D599B34C6DF}"/>
+                </a:ext>
+              </a:extLst>
+            </p:cNvPr>
+            <p:cNvPicPr>
+              <a:picLocks noChangeAspect="1"/>
+            </p:cNvPicPr>
+            <p:nvPr/>
+          </p:nvPicPr>
+          <p:blipFill>
+            <a:blip r:embed="rId4">
+              <a:extLst>
+                <a:ext uri="{96DAC541-7B7A-43D3-8B79-37D633B846F1}">
+                  <asvg:svgBlip xmlns:asvg="http://schemas.microsoft.com/office/drawing/2016/SVG/main" r:embed="rId5"/>
+                </a:ext>
+              </a:extLst>
+            </a:blip>
+            <a:stretch>
+              <a:fillRect/>
+            </a:stretch>
+          </p:blipFill>
+          <p:spPr>
+            <a:xfrm>
+              <a:off x="5833137" y="749432"/>
+              <a:ext cx="252000" cy="252000"/>
+            </a:xfrm>
+            <a:prstGeom prst="rect">
+              <a:avLst/>
+            </a:prstGeom>
+          </p:spPr>
+        </p:pic>
+        <p:pic>
+          <p:nvPicPr>
+            <p:cNvPr id="2076" name="Grafik 2075" descr="Rotte med massiv udfyldning">
+              <a:extLst>
+                <a:ext uri="{FF2B5EF4-FFF2-40B4-BE49-F238E27FC236}">
+                  <a16:creationId xmlns:a16="http://schemas.microsoft.com/office/drawing/2014/main" id="{52FE0F7F-7F8B-3CC0-121F-970CA11D7BFB}"/>
+                </a:ext>
+              </a:extLst>
+            </p:cNvPr>
+            <p:cNvPicPr>
+              <a:picLocks noChangeAspect="1"/>
+            </p:cNvPicPr>
+            <p:nvPr/>
+          </p:nvPicPr>
+          <p:blipFill>
+            <a:blip r:embed="rId4">
+              <a:extLst>
+                <a:ext uri="{96DAC541-7B7A-43D3-8B79-37D633B846F1}">
+                  <asvg:svgBlip xmlns:asvg="http://schemas.microsoft.com/office/drawing/2016/SVG/main" r:embed="rId5"/>
+                </a:ext>
+              </a:extLst>
+            </a:blip>
+            <a:stretch>
+              <a:fillRect/>
+            </a:stretch>
+          </p:blipFill>
+          <p:spPr>
+            <a:xfrm>
+              <a:off x="6405259" y="749432"/>
+              <a:ext cx="252000" cy="252000"/>
+            </a:xfrm>
+            <a:prstGeom prst="rect">
+              <a:avLst/>
+            </a:prstGeom>
+          </p:spPr>
+        </p:pic>
+        <p:pic>
+          <p:nvPicPr>
+            <p:cNvPr id="2077" name="Grafik 2076" descr="Rotte med massiv udfyldning">
+              <a:extLst>
+                <a:ext uri="{FF2B5EF4-FFF2-40B4-BE49-F238E27FC236}">
+                  <a16:creationId xmlns:a16="http://schemas.microsoft.com/office/drawing/2014/main" id="{5A87B0F9-AD11-AF28-1622-D535B946F8C6}"/>
+                </a:ext>
+              </a:extLst>
+            </p:cNvPr>
+            <p:cNvPicPr>
+              <a:picLocks noChangeAspect="1"/>
+            </p:cNvPicPr>
+            <p:nvPr/>
+          </p:nvPicPr>
+          <p:blipFill>
+            <a:blip r:embed="rId4">
+              <a:extLst>
+                <a:ext uri="{96DAC541-7B7A-43D3-8B79-37D633B846F1}">
+                  <asvg:svgBlip xmlns:asvg="http://schemas.microsoft.com/office/drawing/2016/SVG/main" r:embed="rId5"/>
+                </a:ext>
+              </a:extLst>
+            </a:blip>
+            <a:stretch>
+              <a:fillRect/>
+            </a:stretch>
+          </p:blipFill>
+          <p:spPr>
+            <a:xfrm>
+              <a:off x="6691311" y="749432"/>
+              <a:ext cx="252000" cy="252000"/>
+            </a:xfrm>
+            <a:prstGeom prst="rect">
+              <a:avLst/>
+            </a:prstGeom>
+          </p:spPr>
+        </p:pic>
+        <p:pic>
+          <p:nvPicPr>
+            <p:cNvPr id="2078" name="Grafik 2077" descr="Rotte med massiv udfyldning">
+              <a:extLst>
+                <a:ext uri="{FF2B5EF4-FFF2-40B4-BE49-F238E27FC236}">
+                  <a16:creationId xmlns:a16="http://schemas.microsoft.com/office/drawing/2014/main" id="{3F002302-D1C7-E3F8-7085-70E2951ABE51}"/>
+                </a:ext>
+              </a:extLst>
+            </p:cNvPr>
+            <p:cNvPicPr>
+              <a:picLocks noChangeAspect="1"/>
+            </p:cNvPicPr>
+            <p:nvPr/>
+          </p:nvPicPr>
+          <p:blipFill>
+            <a:blip r:embed="rId4">
+              <a:extLst>
+                <a:ext uri="{96DAC541-7B7A-43D3-8B79-37D633B846F1}">
+                  <asvg:svgBlip xmlns:asvg="http://schemas.microsoft.com/office/drawing/2016/SVG/main" r:embed="rId5"/>
+                </a:ext>
+              </a:extLst>
+            </a:blip>
+            <a:stretch>
+              <a:fillRect/>
+            </a:stretch>
+          </p:blipFill>
+          <p:spPr>
+            <a:xfrm>
+              <a:off x="3258588" y="749432"/>
+              <a:ext cx="252000" cy="252000"/>
+            </a:xfrm>
+            <a:prstGeom prst="rect">
+              <a:avLst/>
+            </a:prstGeom>
+          </p:spPr>
+        </p:pic>
+        <p:pic>
+          <p:nvPicPr>
+            <p:cNvPr id="2079" name="Grafik 2078" descr="Rotte med massiv udfyldning">
+              <a:extLst>
+                <a:ext uri="{FF2B5EF4-FFF2-40B4-BE49-F238E27FC236}">
+                  <a16:creationId xmlns:a16="http://schemas.microsoft.com/office/drawing/2014/main" id="{5A4FFC07-B8F8-9702-5035-E7E61186E79C}"/>
+                </a:ext>
+              </a:extLst>
+            </p:cNvPr>
+            <p:cNvPicPr>
+              <a:picLocks noChangeAspect="1"/>
+            </p:cNvPicPr>
+            <p:nvPr/>
+          </p:nvPicPr>
+          <p:blipFill>
+            <a:blip r:embed="rId4">
+              <a:extLst>
+                <a:ext uri="{96DAC541-7B7A-43D3-8B79-37D633B846F1}">
+                  <asvg:svgBlip xmlns:asvg="http://schemas.microsoft.com/office/drawing/2016/SVG/main" r:embed="rId5"/>
+                </a:ext>
+              </a:extLst>
+            </a:blip>
+            <a:stretch>
+              <a:fillRect/>
+            </a:stretch>
+          </p:blipFill>
+          <p:spPr>
+            <a:xfrm>
+              <a:off x="3830710" y="749432"/>
+              <a:ext cx="252000" cy="252000"/>
+            </a:xfrm>
+            <a:prstGeom prst="rect">
+              <a:avLst/>
+            </a:prstGeom>
+          </p:spPr>
+        </p:pic>
+        <p:pic>
+          <p:nvPicPr>
+            <p:cNvPr id="2080" name="Grafik 2079" descr="Rotte med massiv udfyldning">
+              <a:extLst>
+                <a:ext uri="{FF2B5EF4-FFF2-40B4-BE49-F238E27FC236}">
+                  <a16:creationId xmlns:a16="http://schemas.microsoft.com/office/drawing/2014/main" id="{76B91FA4-6613-7858-7840-D951D8B7D2F9}"/>
+                </a:ext>
+              </a:extLst>
+            </p:cNvPr>
+            <p:cNvPicPr>
+              <a:picLocks noChangeAspect="1"/>
+            </p:cNvPicPr>
+            <p:nvPr/>
+          </p:nvPicPr>
+          <p:blipFill>
+            <a:blip r:embed="rId4">
+              <a:extLst>
+                <a:ext uri="{96DAC541-7B7A-43D3-8B79-37D633B846F1}">
+                  <asvg:svgBlip xmlns:asvg="http://schemas.microsoft.com/office/drawing/2016/SVG/main" r:embed="rId5"/>
+                </a:ext>
+              </a:extLst>
+            </a:blip>
+            <a:stretch>
+              <a:fillRect/>
+            </a:stretch>
+          </p:blipFill>
+          <p:spPr>
+            <a:xfrm>
+              <a:off x="4402832" y="749432"/>
+              <a:ext cx="252000" cy="252000"/>
+            </a:xfrm>
+            <a:prstGeom prst="rect">
+              <a:avLst/>
+            </a:prstGeom>
+          </p:spPr>
+        </p:pic>
+        <p:pic>
+          <p:nvPicPr>
+            <p:cNvPr id="2081" name="Grafik 2080" descr="Rotte med massiv udfyldning">
+              <a:extLst>
+                <a:ext uri="{FF2B5EF4-FFF2-40B4-BE49-F238E27FC236}">
+                  <a16:creationId xmlns:a16="http://schemas.microsoft.com/office/drawing/2014/main" id="{5BF4BDBC-635A-707C-D7AC-8CF4EA580CB9}"/>
+                </a:ext>
+              </a:extLst>
+            </p:cNvPr>
+            <p:cNvPicPr>
+              <a:picLocks noChangeAspect="1"/>
+            </p:cNvPicPr>
+            <p:nvPr/>
+          </p:nvPicPr>
+          <p:blipFill>
+            <a:blip r:embed="rId4">
+              <a:extLst>
+                <a:ext uri="{96DAC541-7B7A-43D3-8B79-37D633B846F1}">
+                  <asvg:svgBlip xmlns:asvg="http://schemas.microsoft.com/office/drawing/2016/SVG/main" r:embed="rId5"/>
+                </a:ext>
+              </a:extLst>
+            </a:blip>
+            <a:stretch>
+              <a:fillRect/>
+            </a:stretch>
+          </p:blipFill>
+          <p:spPr>
+            <a:xfrm>
+              <a:off x="4974954" y="749432"/>
+              <a:ext cx="252000" cy="252000"/>
+            </a:xfrm>
+            <a:prstGeom prst="rect">
+              <a:avLst/>
+            </a:prstGeom>
+          </p:spPr>
+        </p:pic>
+        <p:pic>
+          <p:nvPicPr>
+            <p:cNvPr id="2082" name="Grafik 2081" descr="Rotte med massiv udfyldning">
+              <a:extLst>
+                <a:ext uri="{FF2B5EF4-FFF2-40B4-BE49-F238E27FC236}">
+                  <a16:creationId xmlns:a16="http://schemas.microsoft.com/office/drawing/2014/main" id="{CB15FF02-9A31-A9E9-9C8F-B237DC770CE5}"/>
+                </a:ext>
+              </a:extLst>
+            </p:cNvPr>
+            <p:cNvPicPr>
+              <a:picLocks noChangeAspect="1"/>
+            </p:cNvPicPr>
+            <p:nvPr/>
+          </p:nvPicPr>
+          <p:blipFill>
+            <a:blip r:embed="rId4">
+              <a:extLst>
+                <a:ext uri="{96DAC541-7B7A-43D3-8B79-37D633B846F1}">
+                  <asvg:svgBlip xmlns:asvg="http://schemas.microsoft.com/office/drawing/2016/SVG/main" r:embed="rId5"/>
+                </a:ext>
+              </a:extLst>
+            </a:blip>
+            <a:stretch>
+              <a:fillRect/>
+            </a:stretch>
+          </p:blipFill>
+          <p:spPr>
+            <a:xfrm>
+              <a:off x="5547076" y="749432"/>
+              <a:ext cx="252000" cy="252000"/>
+            </a:xfrm>
+            <a:prstGeom prst="rect">
+              <a:avLst/>
+            </a:prstGeom>
+          </p:spPr>
+        </p:pic>
+        <p:pic>
+          <p:nvPicPr>
+            <p:cNvPr id="2083" name="Grafik 2082" descr="Rotte med massiv udfyldning">
+              <a:extLst>
+                <a:ext uri="{FF2B5EF4-FFF2-40B4-BE49-F238E27FC236}">
+                  <a16:creationId xmlns:a16="http://schemas.microsoft.com/office/drawing/2014/main" id="{852F97F5-FB22-9EA6-312A-E2F9E74C64AD}"/>
+                </a:ext>
+              </a:extLst>
+            </p:cNvPr>
+            <p:cNvPicPr>
+              <a:picLocks noChangeAspect="1"/>
+            </p:cNvPicPr>
+            <p:nvPr/>
+          </p:nvPicPr>
+          <p:blipFill>
+            <a:blip r:embed="rId4">
+              <a:extLst>
+                <a:ext uri="{96DAC541-7B7A-43D3-8B79-37D633B846F1}">
+                  <asvg:svgBlip xmlns:asvg="http://schemas.microsoft.com/office/drawing/2016/SVG/main" r:embed="rId5"/>
+                </a:ext>
+              </a:extLst>
+            </a:blip>
+            <a:stretch>
+              <a:fillRect/>
+            </a:stretch>
+          </p:blipFill>
+          <p:spPr>
+            <a:xfrm>
+              <a:off x="6119198" y="749432"/>
+              <a:ext cx="252000" cy="252000"/>
+            </a:xfrm>
+            <a:prstGeom prst="rect">
+              <a:avLst/>
+            </a:prstGeom>
+          </p:spPr>
+        </p:pic>
+      </p:grpSp>
+      <p:sp>
+        <p:nvSpPr>
+          <p:cNvPr id="2086" name="Tekstfelt 2085">
+            <a:extLst>
+              <a:ext uri="{FF2B5EF4-FFF2-40B4-BE49-F238E27FC236}">
+                <a16:creationId xmlns:a16="http://schemas.microsoft.com/office/drawing/2014/main" id="{714832D4-4D74-2C1F-5269-716B14D9B1A0}"/>
+              </a:ext>
+            </a:extLst>
+          </p:cNvPr>
+          <p:cNvSpPr txBox="1"/>
+          <p:nvPr/>
+        </p:nvSpPr>
+        <p:spPr>
+          <a:xfrm>
+            <a:off x="6092052" y="2431876"/>
+            <a:ext cx="970137" cy="246221"/>
+          </a:xfrm>
+          <a:prstGeom prst="rect">
+            <a:avLst/>
+          </a:prstGeom>
+          <a:noFill/>
+        </p:spPr>
+        <p:txBody>
+          <a:bodyPr wrap="none" rtlCol="0">
+            <a:spAutoFit/>
+          </a:bodyPr>
+          <a:lstStyle/>
+          <a:p>
+            <a:pPr algn="ctr"/>
+            <a:r>
+              <a:rPr lang="en-GB" sz="1000" i="1" dirty="0">
+                <a:solidFill>
+                  <a:schemeClr val="accent2">
+                    <a:lumMod val="50000"/>
+                  </a:schemeClr>
+                </a:solidFill>
+                <a:latin typeface="Amasis MT Pro Medium" panose="02040604050005020304" pitchFamily="18" charset="0"/>
+              </a:rPr>
+              <a:t>MEDIAN = 14</a:t>
+            </a:r>
+          </a:p>
+        </p:txBody>
+      </p:sp>
+      <p:sp>
+        <p:nvSpPr>
+          <p:cNvPr id="2087" name="Tekstfelt 2086">
+            <a:extLst>
+              <a:ext uri="{FF2B5EF4-FFF2-40B4-BE49-F238E27FC236}">
+                <a16:creationId xmlns:a16="http://schemas.microsoft.com/office/drawing/2014/main" id="{BD06AACB-4BBA-BDC1-6FE6-CC2C2C72E2AD}"/>
+              </a:ext>
+            </a:extLst>
+          </p:cNvPr>
+          <p:cNvSpPr txBox="1"/>
+          <p:nvPr/>
+        </p:nvSpPr>
+        <p:spPr>
+          <a:xfrm>
+            <a:off x="-44906" y="10515125"/>
+            <a:ext cx="1790875" cy="246221"/>
+          </a:xfrm>
+          <a:prstGeom prst="rect">
+            <a:avLst/>
+          </a:prstGeom>
+          <a:noFill/>
+        </p:spPr>
+        <p:txBody>
+          <a:bodyPr wrap="none" rtlCol="0">
+            <a:spAutoFit/>
+          </a:bodyPr>
+          <a:lstStyle/>
+          <a:p>
+            <a:r>
+              <a:rPr lang="en-GB" sz="1000" i="1" dirty="0">
+                <a:solidFill>
+                  <a:schemeClr val="accent2">
+                    <a:lumMod val="50000"/>
+                  </a:schemeClr>
+                </a:solidFill>
+                <a:latin typeface="Amasis MT Pro Medium" panose="02040604050005020304" pitchFamily="18" charset="0"/>
+              </a:rPr>
+              <a:t>KASPER FUGLSANG JORDT</a:t>
+            </a:r>
+          </a:p>
+        </p:txBody>
+      </p:sp>
+      <p:cxnSp>
+        <p:nvCxnSpPr>
+          <p:cNvPr id="2096" name="Lige forbindelse 2095">
+            <a:extLst>
+              <a:ext uri="{FF2B5EF4-FFF2-40B4-BE49-F238E27FC236}">
+                <a16:creationId xmlns:a16="http://schemas.microsoft.com/office/drawing/2014/main" id="{51622256-91CE-7167-0461-6BA67B936850}"/>
+              </a:ext>
+            </a:extLst>
+          </p:cNvPr>
+          <p:cNvCxnSpPr>
+            <a:cxnSpLocks/>
+          </p:cNvCxnSpPr>
+          <p:nvPr/>
+        </p:nvCxnSpPr>
+        <p:spPr>
+          <a:xfrm>
+            <a:off x="349465" y="4955382"/>
+            <a:ext cx="6803049" cy="0"/>
+          </a:xfrm>
+          <a:prstGeom prst="line">
+            <a:avLst/>
+          </a:prstGeom>
+          <a:ln>
+            <a:solidFill>
+              <a:schemeClr val="tx1"/>
+            </a:solidFill>
+          </a:ln>
+        </p:spPr>
+        <p:style>
+          <a:lnRef idx="2">
+            <a:schemeClr val="accent1"/>
+          </a:lnRef>
+          <a:fillRef idx="0">
+            <a:schemeClr val="accent1"/>
+          </a:fillRef>
+          <a:effectRef idx="1">
+            <a:schemeClr val="accent1"/>
+          </a:effectRef>
+          <a:fontRef idx="minor">
+            <a:schemeClr val="tx1"/>
+          </a:fontRef>
+        </p:style>
+      </p:cxnSp>
+      <p:grpSp>
+        <p:nvGrpSpPr>
+          <p:cNvPr id="2144" name="Gruppe 2143">
+            <a:extLst>
+              <a:ext uri="{FF2B5EF4-FFF2-40B4-BE49-F238E27FC236}">
+                <a16:creationId xmlns:a16="http://schemas.microsoft.com/office/drawing/2014/main" id="{A02F96E1-FD0E-1936-51A6-02909E91D53C}"/>
+              </a:ext>
+            </a:extLst>
+          </p:cNvPr>
+          <p:cNvGrpSpPr/>
+          <p:nvPr/>
+        </p:nvGrpSpPr>
+        <p:grpSpPr>
+          <a:xfrm>
+            <a:off x="5784803" y="4949335"/>
+            <a:ext cx="332142" cy="293149"/>
+            <a:chOff x="6978311" y="4836782"/>
+            <a:chExt cx="332142" cy="293149"/>
+          </a:xfrm>
+        </p:grpSpPr>
+        <p:cxnSp>
+          <p:nvCxnSpPr>
+            <p:cNvPr id="2139" name="Lige forbindelse 2138">
+              <a:extLst>
+                <a:ext uri="{FF2B5EF4-FFF2-40B4-BE49-F238E27FC236}">
+                  <a16:creationId xmlns:a16="http://schemas.microsoft.com/office/drawing/2014/main" id="{C8057931-2EE6-5396-C754-718B59BAFD6C}"/>
+                </a:ext>
+              </a:extLst>
+            </p:cNvPr>
+            <p:cNvCxnSpPr>
+              <a:cxnSpLocks/>
+            </p:cNvCxnSpPr>
+            <p:nvPr/>
+          </p:nvCxnSpPr>
+          <p:spPr>
+            <a:xfrm>
+              <a:off x="7144382" y="4836782"/>
+              <a:ext cx="0" cy="78467"/>
+            </a:xfrm>
+            <a:prstGeom prst="line">
+              <a:avLst/>
+            </a:prstGeom>
+            <a:ln>
+              <a:solidFill>
+                <a:schemeClr val="tx1"/>
+              </a:solidFill>
+            </a:ln>
+          </p:spPr>
+          <p:style>
+            <a:lnRef idx="2">
+              <a:schemeClr val="accent1"/>
+            </a:lnRef>
+            <a:fillRef idx="0">
+              <a:schemeClr val="accent1"/>
+            </a:fillRef>
+            <a:effectRef idx="1">
+              <a:schemeClr val="accent1"/>
+            </a:effectRef>
+            <a:fontRef idx="minor">
+              <a:schemeClr val="tx1"/>
+            </a:fontRef>
+          </p:style>
+        </p:cxnSp>
+        <p:sp>
+          <p:nvSpPr>
+            <p:cNvPr id="2143" name="Tekstfelt 2142">
+              <a:extLst>
+                <a:ext uri="{FF2B5EF4-FFF2-40B4-BE49-F238E27FC236}">
+                  <a16:creationId xmlns:a16="http://schemas.microsoft.com/office/drawing/2014/main" id="{5014D51D-4264-484D-3AF9-31FF54440EC2}"/>
+                </a:ext>
+              </a:extLst>
+            </p:cNvPr>
+            <p:cNvSpPr txBox="1"/>
+            <p:nvPr/>
+          </p:nvSpPr>
+          <p:spPr>
+            <a:xfrm>
+              <a:off x="6978311" y="4876015"/>
+              <a:ext cx="332142" cy="253916"/>
+            </a:xfrm>
+            <a:prstGeom prst="rect">
+              <a:avLst/>
+            </a:prstGeom>
+            <a:noFill/>
+            <a:ln>
+              <a:noFill/>
+            </a:ln>
+          </p:spPr>
+          <p:txBody>
+            <a:bodyPr wrap="none" rtlCol="0" anchor="ctr">
+              <a:spAutoFit/>
+            </a:bodyPr>
+            <a:lstStyle/>
+            <a:p>
+              <a:pPr algn="ctr"/>
+              <a:r>
+                <a:rPr lang="en-GB" sz="1050" dirty="0">
+                  <a:latin typeface="Amasis MT Pro Medium" panose="02040604050005020304" pitchFamily="18" charset="0"/>
+                </a:rPr>
+                <a:t>50</a:t>
+              </a:r>
+            </a:p>
+          </p:txBody>
+        </p:sp>
+      </p:grpSp>
+      <p:grpSp>
+        <p:nvGrpSpPr>
+          <p:cNvPr id="2145" name="Gruppe 2144">
+            <a:extLst>
+              <a:ext uri="{FF2B5EF4-FFF2-40B4-BE49-F238E27FC236}">
+                <a16:creationId xmlns:a16="http://schemas.microsoft.com/office/drawing/2014/main" id="{37983073-E436-49B7-8BF6-82998CB3DE38}"/>
+              </a:ext>
+            </a:extLst>
+          </p:cNvPr>
+          <p:cNvGrpSpPr/>
+          <p:nvPr/>
+        </p:nvGrpSpPr>
+        <p:grpSpPr>
+          <a:xfrm>
+            <a:off x="4629557" y="4958925"/>
+            <a:ext cx="332142" cy="293149"/>
+            <a:chOff x="6978311" y="4836782"/>
+            <a:chExt cx="332142" cy="293149"/>
+          </a:xfrm>
+        </p:grpSpPr>
+        <p:cxnSp>
+          <p:nvCxnSpPr>
+            <p:cNvPr id="2146" name="Lige forbindelse 2145">
+              <a:extLst>
+                <a:ext uri="{FF2B5EF4-FFF2-40B4-BE49-F238E27FC236}">
+                  <a16:creationId xmlns:a16="http://schemas.microsoft.com/office/drawing/2014/main" id="{8D08EA27-E982-4468-A13A-10C523282056}"/>
+                </a:ext>
+              </a:extLst>
+            </p:cNvPr>
+            <p:cNvCxnSpPr>
+              <a:cxnSpLocks/>
+            </p:cNvCxnSpPr>
+            <p:nvPr/>
+          </p:nvCxnSpPr>
+          <p:spPr>
+            <a:xfrm>
+              <a:off x="7144382" y="4836782"/>
+              <a:ext cx="0" cy="78467"/>
+            </a:xfrm>
+            <a:prstGeom prst="line">
+              <a:avLst/>
+            </a:prstGeom>
+            <a:ln>
+              <a:solidFill>
+                <a:schemeClr val="tx1"/>
+              </a:solidFill>
+            </a:ln>
+          </p:spPr>
+          <p:style>
+            <a:lnRef idx="2">
+              <a:schemeClr val="accent1"/>
+            </a:lnRef>
+            <a:fillRef idx="0">
+              <a:schemeClr val="accent1"/>
+            </a:fillRef>
+            <a:effectRef idx="1">
+              <a:schemeClr val="accent1"/>
+            </a:effectRef>
+            <a:fontRef idx="minor">
+              <a:schemeClr val="tx1"/>
+            </a:fontRef>
+          </p:style>
+        </p:cxnSp>
+        <p:sp>
+          <p:nvSpPr>
+            <p:cNvPr id="2147" name="Tekstfelt 2146">
+              <a:extLst>
+                <a:ext uri="{FF2B5EF4-FFF2-40B4-BE49-F238E27FC236}">
+                  <a16:creationId xmlns:a16="http://schemas.microsoft.com/office/drawing/2014/main" id="{F19F1A8E-2214-9344-9394-9586F76FA11F}"/>
+                </a:ext>
+              </a:extLst>
+            </p:cNvPr>
+            <p:cNvSpPr txBox="1"/>
+            <p:nvPr/>
+          </p:nvSpPr>
+          <p:spPr>
+            <a:xfrm>
+              <a:off x="6978311" y="4876015"/>
+              <a:ext cx="332142" cy="253916"/>
+            </a:xfrm>
+            <a:prstGeom prst="rect">
+              <a:avLst/>
+            </a:prstGeom>
+            <a:noFill/>
+            <a:ln>
+              <a:noFill/>
+            </a:ln>
+          </p:spPr>
+          <p:txBody>
+            <a:bodyPr wrap="none" rtlCol="0" anchor="ctr">
+              <a:spAutoFit/>
+            </a:bodyPr>
+            <a:lstStyle/>
+            <a:p>
+              <a:pPr algn="ctr"/>
+              <a:r>
+                <a:rPr lang="en-GB" sz="1050" dirty="0">
+                  <a:latin typeface="Amasis MT Pro Medium" panose="02040604050005020304" pitchFamily="18" charset="0"/>
+                </a:rPr>
+                <a:t>40</a:t>
+              </a:r>
+            </a:p>
+          </p:txBody>
+        </p:sp>
+      </p:grpSp>
+      <p:grpSp>
+        <p:nvGrpSpPr>
+          <p:cNvPr id="2148" name="Gruppe 2147">
+            <a:extLst>
+              <a:ext uri="{FF2B5EF4-FFF2-40B4-BE49-F238E27FC236}">
+                <a16:creationId xmlns:a16="http://schemas.microsoft.com/office/drawing/2014/main" id="{38175616-9114-A590-7303-9913BC6518A8}"/>
+              </a:ext>
+            </a:extLst>
+          </p:cNvPr>
+          <p:cNvGrpSpPr/>
+          <p:nvPr/>
+        </p:nvGrpSpPr>
+        <p:grpSpPr>
+          <a:xfrm>
+            <a:off x="2392803" y="4958925"/>
+            <a:ext cx="332142" cy="293149"/>
+            <a:chOff x="6978311" y="4836782"/>
+            <a:chExt cx="332142" cy="293149"/>
+          </a:xfrm>
+        </p:grpSpPr>
+        <p:cxnSp>
+          <p:nvCxnSpPr>
+            <p:cNvPr id="2149" name="Lige forbindelse 2148">
+              <a:extLst>
+                <a:ext uri="{FF2B5EF4-FFF2-40B4-BE49-F238E27FC236}">
+                  <a16:creationId xmlns:a16="http://schemas.microsoft.com/office/drawing/2014/main" id="{C4C0B4EC-442E-FC05-2CFF-5A6B6EF4C13F}"/>
+                </a:ext>
+              </a:extLst>
+            </p:cNvPr>
+            <p:cNvCxnSpPr>
+              <a:cxnSpLocks/>
+            </p:cNvCxnSpPr>
+            <p:nvPr/>
+          </p:nvCxnSpPr>
+          <p:spPr>
+            <a:xfrm>
+              <a:off x="7144382" y="4836782"/>
+              <a:ext cx="0" cy="78467"/>
+            </a:xfrm>
+            <a:prstGeom prst="line">
+              <a:avLst/>
+            </a:prstGeom>
+            <a:ln>
+              <a:solidFill>
+                <a:schemeClr val="tx1"/>
+              </a:solidFill>
+            </a:ln>
+          </p:spPr>
+          <p:style>
+            <a:lnRef idx="2">
+              <a:schemeClr val="accent1"/>
+            </a:lnRef>
+            <a:fillRef idx="0">
+              <a:schemeClr val="accent1"/>
+            </a:fillRef>
+            <a:effectRef idx="1">
+              <a:schemeClr val="accent1"/>
+            </a:effectRef>
+            <a:fontRef idx="minor">
+              <a:schemeClr val="tx1"/>
+            </a:fontRef>
+          </p:style>
+        </p:cxnSp>
+        <p:sp>
+          <p:nvSpPr>
+            <p:cNvPr id="2150" name="Tekstfelt 2149">
+              <a:extLst>
+                <a:ext uri="{FF2B5EF4-FFF2-40B4-BE49-F238E27FC236}">
+                  <a16:creationId xmlns:a16="http://schemas.microsoft.com/office/drawing/2014/main" id="{8BE2E8EA-F3F8-3178-9A1C-596E34EFB8DF}"/>
+                </a:ext>
+              </a:extLst>
+            </p:cNvPr>
+            <p:cNvSpPr txBox="1"/>
+            <p:nvPr/>
+          </p:nvSpPr>
+          <p:spPr>
+            <a:xfrm>
+              <a:off x="6978311" y="4876015"/>
+              <a:ext cx="332142" cy="253916"/>
+            </a:xfrm>
+            <a:prstGeom prst="rect">
+              <a:avLst/>
+            </a:prstGeom>
+            <a:noFill/>
+            <a:ln>
+              <a:noFill/>
+            </a:ln>
+          </p:spPr>
+          <p:txBody>
+            <a:bodyPr wrap="none" rtlCol="0" anchor="ctr">
+              <a:spAutoFit/>
+            </a:bodyPr>
+            <a:lstStyle/>
+            <a:p>
+              <a:pPr algn="ctr"/>
+              <a:r>
+                <a:rPr lang="en-GB" sz="1050" dirty="0">
+                  <a:latin typeface="Amasis MT Pro Medium" panose="02040604050005020304" pitchFamily="18" charset="0"/>
+                </a:rPr>
+                <a:t>20</a:t>
+              </a:r>
+            </a:p>
+          </p:txBody>
+        </p:sp>
+      </p:grpSp>
+      <p:grpSp>
+        <p:nvGrpSpPr>
+          <p:cNvPr id="2151" name="Gruppe 2150">
+            <a:extLst>
+              <a:ext uri="{FF2B5EF4-FFF2-40B4-BE49-F238E27FC236}">
+                <a16:creationId xmlns:a16="http://schemas.microsoft.com/office/drawing/2014/main" id="{728071BB-6035-A076-0574-8CBD0307A889}"/>
+              </a:ext>
+            </a:extLst>
+          </p:cNvPr>
+          <p:cNvGrpSpPr/>
+          <p:nvPr/>
+        </p:nvGrpSpPr>
+        <p:grpSpPr>
+          <a:xfrm>
+            <a:off x="1274426" y="4958925"/>
+            <a:ext cx="332142" cy="293149"/>
+            <a:chOff x="6978311" y="4836782"/>
+            <a:chExt cx="332142" cy="293149"/>
+          </a:xfrm>
+        </p:grpSpPr>
+        <p:cxnSp>
+          <p:nvCxnSpPr>
+            <p:cNvPr id="2152" name="Lige forbindelse 2151">
+              <a:extLst>
+                <a:ext uri="{FF2B5EF4-FFF2-40B4-BE49-F238E27FC236}">
+                  <a16:creationId xmlns:a16="http://schemas.microsoft.com/office/drawing/2014/main" id="{AE7CEB22-110F-F7B3-57BD-AB5741740F81}"/>
+                </a:ext>
+              </a:extLst>
+            </p:cNvPr>
+            <p:cNvCxnSpPr>
+              <a:cxnSpLocks/>
+            </p:cNvCxnSpPr>
+            <p:nvPr/>
+          </p:nvCxnSpPr>
+          <p:spPr>
+            <a:xfrm>
+              <a:off x="7144382" y="4836782"/>
+              <a:ext cx="0" cy="78467"/>
+            </a:xfrm>
+            <a:prstGeom prst="line">
+              <a:avLst/>
+            </a:prstGeom>
+            <a:ln>
+              <a:solidFill>
+                <a:schemeClr val="tx1"/>
+              </a:solidFill>
+            </a:ln>
+          </p:spPr>
+          <p:style>
+            <a:lnRef idx="2">
+              <a:schemeClr val="accent1"/>
+            </a:lnRef>
+            <a:fillRef idx="0">
+              <a:schemeClr val="accent1"/>
+            </a:fillRef>
+            <a:effectRef idx="1">
+              <a:schemeClr val="accent1"/>
+            </a:effectRef>
+            <a:fontRef idx="minor">
+              <a:schemeClr val="tx1"/>
+            </a:fontRef>
+          </p:style>
+        </p:cxnSp>
+        <p:sp>
+          <p:nvSpPr>
+            <p:cNvPr id="2153" name="Tekstfelt 2152">
+              <a:extLst>
+                <a:ext uri="{FF2B5EF4-FFF2-40B4-BE49-F238E27FC236}">
+                  <a16:creationId xmlns:a16="http://schemas.microsoft.com/office/drawing/2014/main" id="{0289027E-5D3E-29A9-76DE-A52081A041C5}"/>
+                </a:ext>
+              </a:extLst>
+            </p:cNvPr>
+            <p:cNvSpPr txBox="1"/>
+            <p:nvPr/>
+          </p:nvSpPr>
+          <p:spPr>
+            <a:xfrm>
+              <a:off x="6978311" y="4876015"/>
+              <a:ext cx="332142" cy="253916"/>
+            </a:xfrm>
+            <a:prstGeom prst="rect">
+              <a:avLst/>
+            </a:prstGeom>
+            <a:noFill/>
+            <a:ln>
+              <a:noFill/>
+            </a:ln>
+          </p:spPr>
+          <p:txBody>
+            <a:bodyPr wrap="none" rtlCol="0" anchor="ctr">
+              <a:spAutoFit/>
+            </a:bodyPr>
+            <a:lstStyle/>
+            <a:p>
+              <a:pPr algn="ctr"/>
+              <a:r>
+                <a:rPr lang="en-GB" sz="1050" dirty="0">
+                  <a:latin typeface="Amasis MT Pro Medium" panose="02040604050005020304" pitchFamily="18" charset="0"/>
+                </a:rPr>
+                <a:t>10</a:t>
+              </a:r>
+            </a:p>
+          </p:txBody>
+        </p:sp>
+      </p:grpSp>
+      <p:grpSp>
+        <p:nvGrpSpPr>
+          <p:cNvPr id="2154" name="Gruppe 2153">
+            <a:extLst>
+              <a:ext uri="{FF2B5EF4-FFF2-40B4-BE49-F238E27FC236}">
+                <a16:creationId xmlns:a16="http://schemas.microsoft.com/office/drawing/2014/main" id="{8C891783-233F-E477-03E8-B30A021110A9}"/>
+              </a:ext>
+            </a:extLst>
+          </p:cNvPr>
+          <p:cNvGrpSpPr/>
+          <p:nvPr/>
+        </p:nvGrpSpPr>
+        <p:grpSpPr>
+          <a:xfrm>
+            <a:off x="229787" y="4956544"/>
+            <a:ext cx="258404" cy="295530"/>
+            <a:chOff x="7015180" y="4834401"/>
+            <a:chExt cx="258404" cy="295530"/>
+          </a:xfrm>
+        </p:grpSpPr>
+        <p:cxnSp>
+          <p:nvCxnSpPr>
+            <p:cNvPr id="2155" name="Lige forbindelse 2154">
+              <a:extLst>
+                <a:ext uri="{FF2B5EF4-FFF2-40B4-BE49-F238E27FC236}">
+                  <a16:creationId xmlns:a16="http://schemas.microsoft.com/office/drawing/2014/main" id="{B6B926A0-7355-64CB-E58E-E84FBED8DEC0}"/>
+                </a:ext>
+              </a:extLst>
+            </p:cNvPr>
+            <p:cNvCxnSpPr>
+              <a:cxnSpLocks/>
+            </p:cNvCxnSpPr>
+            <p:nvPr/>
+          </p:nvCxnSpPr>
+          <p:spPr>
+            <a:xfrm>
+              <a:off x="7144382" y="4834401"/>
+              <a:ext cx="0" cy="78467"/>
+            </a:xfrm>
+            <a:prstGeom prst="line">
+              <a:avLst/>
+            </a:prstGeom>
+            <a:ln>
+              <a:solidFill>
+                <a:schemeClr val="tx1"/>
+              </a:solidFill>
+            </a:ln>
+          </p:spPr>
+          <p:style>
+            <a:lnRef idx="2">
+              <a:schemeClr val="accent1"/>
+            </a:lnRef>
+            <a:fillRef idx="0">
+              <a:schemeClr val="accent1"/>
+            </a:fillRef>
+            <a:effectRef idx="1">
+              <a:schemeClr val="accent1"/>
+            </a:effectRef>
+            <a:fontRef idx="minor">
+              <a:schemeClr val="tx1"/>
+            </a:fontRef>
+          </p:style>
+        </p:cxnSp>
+        <p:sp>
+          <p:nvSpPr>
+            <p:cNvPr id="2156" name="Tekstfelt 2155">
+              <a:extLst>
+                <a:ext uri="{FF2B5EF4-FFF2-40B4-BE49-F238E27FC236}">
+                  <a16:creationId xmlns:a16="http://schemas.microsoft.com/office/drawing/2014/main" id="{D77ECDC0-0A61-9B7A-43DC-0C115859DB4B}"/>
+                </a:ext>
+              </a:extLst>
+            </p:cNvPr>
+            <p:cNvSpPr txBox="1"/>
+            <p:nvPr/>
+          </p:nvSpPr>
+          <p:spPr>
+            <a:xfrm>
+              <a:off x="7015180" y="4876015"/>
+              <a:ext cx="258404" cy="253916"/>
+            </a:xfrm>
+            <a:prstGeom prst="rect">
+              <a:avLst/>
+            </a:prstGeom>
+            <a:noFill/>
+            <a:ln>
+              <a:noFill/>
+            </a:ln>
+          </p:spPr>
+          <p:txBody>
+            <a:bodyPr wrap="none" rtlCol="0" anchor="ctr">
+              <a:spAutoFit/>
+            </a:bodyPr>
+            <a:lstStyle/>
+            <a:p>
+              <a:pPr algn="ctr"/>
+              <a:r>
+                <a:rPr lang="en-GB" sz="1050" dirty="0">
+                  <a:latin typeface="Amasis MT Pro Medium" panose="02040604050005020304" pitchFamily="18" charset="0"/>
+                </a:rPr>
+                <a:t>0</a:t>
+              </a:r>
+            </a:p>
+          </p:txBody>
+        </p:sp>
+      </p:grpSp>
+      <p:grpSp>
+        <p:nvGrpSpPr>
+          <p:cNvPr id="2157" name="Gruppe 2156">
+            <a:extLst>
+              <a:ext uri="{FF2B5EF4-FFF2-40B4-BE49-F238E27FC236}">
+                <a16:creationId xmlns:a16="http://schemas.microsoft.com/office/drawing/2014/main" id="{9D0EB979-44B3-3E7D-7145-C3A5CC8A8ADC}"/>
+              </a:ext>
+            </a:extLst>
+          </p:cNvPr>
+          <p:cNvGrpSpPr/>
+          <p:nvPr/>
+        </p:nvGrpSpPr>
+        <p:grpSpPr>
+          <a:xfrm>
+            <a:off x="3511180" y="4958925"/>
+            <a:ext cx="332142" cy="293149"/>
+            <a:chOff x="6978311" y="4836782"/>
+            <a:chExt cx="332142" cy="293149"/>
+          </a:xfrm>
+        </p:grpSpPr>
+        <p:cxnSp>
+          <p:nvCxnSpPr>
+            <p:cNvPr id="2158" name="Lige forbindelse 2157">
+              <a:extLst>
+                <a:ext uri="{FF2B5EF4-FFF2-40B4-BE49-F238E27FC236}">
+                  <a16:creationId xmlns:a16="http://schemas.microsoft.com/office/drawing/2014/main" id="{2ADF2643-12A1-EBB3-0ADC-D027B28E9496}"/>
+                </a:ext>
+              </a:extLst>
+            </p:cNvPr>
+            <p:cNvCxnSpPr>
+              <a:cxnSpLocks/>
+            </p:cNvCxnSpPr>
+            <p:nvPr/>
+          </p:nvCxnSpPr>
+          <p:spPr>
+            <a:xfrm>
+              <a:off x="7144382" y="4836782"/>
+              <a:ext cx="0" cy="78467"/>
+            </a:xfrm>
+            <a:prstGeom prst="line">
+              <a:avLst/>
+            </a:prstGeom>
+            <a:ln>
+              <a:solidFill>
+                <a:schemeClr val="tx1"/>
+              </a:solidFill>
+            </a:ln>
+          </p:spPr>
+          <p:style>
+            <a:lnRef idx="2">
+              <a:schemeClr val="accent1"/>
+            </a:lnRef>
+            <a:fillRef idx="0">
+              <a:schemeClr val="accent1"/>
+            </a:fillRef>
+            <a:effectRef idx="1">
+              <a:schemeClr val="accent1"/>
+            </a:effectRef>
+            <a:fontRef idx="minor">
+              <a:schemeClr val="tx1"/>
+            </a:fontRef>
+          </p:style>
+        </p:cxnSp>
+        <p:sp>
+          <p:nvSpPr>
+            <p:cNvPr id="2159" name="Tekstfelt 2158">
+              <a:extLst>
+                <a:ext uri="{FF2B5EF4-FFF2-40B4-BE49-F238E27FC236}">
+                  <a16:creationId xmlns:a16="http://schemas.microsoft.com/office/drawing/2014/main" id="{AAE3F9B9-9B8E-EDD1-D070-29749EDA6F9E}"/>
+                </a:ext>
+              </a:extLst>
+            </p:cNvPr>
+            <p:cNvSpPr txBox="1"/>
+            <p:nvPr/>
+          </p:nvSpPr>
+          <p:spPr>
+            <a:xfrm>
+              <a:off x="6978311" y="4876015"/>
+              <a:ext cx="332142" cy="253916"/>
+            </a:xfrm>
+            <a:prstGeom prst="rect">
+              <a:avLst/>
+            </a:prstGeom>
+            <a:noFill/>
+            <a:ln>
+              <a:noFill/>
+            </a:ln>
+          </p:spPr>
+          <p:txBody>
+            <a:bodyPr wrap="none" rtlCol="0" anchor="ctr">
+              <a:spAutoFit/>
+            </a:bodyPr>
+            <a:lstStyle/>
+            <a:p>
+              <a:pPr algn="ctr"/>
+              <a:r>
+                <a:rPr lang="en-GB" sz="1050" dirty="0">
+                  <a:latin typeface="Amasis MT Pro Medium" panose="02040604050005020304" pitchFamily="18" charset="0"/>
+                </a:rPr>
+                <a:t>30</a:t>
+              </a:r>
+            </a:p>
+          </p:txBody>
+        </p:sp>
+      </p:grpSp>
+      <p:sp>
+        <p:nvSpPr>
+          <p:cNvPr id="2161" name="Ellipse 2160">
+            <a:extLst>
+              <a:ext uri="{FF2B5EF4-FFF2-40B4-BE49-F238E27FC236}">
+                <a16:creationId xmlns:a16="http://schemas.microsoft.com/office/drawing/2014/main" id="{6C12C840-2313-4082-9338-3D9C80C76499}"/>
               </a:ext>
             </a:extLst>
           </p:cNvPr>
@@ -5520,13 +8838,26 @@
           <p:nvPr/>
         </p:nvSpPr>
         <p:spPr>
-          <a:xfrm rot="10800000">
-            <a:off x="2176906" y="4793077"/>
-            <a:ext cx="1766119" cy="789781"/>
+          <a:xfrm>
+            <a:off x="6026151" y="5427595"/>
+            <a:ext cx="100012" cy="100012"/>
           </a:xfrm>
-          <a:prstGeom prst="homePlate">
+          <a:prstGeom prst="ellipse">
             <a:avLst/>
           </a:prstGeom>
+          <a:solidFill>
+            <a:schemeClr val="accent2">
+              <a:lumMod val="60000"/>
+              <a:lumOff val="40000"/>
+            </a:schemeClr>
+          </a:solidFill>
+          <a:ln>
+            <a:solidFill>
+              <a:schemeClr val="accent2">
+                <a:lumMod val="50000"/>
+              </a:schemeClr>
+            </a:solidFill>
+          </a:ln>
         </p:spPr>
         <p:style>
           <a:lnRef idx="2">
@@ -5549,7 +8880,4333 @@
           <a:lstStyle/>
           <a:p>
             <a:pPr algn="ctr"/>
-            <a:endParaRPr lang="en-GB" dirty="0"/>
+            <a:endParaRPr lang="en-GB"/>
+          </a:p>
+        </p:txBody>
+      </p:sp>
+      <p:sp>
+        <p:nvSpPr>
+          <p:cNvPr id="2163" name="Rektangel 2162">
+            <a:extLst>
+              <a:ext uri="{FF2B5EF4-FFF2-40B4-BE49-F238E27FC236}">
+                <a16:creationId xmlns:a16="http://schemas.microsoft.com/office/drawing/2014/main" id="{AB28B67E-163D-DC2E-9987-144D461516B7}"/>
+              </a:ext>
+            </a:extLst>
+          </p:cNvPr>
+          <p:cNvSpPr/>
+          <p:nvPr/>
+        </p:nvSpPr>
+        <p:spPr>
+          <a:xfrm>
+            <a:off x="1541122" y="5340165"/>
+            <a:ext cx="1741827" cy="274872"/>
+          </a:xfrm>
+          <a:prstGeom prst="rect">
+            <a:avLst/>
+          </a:prstGeom>
+          <a:solidFill>
+            <a:schemeClr val="accent2">
+              <a:lumMod val="60000"/>
+              <a:lumOff val="40000"/>
+            </a:schemeClr>
+          </a:solidFill>
+          <a:ln>
+            <a:solidFill>
+              <a:schemeClr val="accent2">
+                <a:lumMod val="50000"/>
+              </a:schemeClr>
+            </a:solidFill>
+          </a:ln>
+        </p:spPr>
+        <p:style>
+          <a:lnRef idx="2">
+            <a:schemeClr val="accent1">
+              <a:shade val="15000"/>
+            </a:schemeClr>
+          </a:lnRef>
+          <a:fillRef idx="1">
+            <a:schemeClr val="accent1"/>
+          </a:fillRef>
+          <a:effectRef idx="0">
+            <a:schemeClr val="accent1"/>
+          </a:effectRef>
+          <a:fontRef idx="minor">
+            <a:schemeClr val="lt1"/>
+          </a:fontRef>
+        </p:style>
+        <p:txBody>
+          <a:bodyPr rtlCol="0" anchor="ctr"/>
+          <a:lstStyle/>
+          <a:p>
+            <a:pPr algn="ctr"/>
+            <a:endParaRPr lang="en-GB"/>
+          </a:p>
+        </p:txBody>
+      </p:sp>
+      <p:cxnSp>
+        <p:nvCxnSpPr>
+          <p:cNvPr id="2167" name="Lige forbindelse 2166">
+            <a:extLst>
+              <a:ext uri="{FF2B5EF4-FFF2-40B4-BE49-F238E27FC236}">
+                <a16:creationId xmlns:a16="http://schemas.microsoft.com/office/drawing/2014/main" id="{79E8C1CC-1F47-D941-9C6A-1459E107A3E3}"/>
+              </a:ext>
+            </a:extLst>
+          </p:cNvPr>
+          <p:cNvCxnSpPr>
+            <a:cxnSpLocks/>
+          </p:cNvCxnSpPr>
+          <p:nvPr/>
+        </p:nvCxnSpPr>
+        <p:spPr>
+          <a:xfrm>
+            <a:off x="2448602" y="5335403"/>
+            <a:ext cx="0" cy="284397"/>
+          </a:xfrm>
+          <a:prstGeom prst="line">
+            <a:avLst/>
+          </a:prstGeom>
+          <a:ln>
+            <a:solidFill>
+              <a:schemeClr val="accent2">
+                <a:lumMod val="75000"/>
+              </a:schemeClr>
+            </a:solidFill>
+          </a:ln>
+        </p:spPr>
+        <p:style>
+          <a:lnRef idx="2">
+            <a:schemeClr val="accent1"/>
+          </a:lnRef>
+          <a:fillRef idx="0">
+            <a:schemeClr val="accent1"/>
+          </a:fillRef>
+          <a:effectRef idx="1">
+            <a:schemeClr val="accent1"/>
+          </a:effectRef>
+          <a:fontRef idx="minor">
+            <a:schemeClr val="tx1"/>
+          </a:fontRef>
+        </p:style>
+      </p:cxnSp>
+      <p:cxnSp>
+        <p:nvCxnSpPr>
+          <p:cNvPr id="2181" name="Lige forbindelse 2180">
+            <a:extLst>
+              <a:ext uri="{FF2B5EF4-FFF2-40B4-BE49-F238E27FC236}">
+                <a16:creationId xmlns:a16="http://schemas.microsoft.com/office/drawing/2014/main" id="{CC9F3D1D-BD22-9CB8-AA46-4F430567080A}"/>
+              </a:ext>
+            </a:extLst>
+          </p:cNvPr>
+          <p:cNvCxnSpPr>
+            <a:cxnSpLocks/>
+          </p:cNvCxnSpPr>
+          <p:nvPr/>
+        </p:nvCxnSpPr>
+        <p:spPr>
+          <a:xfrm>
+            <a:off x="5155938" y="5335403"/>
+            <a:ext cx="0" cy="284397"/>
+          </a:xfrm>
+          <a:prstGeom prst="line">
+            <a:avLst/>
+          </a:prstGeom>
+          <a:ln>
+            <a:solidFill>
+              <a:schemeClr val="accent2">
+                <a:lumMod val="50000"/>
+              </a:schemeClr>
+            </a:solidFill>
+          </a:ln>
+        </p:spPr>
+        <p:style>
+          <a:lnRef idx="2">
+            <a:schemeClr val="accent1"/>
+          </a:lnRef>
+          <a:fillRef idx="0">
+            <a:schemeClr val="accent1"/>
+          </a:fillRef>
+          <a:effectRef idx="1">
+            <a:schemeClr val="accent1"/>
+          </a:effectRef>
+          <a:fontRef idx="minor">
+            <a:schemeClr val="tx1"/>
+          </a:fontRef>
+        </p:style>
+      </p:cxnSp>
+      <p:cxnSp>
+        <p:nvCxnSpPr>
+          <p:cNvPr id="2183" name="Lige forbindelse 2182">
+            <a:extLst>
+              <a:ext uri="{FF2B5EF4-FFF2-40B4-BE49-F238E27FC236}">
+                <a16:creationId xmlns:a16="http://schemas.microsoft.com/office/drawing/2014/main" id="{6DE8B8FC-2405-71F0-5829-7E364899D06C}"/>
+              </a:ext>
+            </a:extLst>
+          </p:cNvPr>
+          <p:cNvCxnSpPr>
+            <a:cxnSpLocks/>
+          </p:cNvCxnSpPr>
+          <p:nvPr/>
+        </p:nvCxnSpPr>
+        <p:spPr>
+          <a:xfrm>
+            <a:off x="493667" y="5335403"/>
+            <a:ext cx="0" cy="284397"/>
+          </a:xfrm>
+          <a:prstGeom prst="line">
+            <a:avLst/>
+          </a:prstGeom>
+          <a:ln>
+            <a:solidFill>
+              <a:schemeClr val="accent2">
+                <a:lumMod val="50000"/>
+              </a:schemeClr>
+            </a:solidFill>
+          </a:ln>
+        </p:spPr>
+        <p:style>
+          <a:lnRef idx="2">
+            <a:schemeClr val="accent1"/>
+          </a:lnRef>
+          <a:fillRef idx="0">
+            <a:schemeClr val="accent1"/>
+          </a:fillRef>
+          <a:effectRef idx="1">
+            <a:schemeClr val="accent1"/>
+          </a:effectRef>
+          <a:fontRef idx="minor">
+            <a:schemeClr val="tx1"/>
+          </a:fontRef>
+        </p:style>
+      </p:cxnSp>
+      <p:grpSp>
+        <p:nvGrpSpPr>
+          <p:cNvPr id="2189" name="Gruppe 2188">
+            <a:extLst>
+              <a:ext uri="{FF2B5EF4-FFF2-40B4-BE49-F238E27FC236}">
+                <a16:creationId xmlns:a16="http://schemas.microsoft.com/office/drawing/2014/main" id="{D73A200F-AFB7-30BB-C91F-5CDC2E96D8AD}"/>
+              </a:ext>
+            </a:extLst>
+          </p:cNvPr>
+          <p:cNvGrpSpPr/>
+          <p:nvPr/>
+        </p:nvGrpSpPr>
+        <p:grpSpPr>
+          <a:xfrm>
+            <a:off x="6976919" y="4953393"/>
+            <a:ext cx="332142" cy="293149"/>
+            <a:chOff x="6978311" y="4836782"/>
+            <a:chExt cx="332142" cy="293149"/>
+          </a:xfrm>
+        </p:grpSpPr>
+        <p:cxnSp>
+          <p:nvCxnSpPr>
+            <p:cNvPr id="2190" name="Lige forbindelse 2189">
+              <a:extLst>
+                <a:ext uri="{FF2B5EF4-FFF2-40B4-BE49-F238E27FC236}">
+                  <a16:creationId xmlns:a16="http://schemas.microsoft.com/office/drawing/2014/main" id="{D3845899-03A3-A601-A6BF-90BFC207153B}"/>
+                </a:ext>
+              </a:extLst>
+            </p:cNvPr>
+            <p:cNvCxnSpPr>
+              <a:cxnSpLocks/>
+            </p:cNvCxnSpPr>
+            <p:nvPr/>
+          </p:nvCxnSpPr>
+          <p:spPr>
+            <a:xfrm>
+              <a:off x="7144382" y="4836782"/>
+              <a:ext cx="0" cy="78467"/>
+            </a:xfrm>
+            <a:prstGeom prst="line">
+              <a:avLst/>
+            </a:prstGeom>
+            <a:ln>
+              <a:solidFill>
+                <a:schemeClr val="tx1"/>
+              </a:solidFill>
+            </a:ln>
+          </p:spPr>
+          <p:style>
+            <a:lnRef idx="2">
+              <a:schemeClr val="accent1"/>
+            </a:lnRef>
+            <a:fillRef idx="0">
+              <a:schemeClr val="accent1"/>
+            </a:fillRef>
+            <a:effectRef idx="1">
+              <a:schemeClr val="accent1"/>
+            </a:effectRef>
+            <a:fontRef idx="minor">
+              <a:schemeClr val="tx1"/>
+            </a:fontRef>
+          </p:style>
+        </p:cxnSp>
+        <p:sp>
+          <p:nvSpPr>
+            <p:cNvPr id="2191" name="Tekstfelt 2190">
+              <a:extLst>
+                <a:ext uri="{FF2B5EF4-FFF2-40B4-BE49-F238E27FC236}">
+                  <a16:creationId xmlns:a16="http://schemas.microsoft.com/office/drawing/2014/main" id="{4635DF1B-7DC4-9C69-B8A1-7ACA1E09AA22}"/>
+                </a:ext>
+              </a:extLst>
+            </p:cNvPr>
+            <p:cNvSpPr txBox="1"/>
+            <p:nvPr/>
+          </p:nvSpPr>
+          <p:spPr>
+            <a:xfrm>
+              <a:off x="6978311" y="4876015"/>
+              <a:ext cx="332142" cy="253916"/>
+            </a:xfrm>
+            <a:prstGeom prst="rect">
+              <a:avLst/>
+            </a:prstGeom>
+            <a:noFill/>
+            <a:ln>
+              <a:noFill/>
+            </a:ln>
+          </p:spPr>
+          <p:txBody>
+            <a:bodyPr wrap="none" rtlCol="0" anchor="ctr">
+              <a:spAutoFit/>
+            </a:bodyPr>
+            <a:lstStyle/>
+            <a:p>
+              <a:pPr algn="ctr"/>
+              <a:r>
+                <a:rPr lang="en-GB" sz="1050" dirty="0">
+                  <a:latin typeface="Amasis MT Pro Medium" panose="02040604050005020304" pitchFamily="18" charset="0"/>
+                </a:rPr>
+                <a:t>60</a:t>
+              </a:r>
+            </a:p>
+          </p:txBody>
+        </p:sp>
+      </p:grpSp>
+      <p:sp>
+        <p:nvSpPr>
+          <p:cNvPr id="2198" name="Tekstfelt 2197">
+            <a:extLst>
+              <a:ext uri="{FF2B5EF4-FFF2-40B4-BE49-F238E27FC236}">
+                <a16:creationId xmlns:a16="http://schemas.microsoft.com/office/drawing/2014/main" id="{C03E1860-714F-EAE0-0AB2-CB9E73AF01FB}"/>
+              </a:ext>
+            </a:extLst>
+          </p:cNvPr>
+          <p:cNvSpPr txBox="1"/>
+          <p:nvPr/>
+        </p:nvSpPr>
+        <p:spPr>
+          <a:xfrm>
+            <a:off x="5386787" y="5917964"/>
+            <a:ext cx="1885278" cy="438582"/>
+          </a:xfrm>
+          <a:prstGeom prst="rect">
+            <a:avLst/>
+          </a:prstGeom>
+          <a:noFill/>
+        </p:spPr>
+        <p:txBody>
+          <a:bodyPr wrap="square" rtlCol="0">
+            <a:spAutoFit/>
+          </a:bodyPr>
+          <a:lstStyle/>
+          <a:p>
+            <a:pPr algn="r"/>
+            <a:r>
+              <a:rPr lang="en-GB" sz="1200" b="1" dirty="0">
+                <a:solidFill>
+                  <a:schemeClr val="accent2">
+                    <a:lumMod val="50000"/>
+                  </a:schemeClr>
+                </a:solidFill>
+                <a:latin typeface="Amasis MT Pro Medium" panose="02040604050005020304" pitchFamily="18" charset="0"/>
+              </a:rPr>
+              <a:t>LONGEST RESIDENCE</a:t>
+            </a:r>
+          </a:p>
+          <a:p>
+            <a:pPr algn="r"/>
+            <a:r>
+              <a:rPr lang="en-GB" sz="1050" dirty="0">
+                <a:solidFill>
+                  <a:schemeClr val="accent2">
+                    <a:lumMod val="50000"/>
+                  </a:schemeClr>
+                </a:solidFill>
+                <a:latin typeface="Amasis MT Pro Medium" panose="02040604050005020304" pitchFamily="18" charset="0"/>
+              </a:rPr>
+              <a:t>4,25 YEARS</a:t>
+            </a:r>
+          </a:p>
+        </p:txBody>
+      </p:sp>
+      <p:sp>
+        <p:nvSpPr>
+          <p:cNvPr id="2199" name="Tekstfelt 2198">
+            <a:extLst>
+              <a:ext uri="{FF2B5EF4-FFF2-40B4-BE49-F238E27FC236}">
+                <a16:creationId xmlns:a16="http://schemas.microsoft.com/office/drawing/2014/main" id="{6A860525-4CFC-AF60-2C07-6EB5E5D5E63F}"/>
+              </a:ext>
+            </a:extLst>
+          </p:cNvPr>
+          <p:cNvSpPr txBox="1"/>
+          <p:nvPr/>
+        </p:nvSpPr>
+        <p:spPr>
+          <a:xfrm>
+            <a:off x="2825750" y="5917964"/>
+            <a:ext cx="1885278" cy="438582"/>
+          </a:xfrm>
+          <a:prstGeom prst="rect">
+            <a:avLst/>
+          </a:prstGeom>
+          <a:noFill/>
+        </p:spPr>
+        <p:txBody>
+          <a:bodyPr wrap="square" rtlCol="0">
+            <a:spAutoFit/>
+          </a:bodyPr>
+          <a:lstStyle/>
+          <a:p>
+            <a:pPr algn="ctr"/>
+            <a:r>
+              <a:rPr lang="en-GB" sz="1200" b="1" dirty="0">
+                <a:solidFill>
+                  <a:schemeClr val="accent2">
+                    <a:lumMod val="50000"/>
+                  </a:schemeClr>
+                </a:solidFill>
+                <a:latin typeface="Amasis MT Pro Medium" panose="02040604050005020304" pitchFamily="18" charset="0"/>
+              </a:rPr>
+              <a:t>AVERAGE RESIDENCE</a:t>
+            </a:r>
+          </a:p>
+          <a:p>
+            <a:pPr algn="ctr"/>
+            <a:r>
+              <a:rPr lang="en-GB" sz="1050" dirty="0">
+                <a:solidFill>
+                  <a:schemeClr val="accent2">
+                    <a:lumMod val="50000"/>
+                  </a:schemeClr>
+                </a:solidFill>
+                <a:latin typeface="Amasis MT Pro Medium" panose="02040604050005020304" pitchFamily="18" charset="0"/>
+              </a:rPr>
+              <a:t>1,41 YEARS</a:t>
+            </a:r>
+          </a:p>
+        </p:txBody>
+      </p:sp>
+      <p:sp>
+        <p:nvSpPr>
+          <p:cNvPr id="2201" name="Tekstfelt 2200">
+            <a:extLst>
+              <a:ext uri="{FF2B5EF4-FFF2-40B4-BE49-F238E27FC236}">
+                <a16:creationId xmlns:a16="http://schemas.microsoft.com/office/drawing/2014/main" id="{8CDA7991-9D0C-4D63-2F5E-4BA958C7D918}"/>
+              </a:ext>
+            </a:extLst>
+          </p:cNvPr>
+          <p:cNvSpPr txBox="1"/>
+          <p:nvPr/>
+        </p:nvSpPr>
+        <p:spPr>
+          <a:xfrm>
+            <a:off x="264713" y="5917964"/>
+            <a:ext cx="1885278" cy="438582"/>
+          </a:xfrm>
+          <a:prstGeom prst="rect">
+            <a:avLst/>
+          </a:prstGeom>
+          <a:noFill/>
+        </p:spPr>
+        <p:txBody>
+          <a:bodyPr wrap="square" rtlCol="0">
+            <a:spAutoFit/>
+          </a:bodyPr>
+          <a:lstStyle/>
+          <a:p>
+            <a:r>
+              <a:rPr lang="en-GB" sz="1200" b="1" dirty="0">
+                <a:solidFill>
+                  <a:schemeClr val="accent2">
+                    <a:lumMod val="50000"/>
+                  </a:schemeClr>
+                </a:solidFill>
+                <a:latin typeface="Amasis MT Pro Medium" panose="02040604050005020304" pitchFamily="18" charset="0"/>
+              </a:rPr>
+              <a:t>SHORTEST RESIDENCE</a:t>
+            </a:r>
+          </a:p>
+          <a:p>
+            <a:r>
+              <a:rPr lang="en-GB" sz="1050" dirty="0">
+                <a:solidFill>
+                  <a:schemeClr val="accent2">
+                    <a:lumMod val="50000"/>
+                  </a:schemeClr>
+                </a:solidFill>
+                <a:latin typeface="Amasis MT Pro Medium" panose="02040604050005020304" pitchFamily="18" charset="0"/>
+              </a:rPr>
+              <a:t>1 MONTH</a:t>
+            </a:r>
+          </a:p>
+        </p:txBody>
+      </p:sp>
+      <p:cxnSp>
+        <p:nvCxnSpPr>
+          <p:cNvPr id="2206" name="Forbindelse: vinklet 2205">
+            <a:extLst>
+              <a:ext uri="{FF2B5EF4-FFF2-40B4-BE49-F238E27FC236}">
+                <a16:creationId xmlns:a16="http://schemas.microsoft.com/office/drawing/2014/main" id="{8BBAAA68-4D39-9350-B796-963E1A96D6B5}"/>
+              </a:ext>
+            </a:extLst>
+          </p:cNvPr>
+          <p:cNvCxnSpPr>
+            <a:cxnSpLocks/>
+            <a:stCxn id="2231" idx="2"/>
+            <a:endCxn id="2198" idx="0"/>
+          </p:cNvCxnSpPr>
+          <p:nvPr/>
+        </p:nvCxnSpPr>
+        <p:spPr>
+          <a:xfrm rot="16200000" flipH="1">
+            <a:off x="6038014" y="5626552"/>
+            <a:ext cx="332182" cy="250642"/>
+          </a:xfrm>
+          <a:prstGeom prst="bentConnector3">
+            <a:avLst>
+              <a:gd name="adj1" fmla="val 50000"/>
+            </a:avLst>
+          </a:prstGeom>
+          <a:ln w="12700">
+            <a:solidFill>
+              <a:schemeClr val="tx1"/>
+            </a:solidFill>
+            <a:prstDash val="sysDash"/>
+          </a:ln>
+        </p:spPr>
+        <p:style>
+          <a:lnRef idx="2">
+            <a:schemeClr val="accent1"/>
+          </a:lnRef>
+          <a:fillRef idx="0">
+            <a:schemeClr val="accent1"/>
+          </a:fillRef>
+          <a:effectRef idx="1">
+            <a:schemeClr val="accent1"/>
+          </a:effectRef>
+          <a:fontRef idx="minor">
+            <a:schemeClr val="tx1"/>
+          </a:fontRef>
+        </p:style>
+      </p:cxnSp>
+      <p:cxnSp>
+        <p:nvCxnSpPr>
+          <p:cNvPr id="2217" name="Forbindelse: vinklet 2216">
+            <a:extLst>
+              <a:ext uri="{FF2B5EF4-FFF2-40B4-BE49-F238E27FC236}">
+                <a16:creationId xmlns:a16="http://schemas.microsoft.com/office/drawing/2014/main" id="{B74FAFBA-4384-5A5B-3413-03F7D33F672F}"/>
+              </a:ext>
+            </a:extLst>
+          </p:cNvPr>
+          <p:cNvCxnSpPr>
+            <a:cxnSpLocks/>
+            <a:stCxn id="2229" idx="2"/>
+            <a:endCxn id="2199" idx="0"/>
+          </p:cNvCxnSpPr>
+          <p:nvPr/>
+        </p:nvCxnSpPr>
+        <p:spPr>
+          <a:xfrm rot="16200000" flipH="1">
+            <a:off x="2979960" y="5129535"/>
+            <a:ext cx="257070" cy="1319787"/>
+          </a:xfrm>
+          <a:prstGeom prst="bentConnector3">
+            <a:avLst>
+              <a:gd name="adj1" fmla="val 50000"/>
+            </a:avLst>
+          </a:prstGeom>
+          <a:ln w="12700">
+            <a:solidFill>
+              <a:schemeClr val="tx1"/>
+            </a:solidFill>
+            <a:prstDash val="sysDash"/>
+          </a:ln>
+        </p:spPr>
+        <p:style>
+          <a:lnRef idx="2">
+            <a:schemeClr val="accent1"/>
+          </a:lnRef>
+          <a:fillRef idx="0">
+            <a:schemeClr val="accent1"/>
+          </a:fillRef>
+          <a:effectRef idx="1">
+            <a:schemeClr val="accent1"/>
+          </a:effectRef>
+          <a:fontRef idx="minor">
+            <a:schemeClr val="tx1"/>
+          </a:fontRef>
+        </p:style>
+      </p:cxnSp>
+      <p:cxnSp>
+        <p:nvCxnSpPr>
+          <p:cNvPr id="2224" name="Forbindelse: vinklet 2223">
+            <a:extLst>
+              <a:ext uri="{FF2B5EF4-FFF2-40B4-BE49-F238E27FC236}">
+                <a16:creationId xmlns:a16="http://schemas.microsoft.com/office/drawing/2014/main" id="{7AB7C5D4-BAF6-C914-A485-60135043867E}"/>
+              </a:ext>
+            </a:extLst>
+          </p:cNvPr>
+          <p:cNvCxnSpPr>
+            <a:cxnSpLocks/>
+            <a:stCxn id="2223" idx="2"/>
+            <a:endCxn id="2201" idx="0"/>
+          </p:cNvCxnSpPr>
+          <p:nvPr/>
+        </p:nvCxnSpPr>
+        <p:spPr>
+          <a:xfrm rot="16200000" flipH="1">
+            <a:off x="729012" y="5439623"/>
+            <a:ext cx="243041" cy="713639"/>
+          </a:xfrm>
+          <a:prstGeom prst="bentConnector3">
+            <a:avLst>
+              <a:gd name="adj1" fmla="val 50000"/>
+            </a:avLst>
+          </a:prstGeom>
+          <a:ln w="12700">
+            <a:solidFill>
+              <a:schemeClr val="tx1"/>
+            </a:solidFill>
+            <a:prstDash val="sysDash"/>
+          </a:ln>
+        </p:spPr>
+        <p:style>
+          <a:lnRef idx="2">
+            <a:schemeClr val="accent1"/>
+          </a:lnRef>
+          <a:fillRef idx="0">
+            <a:schemeClr val="accent1"/>
+          </a:fillRef>
+          <a:effectRef idx="1">
+            <a:schemeClr val="accent1"/>
+          </a:effectRef>
+          <a:fontRef idx="minor">
+            <a:schemeClr val="tx1"/>
+          </a:fontRef>
+        </p:style>
+      </p:cxnSp>
+      <p:sp>
+        <p:nvSpPr>
+          <p:cNvPr id="2229" name="Rektangel 2228">
+            <a:extLst>
+              <a:ext uri="{FF2B5EF4-FFF2-40B4-BE49-F238E27FC236}">
+                <a16:creationId xmlns:a16="http://schemas.microsoft.com/office/drawing/2014/main" id="{7CE241F9-CB21-39CA-C21D-B10A92BE709A}"/>
+              </a:ext>
+            </a:extLst>
+          </p:cNvPr>
+          <p:cNvSpPr/>
+          <p:nvPr/>
+        </p:nvSpPr>
+        <p:spPr>
+          <a:xfrm>
+            <a:off x="2345135" y="5615175"/>
+            <a:ext cx="206933" cy="45719"/>
+          </a:xfrm>
+          <a:prstGeom prst="rect">
+            <a:avLst/>
+          </a:prstGeom>
+          <a:noFill/>
+          <a:ln>
+            <a:noFill/>
+          </a:ln>
+        </p:spPr>
+        <p:style>
+          <a:lnRef idx="2">
+            <a:schemeClr val="accent1">
+              <a:shade val="15000"/>
+            </a:schemeClr>
+          </a:lnRef>
+          <a:fillRef idx="1">
+            <a:schemeClr val="accent1"/>
+          </a:fillRef>
+          <a:effectRef idx="0">
+            <a:schemeClr val="accent1"/>
+          </a:effectRef>
+          <a:fontRef idx="minor">
+            <a:schemeClr val="lt1"/>
+          </a:fontRef>
+        </p:style>
+        <p:txBody>
+          <a:bodyPr rtlCol="0" anchor="ctr"/>
+          <a:lstStyle/>
+          <a:p>
+            <a:pPr algn="ctr"/>
+            <a:endParaRPr lang="en-GB"/>
+          </a:p>
+        </p:txBody>
+      </p:sp>
+      <p:sp>
+        <p:nvSpPr>
+          <p:cNvPr id="2231" name="Rektangel 2230">
+            <a:extLst>
+              <a:ext uri="{FF2B5EF4-FFF2-40B4-BE49-F238E27FC236}">
+                <a16:creationId xmlns:a16="http://schemas.microsoft.com/office/drawing/2014/main" id="{789FD385-6EC8-9C5A-AD9C-E70055B9B2AC}"/>
+              </a:ext>
+            </a:extLst>
+          </p:cNvPr>
+          <p:cNvSpPr/>
+          <p:nvPr/>
+        </p:nvSpPr>
+        <p:spPr>
+          <a:xfrm>
+            <a:off x="5975317" y="5540063"/>
+            <a:ext cx="206933" cy="45719"/>
+          </a:xfrm>
+          <a:prstGeom prst="rect">
+            <a:avLst/>
+          </a:prstGeom>
+          <a:noFill/>
+          <a:ln>
+            <a:noFill/>
+          </a:ln>
+        </p:spPr>
+        <p:style>
+          <a:lnRef idx="2">
+            <a:schemeClr val="accent1">
+              <a:shade val="15000"/>
+            </a:schemeClr>
+          </a:lnRef>
+          <a:fillRef idx="1">
+            <a:schemeClr val="accent1"/>
+          </a:fillRef>
+          <a:effectRef idx="0">
+            <a:schemeClr val="accent1"/>
+          </a:effectRef>
+          <a:fontRef idx="minor">
+            <a:schemeClr val="lt1"/>
+          </a:fontRef>
+        </p:style>
+        <p:txBody>
+          <a:bodyPr rtlCol="0" anchor="ctr"/>
+          <a:lstStyle/>
+          <a:p>
+            <a:pPr algn="ctr"/>
+            <a:endParaRPr lang="en-GB"/>
+          </a:p>
+        </p:txBody>
+      </p:sp>
+      <p:sp>
+        <p:nvSpPr>
+          <p:cNvPr id="2233" name="Rektangel 2232">
+            <a:extLst>
+              <a:ext uri="{FF2B5EF4-FFF2-40B4-BE49-F238E27FC236}">
+                <a16:creationId xmlns:a16="http://schemas.microsoft.com/office/drawing/2014/main" id="{5E8AB3E8-1E9D-9D8C-8ECB-26A7E62F02C4}"/>
+              </a:ext>
+            </a:extLst>
+          </p:cNvPr>
+          <p:cNvSpPr/>
+          <p:nvPr/>
+        </p:nvSpPr>
+        <p:spPr>
+          <a:xfrm>
+            <a:off x="2101254" y="4464445"/>
+            <a:ext cx="3141958" cy="312267"/>
+          </a:xfrm>
+          <a:prstGeom prst="rect">
+            <a:avLst/>
+          </a:prstGeom>
+          <a:solidFill>
+            <a:schemeClr val="accent2">
+              <a:lumMod val="75000"/>
+            </a:schemeClr>
+          </a:solidFill>
+          <a:ln>
+            <a:noFill/>
+          </a:ln>
+        </p:spPr>
+        <p:style>
+          <a:lnRef idx="2">
+            <a:schemeClr val="accent1">
+              <a:shade val="15000"/>
+            </a:schemeClr>
+          </a:lnRef>
+          <a:fillRef idx="1">
+            <a:schemeClr val="accent1"/>
+          </a:fillRef>
+          <a:effectRef idx="0">
+            <a:schemeClr val="accent1"/>
+          </a:effectRef>
+          <a:fontRef idx="minor">
+            <a:schemeClr val="lt1"/>
+          </a:fontRef>
+        </p:style>
+        <p:txBody>
+          <a:bodyPr rtlCol="0" anchor="ctr"/>
+          <a:lstStyle/>
+          <a:p>
+            <a:pPr algn="ctr"/>
+            <a:r>
+              <a:rPr lang="en-GB" sz="1200" dirty="0">
+                <a:solidFill>
+                  <a:schemeClr val="bg1"/>
+                </a:solidFill>
+                <a:latin typeface="Amasis MT Pro Medium" panose="02040604050005020304" pitchFamily="18" charset="0"/>
+              </a:rPr>
+              <a:t>RESIDENCY PERIOD</a:t>
+            </a:r>
+          </a:p>
+        </p:txBody>
+      </p:sp>
+      <p:sp>
+        <p:nvSpPr>
+          <p:cNvPr id="2235" name="Tekstfelt 2234">
+            <a:extLst>
+              <a:ext uri="{FF2B5EF4-FFF2-40B4-BE49-F238E27FC236}">
+                <a16:creationId xmlns:a16="http://schemas.microsoft.com/office/drawing/2014/main" id="{46EC84A7-843A-ECF6-3A45-D002BC3F38DE}"/>
+              </a:ext>
+            </a:extLst>
+          </p:cNvPr>
+          <p:cNvSpPr txBox="1"/>
+          <p:nvPr/>
+        </p:nvSpPr>
+        <p:spPr>
+          <a:xfrm>
+            <a:off x="6821973" y="10525547"/>
+            <a:ext cx="737702" cy="246221"/>
+          </a:xfrm>
+          <a:prstGeom prst="rect">
+            <a:avLst/>
+          </a:prstGeom>
+          <a:noFill/>
+        </p:spPr>
+        <p:txBody>
+          <a:bodyPr wrap="none" rtlCol="0">
+            <a:spAutoFit/>
+          </a:bodyPr>
+          <a:lstStyle/>
+          <a:p>
+            <a:pPr algn="r"/>
+            <a:r>
+              <a:rPr lang="en-GB" sz="1000" i="1" dirty="0">
+                <a:solidFill>
+                  <a:schemeClr val="accent2">
+                    <a:lumMod val="50000"/>
+                  </a:schemeClr>
+                </a:solidFill>
+                <a:latin typeface="Amasis MT Pro Medium" panose="02040604050005020304" pitchFamily="18" charset="0"/>
+              </a:rPr>
+              <a:t>OCT 2025</a:t>
+            </a:r>
+          </a:p>
+        </p:txBody>
+      </p:sp>
+      <p:grpSp>
+        <p:nvGrpSpPr>
+          <p:cNvPr id="2293" name="Gruppe 2292">
+            <a:extLst>
+              <a:ext uri="{FF2B5EF4-FFF2-40B4-BE49-F238E27FC236}">
+                <a16:creationId xmlns:a16="http://schemas.microsoft.com/office/drawing/2014/main" id="{9DCCF2B3-291F-E20F-5075-299AC3E0E793}"/>
+              </a:ext>
+            </a:extLst>
+          </p:cNvPr>
+          <p:cNvGrpSpPr/>
+          <p:nvPr/>
+        </p:nvGrpSpPr>
+        <p:grpSpPr>
+          <a:xfrm>
+            <a:off x="-37851" y="6796907"/>
+            <a:ext cx="5547768" cy="3377166"/>
+            <a:chOff x="-17618" y="6880544"/>
+            <a:chExt cx="5820218" cy="3543018"/>
+          </a:xfrm>
+        </p:grpSpPr>
+        <p:pic>
+          <p:nvPicPr>
+            <p:cNvPr id="2239" name="Billede 2238" descr="Et billede, der indeholder skærmbillede, Rav, lys/lygte&#10;&#10;AI-genereret indhold kan være ukorrekt.">
+              <a:extLst>
+                <a:ext uri="{FF2B5EF4-FFF2-40B4-BE49-F238E27FC236}">
+                  <a16:creationId xmlns:a16="http://schemas.microsoft.com/office/drawing/2014/main" id="{66DB30B7-D244-811B-EA8B-C531CB1AEE14}"/>
+                </a:ext>
+              </a:extLst>
+            </p:cNvPr>
+            <p:cNvPicPr>
+              <a:picLocks noChangeAspect="1"/>
+            </p:cNvPicPr>
+            <p:nvPr/>
+          </p:nvPicPr>
+          <p:blipFill>
+            <a:blip r:embed="rId13">
+              <a:biLevel thresh="75000"/>
+              <a:extLst>
+                <a:ext uri="{28A0092B-C50C-407E-A947-70E740481C1C}">
+                  <a14:useLocalDpi xmlns:a14="http://schemas.microsoft.com/office/drawing/2010/main" val="0"/>
+                </a:ext>
+              </a:extLst>
+            </a:blip>
+            <a:srcRect t="5948" r="19258"/>
+            <a:stretch>
+              <a:fillRect/>
+            </a:stretch>
+          </p:blipFill>
+          <p:spPr>
+            <a:xfrm rot="5400000">
+              <a:off x="1120982" y="5741944"/>
+              <a:ext cx="3543018" cy="5820218"/>
+            </a:xfrm>
+            <a:prstGeom prst="rect">
+              <a:avLst/>
+            </a:prstGeom>
+          </p:spPr>
+        </p:pic>
+        <p:sp>
+          <p:nvSpPr>
+            <p:cNvPr id="2242" name="Ellipse 2241">
+              <a:extLst>
+                <a:ext uri="{FF2B5EF4-FFF2-40B4-BE49-F238E27FC236}">
+                  <a16:creationId xmlns:a16="http://schemas.microsoft.com/office/drawing/2014/main" id="{D0926EDB-37A5-40A0-F9FF-EC903D497A0C}"/>
+                </a:ext>
+              </a:extLst>
+            </p:cNvPr>
+            <p:cNvSpPr/>
+            <p:nvPr/>
+          </p:nvSpPr>
+          <p:spPr>
+            <a:xfrm>
+              <a:off x="647331" y="9680121"/>
+              <a:ext cx="225793" cy="225793"/>
+            </a:xfrm>
+            <a:prstGeom prst="ellipse">
+              <a:avLst/>
+            </a:prstGeom>
+            <a:solidFill>
+              <a:srgbClr val="FBF0E2"/>
+            </a:solidFill>
+            <a:ln w="9525">
+              <a:solidFill>
+                <a:srgbClr val="832E0F"/>
+              </a:solidFill>
+            </a:ln>
+          </p:spPr>
+          <p:style>
+            <a:lnRef idx="2">
+              <a:schemeClr val="accent1">
+                <a:shade val="15000"/>
+              </a:schemeClr>
+            </a:lnRef>
+            <a:fillRef idx="1">
+              <a:schemeClr val="accent1"/>
+            </a:fillRef>
+            <a:effectRef idx="0">
+              <a:schemeClr val="accent1"/>
+            </a:effectRef>
+            <a:fontRef idx="minor">
+              <a:schemeClr val="lt1"/>
+            </a:fontRef>
+          </p:style>
+          <p:txBody>
+            <a:bodyPr rtlCol="0" anchor="ctr"/>
+            <a:lstStyle/>
+            <a:p>
+              <a:pPr algn="ctr"/>
+              <a:endParaRPr lang="en-GB"/>
+            </a:p>
+          </p:txBody>
+        </p:sp>
+        <p:sp>
+          <p:nvSpPr>
+            <p:cNvPr id="2243" name="Ellipse 2242">
+              <a:extLst>
+                <a:ext uri="{FF2B5EF4-FFF2-40B4-BE49-F238E27FC236}">
+                  <a16:creationId xmlns:a16="http://schemas.microsoft.com/office/drawing/2014/main" id="{BD775EC9-9107-1DBF-B11F-610277CCF34B}"/>
+                </a:ext>
+              </a:extLst>
+            </p:cNvPr>
+            <p:cNvSpPr/>
+            <p:nvPr/>
+          </p:nvSpPr>
+          <p:spPr>
+            <a:xfrm>
+              <a:off x="425237" y="9162473"/>
+              <a:ext cx="244966" cy="244966"/>
+            </a:xfrm>
+            <a:prstGeom prst="ellipse">
+              <a:avLst/>
+            </a:prstGeom>
+            <a:solidFill>
+              <a:srgbClr val="F5F0E8"/>
+            </a:solidFill>
+            <a:ln w="9525">
+              <a:solidFill>
+                <a:srgbClr val="832E0F"/>
+              </a:solidFill>
+            </a:ln>
+          </p:spPr>
+          <p:style>
+            <a:lnRef idx="2">
+              <a:schemeClr val="accent1">
+                <a:shade val="15000"/>
+              </a:schemeClr>
+            </a:lnRef>
+            <a:fillRef idx="1">
+              <a:schemeClr val="accent1"/>
+            </a:fillRef>
+            <a:effectRef idx="0">
+              <a:schemeClr val="accent1"/>
+            </a:effectRef>
+            <a:fontRef idx="minor">
+              <a:schemeClr val="lt1"/>
+            </a:fontRef>
+          </p:style>
+          <p:txBody>
+            <a:bodyPr rtlCol="0" anchor="ctr"/>
+            <a:lstStyle/>
+            <a:p>
+              <a:pPr algn="ctr"/>
+              <a:endParaRPr lang="en-GB"/>
+            </a:p>
+          </p:txBody>
+        </p:sp>
+        <p:sp>
+          <p:nvSpPr>
+            <p:cNvPr id="2244" name="Ellipse 2243">
+              <a:extLst>
+                <a:ext uri="{FF2B5EF4-FFF2-40B4-BE49-F238E27FC236}">
+                  <a16:creationId xmlns:a16="http://schemas.microsoft.com/office/drawing/2014/main" id="{3BA098D3-A38F-2D81-34CC-1939DF6C592F}"/>
+                </a:ext>
+              </a:extLst>
+            </p:cNvPr>
+            <p:cNvSpPr/>
+            <p:nvPr/>
+          </p:nvSpPr>
+          <p:spPr>
+            <a:xfrm>
+              <a:off x="1207352" y="9070397"/>
+              <a:ext cx="273627" cy="273627"/>
+            </a:xfrm>
+            <a:prstGeom prst="ellipse">
+              <a:avLst/>
+            </a:prstGeom>
+            <a:solidFill>
+              <a:srgbClr val="F9CC9A"/>
+            </a:solidFill>
+            <a:ln w="9525">
+              <a:solidFill>
+                <a:srgbClr val="832E0F"/>
+              </a:solidFill>
+            </a:ln>
+          </p:spPr>
+          <p:style>
+            <a:lnRef idx="2">
+              <a:schemeClr val="accent1">
+                <a:shade val="15000"/>
+              </a:schemeClr>
+            </a:lnRef>
+            <a:fillRef idx="1">
+              <a:schemeClr val="accent1"/>
+            </a:fillRef>
+            <a:effectRef idx="0">
+              <a:schemeClr val="accent1"/>
+            </a:effectRef>
+            <a:fontRef idx="minor">
+              <a:schemeClr val="lt1"/>
+            </a:fontRef>
+          </p:style>
+          <p:txBody>
+            <a:bodyPr rtlCol="0" anchor="ctr"/>
+            <a:lstStyle/>
+            <a:p>
+              <a:pPr algn="ctr"/>
+              <a:endParaRPr lang="en-GB"/>
+            </a:p>
+          </p:txBody>
+        </p:sp>
+        <p:sp>
+          <p:nvSpPr>
+            <p:cNvPr id="2245" name="Ellipse 2244">
+              <a:extLst>
+                <a:ext uri="{FF2B5EF4-FFF2-40B4-BE49-F238E27FC236}">
+                  <a16:creationId xmlns:a16="http://schemas.microsoft.com/office/drawing/2014/main" id="{23E12E39-5B87-C538-6522-ECFCC73145E0}"/>
+                </a:ext>
+              </a:extLst>
+            </p:cNvPr>
+            <p:cNvSpPr/>
+            <p:nvPr/>
+          </p:nvSpPr>
+          <p:spPr>
+            <a:xfrm>
+              <a:off x="1461352" y="9273597"/>
+              <a:ext cx="273627" cy="273627"/>
+            </a:xfrm>
+            <a:prstGeom prst="ellipse">
+              <a:avLst/>
+            </a:prstGeom>
+            <a:solidFill>
+              <a:srgbClr val="F7C899"/>
+            </a:solidFill>
+            <a:ln w="9525">
+              <a:solidFill>
+                <a:srgbClr val="832E0F"/>
+              </a:solidFill>
+            </a:ln>
+          </p:spPr>
+          <p:style>
+            <a:lnRef idx="2">
+              <a:schemeClr val="accent1">
+                <a:shade val="15000"/>
+              </a:schemeClr>
+            </a:lnRef>
+            <a:fillRef idx="1">
+              <a:schemeClr val="accent1"/>
+            </a:fillRef>
+            <a:effectRef idx="0">
+              <a:schemeClr val="accent1"/>
+            </a:effectRef>
+            <a:fontRef idx="minor">
+              <a:schemeClr val="lt1"/>
+            </a:fontRef>
+          </p:style>
+          <p:txBody>
+            <a:bodyPr rtlCol="0" anchor="ctr"/>
+            <a:lstStyle/>
+            <a:p>
+              <a:pPr algn="ctr"/>
+              <a:endParaRPr lang="en-GB"/>
+            </a:p>
+          </p:txBody>
+        </p:sp>
+        <p:sp>
+          <p:nvSpPr>
+            <p:cNvPr id="2246" name="Ellipse 2245">
+              <a:extLst>
+                <a:ext uri="{FF2B5EF4-FFF2-40B4-BE49-F238E27FC236}">
+                  <a16:creationId xmlns:a16="http://schemas.microsoft.com/office/drawing/2014/main" id="{87B37F0F-06EB-49A1-6FF4-22E548C9015C}"/>
+                </a:ext>
+              </a:extLst>
+            </p:cNvPr>
+            <p:cNvSpPr/>
+            <p:nvPr/>
+          </p:nvSpPr>
+          <p:spPr>
+            <a:xfrm>
+              <a:off x="1880453" y="9416473"/>
+              <a:ext cx="271896" cy="271896"/>
+            </a:xfrm>
+            <a:prstGeom prst="ellipse">
+              <a:avLst/>
+            </a:prstGeom>
+            <a:solidFill>
+              <a:srgbClr val="F9CC9A"/>
+            </a:solidFill>
+            <a:ln w="9525">
+              <a:solidFill>
+                <a:srgbClr val="832E0F"/>
+              </a:solidFill>
+            </a:ln>
+          </p:spPr>
+          <p:style>
+            <a:lnRef idx="2">
+              <a:schemeClr val="accent1">
+                <a:shade val="15000"/>
+              </a:schemeClr>
+            </a:lnRef>
+            <a:fillRef idx="1">
+              <a:schemeClr val="accent1"/>
+            </a:fillRef>
+            <a:effectRef idx="0">
+              <a:schemeClr val="accent1"/>
+            </a:effectRef>
+            <a:fontRef idx="minor">
+              <a:schemeClr val="lt1"/>
+            </a:fontRef>
+          </p:style>
+          <p:txBody>
+            <a:bodyPr rtlCol="0" anchor="ctr"/>
+            <a:lstStyle/>
+            <a:p>
+              <a:pPr algn="ctr"/>
+              <a:endParaRPr lang="en-GB"/>
+            </a:p>
+          </p:txBody>
+        </p:sp>
+        <p:sp>
+          <p:nvSpPr>
+            <p:cNvPr id="2247" name="Ellipse 2246">
+              <a:extLst>
+                <a:ext uri="{FF2B5EF4-FFF2-40B4-BE49-F238E27FC236}">
+                  <a16:creationId xmlns:a16="http://schemas.microsoft.com/office/drawing/2014/main" id="{8301EC1D-183A-3086-88EE-BB27D13BF6FD}"/>
+                </a:ext>
+              </a:extLst>
+            </p:cNvPr>
+            <p:cNvSpPr/>
+            <p:nvPr/>
+          </p:nvSpPr>
+          <p:spPr>
+            <a:xfrm>
+              <a:off x="1575653" y="9559348"/>
+              <a:ext cx="271896" cy="271896"/>
+            </a:xfrm>
+            <a:prstGeom prst="ellipse">
+              <a:avLst/>
+            </a:prstGeom>
+            <a:solidFill>
+              <a:srgbClr val="F9CC9A"/>
+            </a:solidFill>
+            <a:ln w="9525">
+              <a:solidFill>
+                <a:srgbClr val="832E0F"/>
+              </a:solidFill>
+            </a:ln>
+          </p:spPr>
+          <p:style>
+            <a:lnRef idx="2">
+              <a:schemeClr val="accent1">
+                <a:shade val="15000"/>
+              </a:schemeClr>
+            </a:lnRef>
+            <a:fillRef idx="1">
+              <a:schemeClr val="accent1"/>
+            </a:fillRef>
+            <a:effectRef idx="0">
+              <a:schemeClr val="accent1"/>
+            </a:effectRef>
+            <a:fontRef idx="minor">
+              <a:schemeClr val="lt1"/>
+            </a:fontRef>
+          </p:style>
+          <p:txBody>
+            <a:bodyPr rtlCol="0" anchor="ctr"/>
+            <a:lstStyle/>
+            <a:p>
+              <a:pPr algn="ctr"/>
+              <a:endParaRPr lang="en-GB"/>
+            </a:p>
+          </p:txBody>
+        </p:sp>
+        <p:sp>
+          <p:nvSpPr>
+            <p:cNvPr id="2248" name="Ellipse 2247">
+              <a:extLst>
+                <a:ext uri="{FF2B5EF4-FFF2-40B4-BE49-F238E27FC236}">
+                  <a16:creationId xmlns:a16="http://schemas.microsoft.com/office/drawing/2014/main" id="{C98A90CE-016B-55E6-389C-CE26609AA864}"/>
+                </a:ext>
+              </a:extLst>
+            </p:cNvPr>
+            <p:cNvSpPr/>
+            <p:nvPr/>
+          </p:nvSpPr>
+          <p:spPr>
+            <a:xfrm>
+              <a:off x="3660741" y="9546209"/>
+              <a:ext cx="271896" cy="271896"/>
+            </a:xfrm>
+            <a:prstGeom prst="ellipse">
+              <a:avLst/>
+            </a:prstGeom>
+            <a:solidFill>
+              <a:srgbClr val="F9CC9A"/>
+            </a:solidFill>
+            <a:ln w="9525">
+              <a:solidFill>
+                <a:srgbClr val="832E0F"/>
+              </a:solidFill>
+            </a:ln>
+          </p:spPr>
+          <p:style>
+            <a:lnRef idx="2">
+              <a:schemeClr val="accent1">
+                <a:shade val="15000"/>
+              </a:schemeClr>
+            </a:lnRef>
+            <a:fillRef idx="1">
+              <a:schemeClr val="accent1"/>
+            </a:fillRef>
+            <a:effectRef idx="0">
+              <a:schemeClr val="accent1"/>
+            </a:effectRef>
+            <a:fontRef idx="minor">
+              <a:schemeClr val="lt1"/>
+            </a:fontRef>
+          </p:style>
+          <p:txBody>
+            <a:bodyPr rtlCol="0" anchor="ctr"/>
+            <a:lstStyle/>
+            <a:p>
+              <a:pPr algn="ctr"/>
+              <a:endParaRPr lang="en-GB"/>
+            </a:p>
+          </p:txBody>
+        </p:sp>
+        <p:sp>
+          <p:nvSpPr>
+            <p:cNvPr id="2250" name="Ellipse 2249">
+              <a:extLst>
+                <a:ext uri="{FF2B5EF4-FFF2-40B4-BE49-F238E27FC236}">
+                  <a16:creationId xmlns:a16="http://schemas.microsoft.com/office/drawing/2014/main" id="{FAAC1F2E-06B9-1B3E-F376-57AFF709A4E3}"/>
+                </a:ext>
+              </a:extLst>
+            </p:cNvPr>
+            <p:cNvSpPr/>
+            <p:nvPr/>
+          </p:nvSpPr>
+          <p:spPr>
+            <a:xfrm>
+              <a:off x="898156" y="9959521"/>
+              <a:ext cx="236112" cy="236112"/>
+            </a:xfrm>
+            <a:prstGeom prst="ellipse">
+              <a:avLst/>
+            </a:prstGeom>
+            <a:solidFill>
+              <a:srgbClr val="FBF0E2"/>
+            </a:solidFill>
+            <a:ln w="9525">
+              <a:solidFill>
+                <a:srgbClr val="832E0F"/>
+              </a:solidFill>
+            </a:ln>
+          </p:spPr>
+          <p:style>
+            <a:lnRef idx="2">
+              <a:schemeClr val="accent1">
+                <a:shade val="15000"/>
+              </a:schemeClr>
+            </a:lnRef>
+            <a:fillRef idx="1">
+              <a:schemeClr val="accent1"/>
+            </a:fillRef>
+            <a:effectRef idx="0">
+              <a:schemeClr val="accent1"/>
+            </a:effectRef>
+            <a:fontRef idx="minor">
+              <a:schemeClr val="lt1"/>
+            </a:fontRef>
+          </p:style>
+          <p:txBody>
+            <a:bodyPr rtlCol="0" anchor="ctr"/>
+            <a:lstStyle/>
+            <a:p>
+              <a:pPr algn="ctr"/>
+              <a:endParaRPr lang="en-GB"/>
+            </a:p>
+          </p:txBody>
+        </p:sp>
+        <p:sp>
+          <p:nvSpPr>
+            <p:cNvPr id="2252" name="Ellipse 2251">
+              <a:extLst>
+                <a:ext uri="{FF2B5EF4-FFF2-40B4-BE49-F238E27FC236}">
+                  <a16:creationId xmlns:a16="http://schemas.microsoft.com/office/drawing/2014/main" id="{17C54BAF-65A2-A36E-5036-194FF4B8B6FE}"/>
+                </a:ext>
+              </a:extLst>
+            </p:cNvPr>
+            <p:cNvSpPr/>
+            <p:nvPr/>
+          </p:nvSpPr>
+          <p:spPr>
+            <a:xfrm>
+              <a:off x="1029573" y="8736733"/>
+              <a:ext cx="273627" cy="273627"/>
+            </a:xfrm>
+            <a:prstGeom prst="ellipse">
+              <a:avLst/>
+            </a:prstGeom>
+            <a:solidFill>
+              <a:srgbClr val="F8C99A"/>
+            </a:solidFill>
+            <a:ln w="9525">
+              <a:solidFill>
+                <a:srgbClr val="832E0F"/>
+              </a:solidFill>
+            </a:ln>
+          </p:spPr>
+          <p:style>
+            <a:lnRef idx="2">
+              <a:schemeClr val="accent1">
+                <a:shade val="15000"/>
+              </a:schemeClr>
+            </a:lnRef>
+            <a:fillRef idx="1">
+              <a:schemeClr val="accent1"/>
+            </a:fillRef>
+            <a:effectRef idx="0">
+              <a:schemeClr val="accent1"/>
+            </a:effectRef>
+            <a:fontRef idx="minor">
+              <a:schemeClr val="lt1"/>
+            </a:fontRef>
+          </p:style>
+          <p:txBody>
+            <a:bodyPr rtlCol="0" anchor="ctr"/>
+            <a:lstStyle/>
+            <a:p>
+              <a:pPr algn="ctr"/>
+              <a:endParaRPr lang="en-GB"/>
+            </a:p>
+          </p:txBody>
+        </p:sp>
+        <p:sp>
+          <p:nvSpPr>
+            <p:cNvPr id="2254" name="Ellipse 2253">
+              <a:extLst>
+                <a:ext uri="{FF2B5EF4-FFF2-40B4-BE49-F238E27FC236}">
+                  <a16:creationId xmlns:a16="http://schemas.microsoft.com/office/drawing/2014/main" id="{832C089F-1F0C-7A54-9079-CC366CCEDBDA}"/>
+                </a:ext>
+              </a:extLst>
+            </p:cNvPr>
+            <p:cNvSpPr/>
+            <p:nvPr/>
+          </p:nvSpPr>
+          <p:spPr>
+            <a:xfrm>
+              <a:off x="1886803" y="9771554"/>
+              <a:ext cx="260349" cy="260349"/>
+            </a:xfrm>
+            <a:prstGeom prst="ellipse">
+              <a:avLst/>
+            </a:prstGeom>
+            <a:solidFill>
+              <a:srgbClr val="F9D2AA"/>
+            </a:solidFill>
+            <a:ln w="9525">
+              <a:solidFill>
+                <a:srgbClr val="832E0F"/>
+              </a:solidFill>
+            </a:ln>
+          </p:spPr>
+          <p:style>
+            <a:lnRef idx="2">
+              <a:schemeClr val="accent1">
+                <a:shade val="15000"/>
+              </a:schemeClr>
+            </a:lnRef>
+            <a:fillRef idx="1">
+              <a:schemeClr val="accent1"/>
+            </a:fillRef>
+            <a:effectRef idx="0">
+              <a:schemeClr val="accent1"/>
+            </a:effectRef>
+            <a:fontRef idx="minor">
+              <a:schemeClr val="lt1"/>
+            </a:fontRef>
+          </p:style>
+          <p:txBody>
+            <a:bodyPr rtlCol="0" anchor="ctr"/>
+            <a:lstStyle/>
+            <a:p>
+              <a:pPr algn="ctr"/>
+              <a:endParaRPr lang="en-GB"/>
+            </a:p>
+          </p:txBody>
+        </p:sp>
+        <p:sp>
+          <p:nvSpPr>
+            <p:cNvPr id="2255" name="Ellipse 2254">
+              <a:extLst>
+                <a:ext uri="{FF2B5EF4-FFF2-40B4-BE49-F238E27FC236}">
+                  <a16:creationId xmlns:a16="http://schemas.microsoft.com/office/drawing/2014/main" id="{1CAD6B98-2387-87D8-69F3-33011A10C474}"/>
+                </a:ext>
+              </a:extLst>
+            </p:cNvPr>
+            <p:cNvSpPr/>
+            <p:nvPr/>
+          </p:nvSpPr>
+          <p:spPr>
+            <a:xfrm>
+              <a:off x="3331794" y="9749971"/>
+              <a:ext cx="236991" cy="236991"/>
+            </a:xfrm>
+            <a:prstGeom prst="ellipse">
+              <a:avLst/>
+            </a:prstGeom>
+            <a:solidFill>
+              <a:srgbClr val="F8E7D5"/>
+            </a:solidFill>
+            <a:ln w="9525">
+              <a:solidFill>
+                <a:srgbClr val="832E0F"/>
+              </a:solidFill>
+            </a:ln>
+          </p:spPr>
+          <p:style>
+            <a:lnRef idx="2">
+              <a:schemeClr val="accent1">
+                <a:shade val="15000"/>
+              </a:schemeClr>
+            </a:lnRef>
+            <a:fillRef idx="1">
+              <a:schemeClr val="accent1"/>
+            </a:fillRef>
+            <a:effectRef idx="0">
+              <a:schemeClr val="accent1"/>
+            </a:effectRef>
+            <a:fontRef idx="minor">
+              <a:schemeClr val="lt1"/>
+            </a:fontRef>
+          </p:style>
+          <p:txBody>
+            <a:bodyPr rtlCol="0" anchor="ctr"/>
+            <a:lstStyle/>
+            <a:p>
+              <a:pPr algn="ctr"/>
+              <a:endParaRPr lang="en-GB"/>
+            </a:p>
+          </p:txBody>
+        </p:sp>
+        <p:sp>
+          <p:nvSpPr>
+            <p:cNvPr id="2256" name="Ellipse 2255">
+              <a:extLst>
+                <a:ext uri="{FF2B5EF4-FFF2-40B4-BE49-F238E27FC236}">
+                  <a16:creationId xmlns:a16="http://schemas.microsoft.com/office/drawing/2014/main" id="{5AE28D96-7F7A-AE5B-6516-BE35A4C4CBFE}"/>
+                </a:ext>
+              </a:extLst>
+            </p:cNvPr>
+            <p:cNvSpPr/>
+            <p:nvPr/>
+          </p:nvSpPr>
+          <p:spPr>
+            <a:xfrm>
+              <a:off x="4277150" y="10057153"/>
+              <a:ext cx="236991" cy="236991"/>
+            </a:xfrm>
+            <a:prstGeom prst="ellipse">
+              <a:avLst/>
+            </a:prstGeom>
+            <a:solidFill>
+              <a:srgbClr val="F8EFE7"/>
+            </a:solidFill>
+            <a:ln w="9525">
+              <a:solidFill>
+                <a:srgbClr val="832E0F"/>
+              </a:solidFill>
+            </a:ln>
+          </p:spPr>
+          <p:style>
+            <a:lnRef idx="2">
+              <a:schemeClr val="accent1">
+                <a:shade val="15000"/>
+              </a:schemeClr>
+            </a:lnRef>
+            <a:fillRef idx="1">
+              <a:schemeClr val="accent1"/>
+            </a:fillRef>
+            <a:effectRef idx="0">
+              <a:schemeClr val="accent1"/>
+            </a:effectRef>
+            <a:fontRef idx="minor">
+              <a:schemeClr val="lt1"/>
+            </a:fontRef>
+          </p:style>
+          <p:txBody>
+            <a:bodyPr rtlCol="0" anchor="ctr"/>
+            <a:lstStyle/>
+            <a:p>
+              <a:pPr algn="ctr"/>
+              <a:endParaRPr lang="en-GB"/>
+            </a:p>
+          </p:txBody>
+        </p:sp>
+        <p:sp>
+          <p:nvSpPr>
+            <p:cNvPr id="2257" name="Ellipse 2256">
+              <a:extLst>
+                <a:ext uri="{FF2B5EF4-FFF2-40B4-BE49-F238E27FC236}">
+                  <a16:creationId xmlns:a16="http://schemas.microsoft.com/office/drawing/2014/main" id="{2B3268A0-2DEA-B2EF-FE82-5BD938E5231B}"/>
+                </a:ext>
+              </a:extLst>
+            </p:cNvPr>
+            <p:cNvSpPr/>
+            <p:nvPr/>
+          </p:nvSpPr>
+          <p:spPr>
+            <a:xfrm>
+              <a:off x="4548188" y="9706683"/>
+              <a:ext cx="257600" cy="257600"/>
+            </a:xfrm>
+            <a:prstGeom prst="ellipse">
+              <a:avLst/>
+            </a:prstGeom>
+            <a:solidFill>
+              <a:srgbClr val="F9D2AA"/>
+            </a:solidFill>
+            <a:ln w="9525">
+              <a:solidFill>
+                <a:srgbClr val="832E0F"/>
+              </a:solidFill>
+            </a:ln>
+          </p:spPr>
+          <p:style>
+            <a:lnRef idx="2">
+              <a:schemeClr val="accent1">
+                <a:shade val="15000"/>
+              </a:schemeClr>
+            </a:lnRef>
+            <a:fillRef idx="1">
+              <a:schemeClr val="accent1"/>
+            </a:fillRef>
+            <a:effectRef idx="0">
+              <a:schemeClr val="accent1"/>
+            </a:effectRef>
+            <a:fontRef idx="minor">
+              <a:schemeClr val="lt1"/>
+            </a:fontRef>
+          </p:style>
+          <p:txBody>
+            <a:bodyPr rtlCol="0" anchor="ctr"/>
+            <a:lstStyle/>
+            <a:p>
+              <a:pPr algn="ctr"/>
+              <a:endParaRPr lang="en-GB"/>
+            </a:p>
+          </p:txBody>
+        </p:sp>
+        <p:sp>
+          <p:nvSpPr>
+            <p:cNvPr id="2258" name="Ellipse 2257">
+              <a:extLst>
+                <a:ext uri="{FF2B5EF4-FFF2-40B4-BE49-F238E27FC236}">
+                  <a16:creationId xmlns:a16="http://schemas.microsoft.com/office/drawing/2014/main" id="{D2B2BA38-A573-EBDC-5024-26B79ACB2EA4}"/>
+                </a:ext>
+              </a:extLst>
+            </p:cNvPr>
+            <p:cNvSpPr/>
+            <p:nvPr/>
+          </p:nvSpPr>
+          <p:spPr>
+            <a:xfrm>
+              <a:off x="4963600" y="9313350"/>
+              <a:ext cx="271895" cy="271895"/>
+            </a:xfrm>
+            <a:prstGeom prst="ellipse">
+              <a:avLst/>
+            </a:prstGeom>
+            <a:solidFill>
+              <a:srgbClr val="F9CC9A"/>
+            </a:solidFill>
+            <a:ln w="9525">
+              <a:solidFill>
+                <a:srgbClr val="832E0F"/>
+              </a:solidFill>
+            </a:ln>
+          </p:spPr>
+          <p:style>
+            <a:lnRef idx="2">
+              <a:schemeClr val="accent1">
+                <a:shade val="15000"/>
+              </a:schemeClr>
+            </a:lnRef>
+            <a:fillRef idx="1">
+              <a:schemeClr val="accent1"/>
+            </a:fillRef>
+            <a:effectRef idx="0">
+              <a:schemeClr val="accent1"/>
+            </a:effectRef>
+            <a:fontRef idx="minor">
+              <a:schemeClr val="lt1"/>
+            </a:fontRef>
+          </p:style>
+          <p:txBody>
+            <a:bodyPr rtlCol="0" anchor="ctr"/>
+            <a:lstStyle/>
+            <a:p>
+              <a:pPr algn="ctr"/>
+              <a:endParaRPr lang="en-GB"/>
+            </a:p>
+          </p:txBody>
+        </p:sp>
+        <p:sp>
+          <p:nvSpPr>
+            <p:cNvPr id="2259" name="Ellipse 2258">
+              <a:extLst>
+                <a:ext uri="{FF2B5EF4-FFF2-40B4-BE49-F238E27FC236}">
+                  <a16:creationId xmlns:a16="http://schemas.microsoft.com/office/drawing/2014/main" id="{352DFF91-19AE-2D87-B2CF-54AB7B76DA3A}"/>
+                </a:ext>
+              </a:extLst>
+            </p:cNvPr>
+            <p:cNvSpPr/>
+            <p:nvPr/>
+          </p:nvSpPr>
+          <p:spPr>
+            <a:xfrm>
+              <a:off x="4990379" y="8995352"/>
+              <a:ext cx="271895" cy="271895"/>
+            </a:xfrm>
+            <a:prstGeom prst="ellipse">
+              <a:avLst/>
+            </a:prstGeom>
+            <a:solidFill>
+              <a:srgbClr val="F8D2AA"/>
+            </a:solidFill>
+            <a:ln w="9525">
+              <a:solidFill>
+                <a:srgbClr val="832E0F"/>
+              </a:solidFill>
+            </a:ln>
+          </p:spPr>
+          <p:style>
+            <a:lnRef idx="2">
+              <a:schemeClr val="accent1">
+                <a:shade val="15000"/>
+              </a:schemeClr>
+            </a:lnRef>
+            <a:fillRef idx="1">
+              <a:schemeClr val="accent1"/>
+            </a:fillRef>
+            <a:effectRef idx="0">
+              <a:schemeClr val="accent1"/>
+            </a:effectRef>
+            <a:fontRef idx="minor">
+              <a:schemeClr val="lt1"/>
+            </a:fontRef>
+          </p:style>
+          <p:txBody>
+            <a:bodyPr rtlCol="0" anchor="ctr"/>
+            <a:lstStyle/>
+            <a:p>
+              <a:pPr algn="ctr"/>
+              <a:endParaRPr lang="en-GB"/>
+            </a:p>
+          </p:txBody>
+        </p:sp>
+        <p:sp>
+          <p:nvSpPr>
+            <p:cNvPr id="2260" name="Ellipse 2259">
+              <a:extLst>
+                <a:ext uri="{FF2B5EF4-FFF2-40B4-BE49-F238E27FC236}">
+                  <a16:creationId xmlns:a16="http://schemas.microsoft.com/office/drawing/2014/main" id="{9E2F744C-81A0-1E56-6F7E-4EF31071E9DF}"/>
+                </a:ext>
+              </a:extLst>
+            </p:cNvPr>
+            <p:cNvSpPr/>
+            <p:nvPr/>
+          </p:nvSpPr>
+          <p:spPr>
+            <a:xfrm>
+              <a:off x="5068423" y="8532743"/>
+              <a:ext cx="253671" cy="253671"/>
+            </a:xfrm>
+            <a:prstGeom prst="ellipse">
+              <a:avLst/>
+            </a:prstGeom>
+            <a:solidFill>
+              <a:srgbClr val="FADDBD"/>
+            </a:solidFill>
+            <a:ln w="9525">
+              <a:solidFill>
+                <a:srgbClr val="832E0F"/>
+              </a:solidFill>
+            </a:ln>
+          </p:spPr>
+          <p:style>
+            <a:lnRef idx="2">
+              <a:schemeClr val="accent1">
+                <a:shade val="15000"/>
+              </a:schemeClr>
+            </a:lnRef>
+            <a:fillRef idx="1">
+              <a:schemeClr val="accent1"/>
+            </a:fillRef>
+            <a:effectRef idx="0">
+              <a:schemeClr val="accent1"/>
+            </a:effectRef>
+            <a:fontRef idx="minor">
+              <a:schemeClr val="lt1"/>
+            </a:fontRef>
+          </p:style>
+          <p:txBody>
+            <a:bodyPr rtlCol="0" anchor="ctr"/>
+            <a:lstStyle/>
+            <a:p>
+              <a:pPr algn="ctr"/>
+              <a:endParaRPr lang="en-GB"/>
+            </a:p>
+          </p:txBody>
+        </p:sp>
+        <p:sp>
+          <p:nvSpPr>
+            <p:cNvPr id="2261" name="Ellipse 2260">
+              <a:extLst>
+                <a:ext uri="{FF2B5EF4-FFF2-40B4-BE49-F238E27FC236}">
+                  <a16:creationId xmlns:a16="http://schemas.microsoft.com/office/drawing/2014/main" id="{37AB2A24-39AA-9BFA-F06F-2D23BA0B3E33}"/>
+                </a:ext>
+              </a:extLst>
+            </p:cNvPr>
+            <p:cNvSpPr/>
+            <p:nvPr/>
+          </p:nvSpPr>
+          <p:spPr>
+            <a:xfrm>
+              <a:off x="4863543" y="8092336"/>
+              <a:ext cx="253671" cy="253671"/>
+            </a:xfrm>
+            <a:prstGeom prst="ellipse">
+              <a:avLst/>
+            </a:prstGeom>
+            <a:solidFill>
+              <a:srgbClr val="FAE2CD"/>
+            </a:solidFill>
+            <a:ln w="9525">
+              <a:solidFill>
+                <a:srgbClr val="832E0F"/>
+              </a:solidFill>
+            </a:ln>
+          </p:spPr>
+          <p:style>
+            <a:lnRef idx="2">
+              <a:schemeClr val="accent1">
+                <a:shade val="15000"/>
+              </a:schemeClr>
+            </a:lnRef>
+            <a:fillRef idx="1">
+              <a:schemeClr val="accent1"/>
+            </a:fillRef>
+            <a:effectRef idx="0">
+              <a:schemeClr val="accent1"/>
+            </a:effectRef>
+            <a:fontRef idx="minor">
+              <a:schemeClr val="lt1"/>
+            </a:fontRef>
+          </p:style>
+          <p:txBody>
+            <a:bodyPr rtlCol="0" anchor="ctr"/>
+            <a:lstStyle/>
+            <a:p>
+              <a:pPr algn="ctr"/>
+              <a:endParaRPr lang="en-GB"/>
+            </a:p>
+          </p:txBody>
+        </p:sp>
+        <p:sp>
+          <p:nvSpPr>
+            <p:cNvPr id="2262" name="Ellipse 2261">
+              <a:extLst>
+                <a:ext uri="{FF2B5EF4-FFF2-40B4-BE49-F238E27FC236}">
+                  <a16:creationId xmlns:a16="http://schemas.microsoft.com/office/drawing/2014/main" id="{573E8348-2714-CBDB-F80C-3B007377C43E}"/>
+                </a:ext>
+              </a:extLst>
+            </p:cNvPr>
+            <p:cNvSpPr/>
+            <p:nvPr/>
+          </p:nvSpPr>
+          <p:spPr>
+            <a:xfrm>
+              <a:off x="4949314" y="7769388"/>
+              <a:ext cx="236375" cy="236375"/>
+            </a:xfrm>
+            <a:prstGeom prst="ellipse">
+              <a:avLst/>
+            </a:prstGeom>
+            <a:solidFill>
+              <a:srgbClr val="F8E7D3"/>
+            </a:solidFill>
+            <a:ln w="9525">
+              <a:solidFill>
+                <a:srgbClr val="832E0F"/>
+              </a:solidFill>
+            </a:ln>
+          </p:spPr>
+          <p:style>
+            <a:lnRef idx="2">
+              <a:schemeClr val="accent1">
+                <a:shade val="15000"/>
+              </a:schemeClr>
+            </a:lnRef>
+            <a:fillRef idx="1">
+              <a:schemeClr val="accent1"/>
+            </a:fillRef>
+            <a:effectRef idx="0">
+              <a:schemeClr val="accent1"/>
+            </a:effectRef>
+            <a:fontRef idx="minor">
+              <a:schemeClr val="lt1"/>
+            </a:fontRef>
+          </p:style>
+          <p:txBody>
+            <a:bodyPr rtlCol="0" anchor="ctr"/>
+            <a:lstStyle/>
+            <a:p>
+              <a:pPr algn="ctr"/>
+              <a:endParaRPr lang="en-GB"/>
+            </a:p>
+          </p:txBody>
+        </p:sp>
+        <p:sp>
+          <p:nvSpPr>
+            <p:cNvPr id="2264" name="Ellipse 2263">
+              <a:extLst>
+                <a:ext uri="{FF2B5EF4-FFF2-40B4-BE49-F238E27FC236}">
+                  <a16:creationId xmlns:a16="http://schemas.microsoft.com/office/drawing/2014/main" id="{EDB97612-F18D-5987-1A3E-4F2A91E95951}"/>
+                </a:ext>
+              </a:extLst>
+            </p:cNvPr>
+            <p:cNvSpPr/>
+            <p:nvPr/>
+          </p:nvSpPr>
+          <p:spPr>
+            <a:xfrm>
+              <a:off x="1344165" y="8095299"/>
+              <a:ext cx="273627" cy="273627"/>
+            </a:xfrm>
+            <a:prstGeom prst="ellipse">
+              <a:avLst/>
+            </a:prstGeom>
+            <a:solidFill>
+              <a:srgbClr val="F9CC9A"/>
+            </a:solidFill>
+            <a:ln w="9525">
+              <a:solidFill>
+                <a:srgbClr val="832E0F"/>
+              </a:solidFill>
+            </a:ln>
+          </p:spPr>
+          <p:style>
+            <a:lnRef idx="2">
+              <a:schemeClr val="accent1">
+                <a:shade val="15000"/>
+              </a:schemeClr>
+            </a:lnRef>
+            <a:fillRef idx="1">
+              <a:schemeClr val="accent1"/>
+            </a:fillRef>
+            <a:effectRef idx="0">
+              <a:schemeClr val="accent1"/>
+            </a:effectRef>
+            <a:fontRef idx="minor">
+              <a:schemeClr val="lt1"/>
+            </a:fontRef>
+          </p:style>
+          <p:txBody>
+            <a:bodyPr rtlCol="0" anchor="ctr"/>
+            <a:lstStyle/>
+            <a:p>
+              <a:pPr algn="ctr"/>
+              <a:endParaRPr lang="en-GB"/>
+            </a:p>
+          </p:txBody>
+        </p:sp>
+        <p:sp>
+          <p:nvSpPr>
+            <p:cNvPr id="2265" name="Ellipse 2264">
+              <a:extLst>
+                <a:ext uri="{FF2B5EF4-FFF2-40B4-BE49-F238E27FC236}">
+                  <a16:creationId xmlns:a16="http://schemas.microsoft.com/office/drawing/2014/main" id="{2E74646A-F6D6-F7A7-EAFE-5453FEEA0369}"/>
+                </a:ext>
+              </a:extLst>
+            </p:cNvPr>
+            <p:cNvSpPr/>
+            <p:nvPr/>
+          </p:nvSpPr>
+          <p:spPr>
+            <a:xfrm>
+              <a:off x="2423942" y="7119612"/>
+              <a:ext cx="236070" cy="236070"/>
+            </a:xfrm>
+            <a:prstGeom prst="ellipse">
+              <a:avLst/>
+            </a:prstGeom>
+            <a:solidFill>
+              <a:srgbClr val="F7EBDD"/>
+            </a:solidFill>
+            <a:ln w="9525">
+              <a:solidFill>
+                <a:srgbClr val="832E0F"/>
+              </a:solidFill>
+            </a:ln>
+          </p:spPr>
+          <p:style>
+            <a:lnRef idx="2">
+              <a:schemeClr val="accent1">
+                <a:shade val="15000"/>
+              </a:schemeClr>
+            </a:lnRef>
+            <a:fillRef idx="1">
+              <a:schemeClr val="accent1"/>
+            </a:fillRef>
+            <a:effectRef idx="0">
+              <a:schemeClr val="accent1"/>
+            </a:effectRef>
+            <a:fontRef idx="minor">
+              <a:schemeClr val="lt1"/>
+            </a:fontRef>
+          </p:style>
+          <p:txBody>
+            <a:bodyPr rtlCol="0" anchor="ctr"/>
+            <a:lstStyle/>
+            <a:p>
+              <a:pPr algn="ctr"/>
+              <a:endParaRPr lang="en-GB"/>
+            </a:p>
+          </p:txBody>
+        </p:sp>
+        <p:sp>
+          <p:nvSpPr>
+            <p:cNvPr id="2266" name="Ellipse 2265">
+              <a:extLst>
+                <a:ext uri="{FF2B5EF4-FFF2-40B4-BE49-F238E27FC236}">
+                  <a16:creationId xmlns:a16="http://schemas.microsoft.com/office/drawing/2014/main" id="{CD52279F-971E-6464-A545-198ED9D4524E}"/>
+                </a:ext>
+              </a:extLst>
+            </p:cNvPr>
+            <p:cNvSpPr/>
+            <p:nvPr/>
+          </p:nvSpPr>
+          <p:spPr>
+            <a:xfrm>
+              <a:off x="1585465" y="7546593"/>
+              <a:ext cx="219245" cy="219245"/>
+            </a:xfrm>
+            <a:prstGeom prst="ellipse">
+              <a:avLst/>
+            </a:prstGeom>
+            <a:solidFill>
+              <a:srgbClr val="FBF5E8"/>
+            </a:solidFill>
+            <a:ln w="9525">
+              <a:solidFill>
+                <a:srgbClr val="832E0F"/>
+              </a:solidFill>
+            </a:ln>
+          </p:spPr>
+          <p:style>
+            <a:lnRef idx="2">
+              <a:schemeClr val="accent1">
+                <a:shade val="15000"/>
+              </a:schemeClr>
+            </a:lnRef>
+            <a:fillRef idx="1">
+              <a:schemeClr val="accent1"/>
+            </a:fillRef>
+            <a:effectRef idx="0">
+              <a:schemeClr val="accent1"/>
+            </a:effectRef>
+            <a:fontRef idx="minor">
+              <a:schemeClr val="lt1"/>
+            </a:fontRef>
+          </p:style>
+          <p:txBody>
+            <a:bodyPr rtlCol="0" anchor="ctr"/>
+            <a:lstStyle/>
+            <a:p>
+              <a:pPr algn="ctr"/>
+              <a:endParaRPr lang="en-GB"/>
+            </a:p>
+          </p:txBody>
+        </p:sp>
+        <p:sp>
+          <p:nvSpPr>
+            <p:cNvPr id="2267" name="Ellipse 2266">
+              <a:extLst>
+                <a:ext uri="{FF2B5EF4-FFF2-40B4-BE49-F238E27FC236}">
+                  <a16:creationId xmlns:a16="http://schemas.microsoft.com/office/drawing/2014/main" id="{B3CE7835-B486-F3A8-CC37-DF5886202DDB}"/>
+                </a:ext>
+              </a:extLst>
+            </p:cNvPr>
+            <p:cNvSpPr/>
+            <p:nvPr/>
+          </p:nvSpPr>
+          <p:spPr>
+            <a:xfrm>
+              <a:off x="2021740" y="7481787"/>
+              <a:ext cx="250824" cy="250824"/>
+            </a:xfrm>
+            <a:prstGeom prst="ellipse">
+              <a:avLst/>
+            </a:prstGeom>
+            <a:solidFill>
+              <a:srgbClr val="F8E0C9"/>
+            </a:solidFill>
+            <a:ln w="9525">
+              <a:solidFill>
+                <a:srgbClr val="832E0F"/>
+              </a:solidFill>
+            </a:ln>
+          </p:spPr>
+          <p:style>
+            <a:lnRef idx="2">
+              <a:schemeClr val="accent1">
+                <a:shade val="15000"/>
+              </a:schemeClr>
+            </a:lnRef>
+            <a:fillRef idx="1">
+              <a:schemeClr val="accent1"/>
+            </a:fillRef>
+            <a:effectRef idx="0">
+              <a:schemeClr val="accent1"/>
+            </a:effectRef>
+            <a:fontRef idx="minor">
+              <a:schemeClr val="lt1"/>
+            </a:fontRef>
+          </p:style>
+          <p:txBody>
+            <a:bodyPr rtlCol="0" anchor="ctr"/>
+            <a:lstStyle/>
+            <a:p>
+              <a:pPr algn="ctr"/>
+              <a:endParaRPr lang="en-GB"/>
+            </a:p>
+          </p:txBody>
+        </p:sp>
+        <p:sp>
+          <p:nvSpPr>
+            <p:cNvPr id="2268" name="Ellipse 2267">
+              <a:extLst>
+                <a:ext uri="{FF2B5EF4-FFF2-40B4-BE49-F238E27FC236}">
+                  <a16:creationId xmlns:a16="http://schemas.microsoft.com/office/drawing/2014/main" id="{6DCA2F06-C113-425B-4E76-91C62C1B1497}"/>
+                </a:ext>
+              </a:extLst>
+            </p:cNvPr>
+            <p:cNvSpPr/>
+            <p:nvPr/>
+          </p:nvSpPr>
+          <p:spPr>
+            <a:xfrm>
+              <a:off x="5299470" y="8816726"/>
+              <a:ext cx="253671" cy="253671"/>
+            </a:xfrm>
+            <a:prstGeom prst="ellipse">
+              <a:avLst/>
+            </a:prstGeom>
+            <a:solidFill>
+              <a:srgbClr val="FADDBD"/>
+            </a:solidFill>
+            <a:ln w="9525">
+              <a:solidFill>
+                <a:srgbClr val="832E0F"/>
+              </a:solidFill>
+            </a:ln>
+          </p:spPr>
+          <p:style>
+            <a:lnRef idx="2">
+              <a:schemeClr val="accent1">
+                <a:shade val="15000"/>
+              </a:schemeClr>
+            </a:lnRef>
+            <a:fillRef idx="1">
+              <a:schemeClr val="accent1"/>
+            </a:fillRef>
+            <a:effectRef idx="0">
+              <a:schemeClr val="accent1"/>
+            </a:effectRef>
+            <a:fontRef idx="minor">
+              <a:schemeClr val="lt1"/>
+            </a:fontRef>
+          </p:style>
+          <p:txBody>
+            <a:bodyPr rtlCol="0" anchor="ctr"/>
+            <a:lstStyle/>
+            <a:p>
+              <a:pPr algn="ctr"/>
+              <a:endParaRPr lang="en-GB"/>
+            </a:p>
+          </p:txBody>
+        </p:sp>
+        <p:sp>
+          <p:nvSpPr>
+            <p:cNvPr id="2269" name="Ellipse 2268">
+              <a:extLst>
+                <a:ext uri="{FF2B5EF4-FFF2-40B4-BE49-F238E27FC236}">
+                  <a16:creationId xmlns:a16="http://schemas.microsoft.com/office/drawing/2014/main" id="{1115E247-7EC3-D1EF-0EA9-E438206137E3}"/>
+                </a:ext>
+              </a:extLst>
+            </p:cNvPr>
+            <p:cNvSpPr/>
+            <p:nvPr/>
+          </p:nvSpPr>
+          <p:spPr>
+            <a:xfrm>
+              <a:off x="5308660" y="8154872"/>
+              <a:ext cx="236654" cy="236654"/>
+            </a:xfrm>
+            <a:prstGeom prst="ellipse">
+              <a:avLst/>
+            </a:prstGeom>
+            <a:solidFill>
+              <a:srgbClr val="F7E8D4"/>
+            </a:solidFill>
+            <a:ln w="9525">
+              <a:solidFill>
+                <a:srgbClr val="832E0F"/>
+              </a:solidFill>
+            </a:ln>
+          </p:spPr>
+          <p:style>
+            <a:lnRef idx="2">
+              <a:schemeClr val="accent1">
+                <a:shade val="15000"/>
+              </a:schemeClr>
+            </a:lnRef>
+            <a:fillRef idx="1">
+              <a:schemeClr val="accent1"/>
+            </a:fillRef>
+            <a:effectRef idx="0">
+              <a:schemeClr val="accent1"/>
+            </a:effectRef>
+            <a:fontRef idx="minor">
+              <a:schemeClr val="lt1"/>
+            </a:fontRef>
+          </p:style>
+          <p:txBody>
+            <a:bodyPr rtlCol="0" anchor="ctr"/>
+            <a:lstStyle/>
+            <a:p>
+              <a:pPr algn="ctr"/>
+              <a:endParaRPr lang="en-GB"/>
+            </a:p>
+          </p:txBody>
+        </p:sp>
+        <p:sp>
+          <p:nvSpPr>
+            <p:cNvPr id="2270" name="Ellipse 2269">
+              <a:extLst>
+                <a:ext uri="{FF2B5EF4-FFF2-40B4-BE49-F238E27FC236}">
+                  <a16:creationId xmlns:a16="http://schemas.microsoft.com/office/drawing/2014/main" id="{39DA939A-EF01-6C23-9349-D7685A121992}"/>
+                </a:ext>
+              </a:extLst>
+            </p:cNvPr>
+            <p:cNvSpPr/>
+            <p:nvPr/>
+          </p:nvSpPr>
+          <p:spPr>
+            <a:xfrm>
+              <a:off x="3747633" y="8024940"/>
+              <a:ext cx="236654" cy="236654"/>
+            </a:xfrm>
+            <a:prstGeom prst="ellipse">
+              <a:avLst/>
+            </a:prstGeom>
+            <a:solidFill>
+              <a:srgbClr val="FAE7D5"/>
+            </a:solidFill>
+            <a:ln w="9525">
+              <a:solidFill>
+                <a:srgbClr val="832E0F"/>
+              </a:solidFill>
+            </a:ln>
+          </p:spPr>
+          <p:style>
+            <a:lnRef idx="2">
+              <a:schemeClr val="accent1">
+                <a:shade val="15000"/>
+              </a:schemeClr>
+            </a:lnRef>
+            <a:fillRef idx="1">
+              <a:schemeClr val="accent1"/>
+            </a:fillRef>
+            <a:effectRef idx="0">
+              <a:schemeClr val="accent1"/>
+            </a:effectRef>
+            <a:fontRef idx="minor">
+              <a:schemeClr val="lt1"/>
+            </a:fontRef>
+          </p:style>
+          <p:txBody>
+            <a:bodyPr rtlCol="0" anchor="ctr"/>
+            <a:lstStyle/>
+            <a:p>
+              <a:pPr algn="ctr"/>
+              <a:endParaRPr lang="en-GB"/>
+            </a:p>
+          </p:txBody>
+        </p:sp>
+        <p:sp>
+          <p:nvSpPr>
+            <p:cNvPr id="2271" name="Ellipse 2270">
+              <a:extLst>
+                <a:ext uri="{FF2B5EF4-FFF2-40B4-BE49-F238E27FC236}">
+                  <a16:creationId xmlns:a16="http://schemas.microsoft.com/office/drawing/2014/main" id="{83FFC35D-7ABA-822B-885E-50A1D55129FE}"/>
+                </a:ext>
+              </a:extLst>
+            </p:cNvPr>
+            <p:cNvSpPr/>
+            <p:nvPr/>
+          </p:nvSpPr>
+          <p:spPr>
+            <a:xfrm>
+              <a:off x="3721439" y="7558215"/>
+              <a:ext cx="236654" cy="236654"/>
+            </a:xfrm>
+            <a:prstGeom prst="ellipse">
+              <a:avLst/>
+            </a:prstGeom>
+            <a:solidFill>
+              <a:srgbClr val="FBF0E2"/>
+            </a:solidFill>
+            <a:ln w="9525">
+              <a:solidFill>
+                <a:srgbClr val="832E0F"/>
+              </a:solidFill>
+            </a:ln>
+          </p:spPr>
+          <p:style>
+            <a:lnRef idx="2">
+              <a:schemeClr val="accent1">
+                <a:shade val="15000"/>
+              </a:schemeClr>
+            </a:lnRef>
+            <a:fillRef idx="1">
+              <a:schemeClr val="accent1"/>
+            </a:fillRef>
+            <a:effectRef idx="0">
+              <a:schemeClr val="accent1"/>
+            </a:effectRef>
+            <a:fontRef idx="minor">
+              <a:schemeClr val="lt1"/>
+            </a:fontRef>
+          </p:style>
+          <p:txBody>
+            <a:bodyPr rtlCol="0" anchor="ctr"/>
+            <a:lstStyle/>
+            <a:p>
+              <a:pPr algn="ctr"/>
+              <a:endParaRPr lang="en-GB"/>
+            </a:p>
+          </p:txBody>
+        </p:sp>
+        <p:sp>
+          <p:nvSpPr>
+            <p:cNvPr id="2272" name="Ellipse 2271">
+              <a:extLst>
+                <a:ext uri="{FF2B5EF4-FFF2-40B4-BE49-F238E27FC236}">
+                  <a16:creationId xmlns:a16="http://schemas.microsoft.com/office/drawing/2014/main" id="{D364D437-6355-0168-7533-4DB33AA6BEDF}"/>
+                </a:ext>
+              </a:extLst>
+            </p:cNvPr>
+            <p:cNvSpPr/>
+            <p:nvPr/>
+          </p:nvSpPr>
+          <p:spPr>
+            <a:xfrm>
+              <a:off x="3264239" y="7362952"/>
+              <a:ext cx="236654" cy="236654"/>
+            </a:xfrm>
+            <a:prstGeom prst="ellipse">
+              <a:avLst/>
+            </a:prstGeom>
+            <a:solidFill>
+              <a:srgbClr val="FAE7D4"/>
+            </a:solidFill>
+            <a:ln w="9525">
+              <a:solidFill>
+                <a:srgbClr val="832E0F"/>
+              </a:solidFill>
+            </a:ln>
+          </p:spPr>
+          <p:style>
+            <a:lnRef idx="2">
+              <a:schemeClr val="accent1">
+                <a:shade val="15000"/>
+              </a:schemeClr>
+            </a:lnRef>
+            <a:fillRef idx="1">
+              <a:schemeClr val="accent1"/>
+            </a:fillRef>
+            <a:effectRef idx="0">
+              <a:schemeClr val="accent1"/>
+            </a:effectRef>
+            <a:fontRef idx="minor">
+              <a:schemeClr val="lt1"/>
+            </a:fontRef>
+          </p:style>
+          <p:txBody>
+            <a:bodyPr rtlCol="0" anchor="ctr"/>
+            <a:lstStyle/>
+            <a:p>
+              <a:pPr algn="ctr"/>
+              <a:endParaRPr lang="en-GB"/>
+            </a:p>
+          </p:txBody>
+        </p:sp>
+        <p:sp>
+          <p:nvSpPr>
+            <p:cNvPr id="2273" name="Ellipse 2272">
+              <a:extLst>
+                <a:ext uri="{FF2B5EF4-FFF2-40B4-BE49-F238E27FC236}">
+                  <a16:creationId xmlns:a16="http://schemas.microsoft.com/office/drawing/2014/main" id="{D448BC0B-2569-F08C-CB88-6CBE885B8EB3}"/>
+                </a:ext>
+              </a:extLst>
+            </p:cNvPr>
+            <p:cNvSpPr/>
+            <p:nvPr/>
+          </p:nvSpPr>
+          <p:spPr>
+            <a:xfrm>
+              <a:off x="3336700" y="7983533"/>
+              <a:ext cx="273627" cy="273627"/>
+            </a:xfrm>
+            <a:prstGeom prst="ellipse">
+              <a:avLst/>
+            </a:prstGeom>
+            <a:solidFill>
+              <a:srgbClr val="F8BD86"/>
+            </a:solidFill>
+            <a:ln w="9525">
+              <a:solidFill>
+                <a:srgbClr val="832E0F"/>
+              </a:solidFill>
+            </a:ln>
+          </p:spPr>
+          <p:style>
+            <a:lnRef idx="2">
+              <a:schemeClr val="accent1">
+                <a:shade val="15000"/>
+              </a:schemeClr>
+            </a:lnRef>
+            <a:fillRef idx="1">
+              <a:schemeClr val="accent1"/>
+            </a:fillRef>
+            <a:effectRef idx="0">
+              <a:schemeClr val="accent1"/>
+            </a:effectRef>
+            <a:fontRef idx="minor">
+              <a:schemeClr val="lt1"/>
+            </a:fontRef>
+          </p:style>
+          <p:txBody>
+            <a:bodyPr rtlCol="0" anchor="ctr"/>
+            <a:lstStyle/>
+            <a:p>
+              <a:pPr algn="ctr"/>
+              <a:endParaRPr lang="en-GB"/>
+            </a:p>
+          </p:txBody>
+        </p:sp>
+        <p:sp>
+          <p:nvSpPr>
+            <p:cNvPr id="2274" name="Ellipse 2273">
+              <a:extLst>
+                <a:ext uri="{FF2B5EF4-FFF2-40B4-BE49-F238E27FC236}">
+                  <a16:creationId xmlns:a16="http://schemas.microsoft.com/office/drawing/2014/main" id="{F5CE6AD8-27D5-7645-624F-8391E16F6D62}"/>
+                </a:ext>
+              </a:extLst>
+            </p:cNvPr>
+            <p:cNvSpPr/>
+            <p:nvPr/>
+          </p:nvSpPr>
+          <p:spPr>
+            <a:xfrm>
+              <a:off x="2468729" y="7682892"/>
+              <a:ext cx="286358" cy="286358"/>
+            </a:xfrm>
+            <a:prstGeom prst="ellipse">
+              <a:avLst/>
+            </a:prstGeom>
+            <a:solidFill>
+              <a:srgbClr val="F8B373"/>
+            </a:solidFill>
+            <a:ln w="9525">
+              <a:solidFill>
+                <a:srgbClr val="832E0F"/>
+              </a:solidFill>
+            </a:ln>
+          </p:spPr>
+          <p:style>
+            <a:lnRef idx="2">
+              <a:schemeClr val="accent1">
+                <a:shade val="15000"/>
+              </a:schemeClr>
+            </a:lnRef>
+            <a:fillRef idx="1">
+              <a:schemeClr val="accent1"/>
+            </a:fillRef>
+            <a:effectRef idx="0">
+              <a:schemeClr val="accent1"/>
+            </a:effectRef>
+            <a:fontRef idx="minor">
+              <a:schemeClr val="lt1"/>
+            </a:fontRef>
+          </p:style>
+          <p:txBody>
+            <a:bodyPr rtlCol="0" anchor="ctr"/>
+            <a:lstStyle/>
+            <a:p>
+              <a:pPr algn="ctr"/>
+              <a:endParaRPr lang="en-GB"/>
+            </a:p>
+          </p:txBody>
+        </p:sp>
+        <p:sp>
+          <p:nvSpPr>
+            <p:cNvPr id="2275" name="Ellipse 2274">
+              <a:extLst>
+                <a:ext uri="{FF2B5EF4-FFF2-40B4-BE49-F238E27FC236}">
+                  <a16:creationId xmlns:a16="http://schemas.microsoft.com/office/drawing/2014/main" id="{F7A58945-5283-3305-FE77-5DFE18096513}"/>
+                </a:ext>
+              </a:extLst>
+            </p:cNvPr>
+            <p:cNvSpPr/>
+            <p:nvPr/>
+          </p:nvSpPr>
+          <p:spPr>
+            <a:xfrm>
+              <a:off x="1757478" y="8214407"/>
+              <a:ext cx="302127" cy="302127"/>
+            </a:xfrm>
+            <a:prstGeom prst="ellipse">
+              <a:avLst/>
+            </a:prstGeom>
+            <a:solidFill>
+              <a:srgbClr val="F79953"/>
+            </a:solidFill>
+            <a:ln w="9525">
+              <a:solidFill>
+                <a:srgbClr val="832E0F"/>
+              </a:solidFill>
+            </a:ln>
+          </p:spPr>
+          <p:style>
+            <a:lnRef idx="2">
+              <a:schemeClr val="accent1">
+                <a:shade val="15000"/>
+              </a:schemeClr>
+            </a:lnRef>
+            <a:fillRef idx="1">
+              <a:schemeClr val="accent1"/>
+            </a:fillRef>
+            <a:effectRef idx="0">
+              <a:schemeClr val="accent1"/>
+            </a:effectRef>
+            <a:fontRef idx="minor">
+              <a:schemeClr val="lt1"/>
+            </a:fontRef>
+          </p:style>
+          <p:txBody>
+            <a:bodyPr rtlCol="0" anchor="ctr"/>
+            <a:lstStyle/>
+            <a:p>
+              <a:pPr algn="ctr"/>
+              <a:endParaRPr lang="en-GB"/>
+            </a:p>
+          </p:txBody>
+        </p:sp>
+        <p:sp>
+          <p:nvSpPr>
+            <p:cNvPr id="2276" name="Ellipse 2275">
+              <a:extLst>
+                <a:ext uri="{FF2B5EF4-FFF2-40B4-BE49-F238E27FC236}">
+                  <a16:creationId xmlns:a16="http://schemas.microsoft.com/office/drawing/2014/main" id="{6ADA3DAF-F127-46D1-B909-EB88FB889A3C}"/>
+                </a:ext>
+              </a:extLst>
+            </p:cNvPr>
+            <p:cNvSpPr/>
+            <p:nvPr/>
+          </p:nvSpPr>
+          <p:spPr>
+            <a:xfrm>
+              <a:off x="1378619" y="8578791"/>
+              <a:ext cx="302127" cy="302127"/>
+            </a:xfrm>
+            <a:prstGeom prst="ellipse">
+              <a:avLst/>
+            </a:prstGeom>
+            <a:solidFill>
+              <a:srgbClr val="F99A52"/>
+            </a:solidFill>
+            <a:ln w="9525">
+              <a:solidFill>
+                <a:srgbClr val="832E0F"/>
+              </a:solidFill>
+            </a:ln>
+          </p:spPr>
+          <p:style>
+            <a:lnRef idx="2">
+              <a:schemeClr val="accent1">
+                <a:shade val="15000"/>
+              </a:schemeClr>
+            </a:lnRef>
+            <a:fillRef idx="1">
+              <a:schemeClr val="accent1"/>
+            </a:fillRef>
+            <a:effectRef idx="0">
+              <a:schemeClr val="accent1"/>
+            </a:effectRef>
+            <a:fontRef idx="minor">
+              <a:schemeClr val="lt1"/>
+            </a:fontRef>
+          </p:style>
+          <p:txBody>
+            <a:bodyPr rtlCol="0" anchor="ctr"/>
+            <a:lstStyle/>
+            <a:p>
+              <a:pPr algn="ctr"/>
+              <a:endParaRPr lang="en-GB"/>
+            </a:p>
+          </p:txBody>
+        </p:sp>
+        <p:sp>
+          <p:nvSpPr>
+            <p:cNvPr id="2277" name="Ellipse 2276">
+              <a:extLst>
+                <a:ext uri="{FF2B5EF4-FFF2-40B4-BE49-F238E27FC236}">
+                  <a16:creationId xmlns:a16="http://schemas.microsoft.com/office/drawing/2014/main" id="{F1766580-42A8-0813-1459-43BAA7A1882F}"/>
+                </a:ext>
+              </a:extLst>
+            </p:cNvPr>
+            <p:cNvSpPr/>
+            <p:nvPr/>
+          </p:nvSpPr>
+          <p:spPr>
+            <a:xfrm>
+              <a:off x="1763310" y="8786099"/>
+              <a:ext cx="316870" cy="316870"/>
+            </a:xfrm>
+            <a:prstGeom prst="ellipse">
+              <a:avLst/>
+            </a:prstGeom>
+            <a:solidFill>
+              <a:srgbClr val="F58537"/>
+            </a:solidFill>
+            <a:ln w="9525">
+              <a:solidFill>
+                <a:srgbClr val="832E0F"/>
+              </a:solidFill>
+            </a:ln>
+          </p:spPr>
+          <p:style>
+            <a:lnRef idx="2">
+              <a:schemeClr val="accent1">
+                <a:shade val="15000"/>
+              </a:schemeClr>
+            </a:lnRef>
+            <a:fillRef idx="1">
+              <a:schemeClr val="accent1"/>
+            </a:fillRef>
+            <a:effectRef idx="0">
+              <a:schemeClr val="accent1"/>
+            </a:effectRef>
+            <a:fontRef idx="minor">
+              <a:schemeClr val="lt1"/>
+            </a:fontRef>
+          </p:style>
+          <p:txBody>
+            <a:bodyPr rtlCol="0" anchor="ctr"/>
+            <a:lstStyle/>
+            <a:p>
+              <a:pPr algn="ctr"/>
+              <a:endParaRPr lang="en-GB"/>
+            </a:p>
+          </p:txBody>
+        </p:sp>
+        <p:sp>
+          <p:nvSpPr>
+            <p:cNvPr id="2278" name="Ellipse 2277">
+              <a:extLst>
+                <a:ext uri="{FF2B5EF4-FFF2-40B4-BE49-F238E27FC236}">
+                  <a16:creationId xmlns:a16="http://schemas.microsoft.com/office/drawing/2014/main" id="{382D37CF-0313-5D1F-8375-013B344268C7}"/>
+                </a:ext>
+              </a:extLst>
+            </p:cNvPr>
+            <p:cNvSpPr/>
+            <p:nvPr/>
+          </p:nvSpPr>
+          <p:spPr>
+            <a:xfrm>
+              <a:off x="2022670" y="8324545"/>
+              <a:ext cx="326536" cy="326536"/>
+            </a:xfrm>
+            <a:prstGeom prst="ellipse">
+              <a:avLst/>
+            </a:prstGeom>
+            <a:solidFill>
+              <a:srgbClr val="F47528"/>
+            </a:solidFill>
+            <a:ln w="9525">
+              <a:solidFill>
+                <a:srgbClr val="832E0F"/>
+              </a:solidFill>
+            </a:ln>
+          </p:spPr>
+          <p:style>
+            <a:lnRef idx="2">
+              <a:schemeClr val="accent1">
+                <a:shade val="15000"/>
+              </a:schemeClr>
+            </a:lnRef>
+            <a:fillRef idx="1">
+              <a:schemeClr val="accent1"/>
+            </a:fillRef>
+            <a:effectRef idx="0">
+              <a:schemeClr val="accent1"/>
+            </a:effectRef>
+            <a:fontRef idx="minor">
+              <a:schemeClr val="lt1"/>
+            </a:fontRef>
+          </p:style>
+          <p:txBody>
+            <a:bodyPr rtlCol="0" anchor="ctr"/>
+            <a:lstStyle/>
+            <a:p>
+              <a:pPr algn="ctr"/>
+              <a:endParaRPr lang="en-GB"/>
+            </a:p>
+          </p:txBody>
+        </p:sp>
+        <p:sp>
+          <p:nvSpPr>
+            <p:cNvPr id="2279" name="Ellipse 2278">
+              <a:extLst>
+                <a:ext uri="{FF2B5EF4-FFF2-40B4-BE49-F238E27FC236}">
+                  <a16:creationId xmlns:a16="http://schemas.microsoft.com/office/drawing/2014/main" id="{B645B2A5-967F-DEAC-7C1E-23492854B0C0}"/>
+                </a:ext>
+              </a:extLst>
+            </p:cNvPr>
+            <p:cNvSpPr/>
+            <p:nvPr/>
+          </p:nvSpPr>
+          <p:spPr>
+            <a:xfrm>
+              <a:off x="3020413" y="8510283"/>
+              <a:ext cx="326536" cy="326536"/>
+            </a:xfrm>
+            <a:prstGeom prst="ellipse">
+              <a:avLst/>
+            </a:prstGeom>
+            <a:solidFill>
+              <a:srgbClr val="EF6D1A"/>
+            </a:solidFill>
+            <a:ln w="9525">
+              <a:solidFill>
+                <a:srgbClr val="832E0F"/>
+              </a:solidFill>
+            </a:ln>
+          </p:spPr>
+          <p:style>
+            <a:lnRef idx="2">
+              <a:schemeClr val="accent1">
+                <a:shade val="15000"/>
+              </a:schemeClr>
+            </a:lnRef>
+            <a:fillRef idx="1">
+              <a:schemeClr val="accent1"/>
+            </a:fillRef>
+            <a:effectRef idx="0">
+              <a:schemeClr val="accent1"/>
+            </a:effectRef>
+            <a:fontRef idx="minor">
+              <a:schemeClr val="lt1"/>
+            </a:fontRef>
+          </p:style>
+          <p:txBody>
+            <a:bodyPr rtlCol="0" anchor="ctr"/>
+            <a:lstStyle/>
+            <a:p>
+              <a:pPr algn="ctr"/>
+              <a:endParaRPr lang="en-GB"/>
+            </a:p>
+          </p:txBody>
+        </p:sp>
+        <p:sp>
+          <p:nvSpPr>
+            <p:cNvPr id="2280" name="Ellipse 2279">
+              <a:extLst>
+                <a:ext uri="{FF2B5EF4-FFF2-40B4-BE49-F238E27FC236}">
+                  <a16:creationId xmlns:a16="http://schemas.microsoft.com/office/drawing/2014/main" id="{3E574A64-B1B3-B852-92AC-B9E9E6E6F5F5}"/>
+                </a:ext>
+              </a:extLst>
+            </p:cNvPr>
+            <p:cNvSpPr/>
+            <p:nvPr/>
+          </p:nvSpPr>
+          <p:spPr>
+            <a:xfrm>
+              <a:off x="3821019" y="9016042"/>
+              <a:ext cx="326536" cy="326536"/>
+            </a:xfrm>
+            <a:prstGeom prst="ellipse">
+              <a:avLst/>
+            </a:prstGeom>
+            <a:solidFill>
+              <a:srgbClr val="F18232"/>
+            </a:solidFill>
+            <a:ln w="9525">
+              <a:solidFill>
+                <a:srgbClr val="832E0F"/>
+              </a:solidFill>
+            </a:ln>
+          </p:spPr>
+          <p:style>
+            <a:lnRef idx="2">
+              <a:schemeClr val="accent1">
+                <a:shade val="15000"/>
+              </a:schemeClr>
+            </a:lnRef>
+            <a:fillRef idx="1">
+              <a:schemeClr val="accent1"/>
+            </a:fillRef>
+            <a:effectRef idx="0">
+              <a:schemeClr val="accent1"/>
+            </a:effectRef>
+            <a:fontRef idx="minor">
+              <a:schemeClr val="lt1"/>
+            </a:fontRef>
+          </p:style>
+          <p:txBody>
+            <a:bodyPr rtlCol="0" anchor="ctr"/>
+            <a:lstStyle/>
+            <a:p>
+              <a:pPr algn="ctr"/>
+              <a:endParaRPr lang="en-GB"/>
+            </a:p>
+          </p:txBody>
+        </p:sp>
+        <p:sp>
+          <p:nvSpPr>
+            <p:cNvPr id="2281" name="Ellipse 2280">
+              <a:extLst>
+                <a:ext uri="{FF2B5EF4-FFF2-40B4-BE49-F238E27FC236}">
+                  <a16:creationId xmlns:a16="http://schemas.microsoft.com/office/drawing/2014/main" id="{FD178D2A-20B1-BE69-F4E7-D573C1C68B13}"/>
+                </a:ext>
+              </a:extLst>
+            </p:cNvPr>
+            <p:cNvSpPr/>
+            <p:nvPr/>
+          </p:nvSpPr>
+          <p:spPr>
+            <a:xfrm>
+              <a:off x="3289104" y="9028850"/>
+              <a:ext cx="285218" cy="285218"/>
+            </a:xfrm>
+            <a:prstGeom prst="ellipse">
+              <a:avLst/>
+            </a:prstGeom>
+            <a:solidFill>
+              <a:srgbClr val="F9B274"/>
+            </a:solidFill>
+            <a:ln w="9525">
+              <a:solidFill>
+                <a:srgbClr val="832E0F"/>
+              </a:solidFill>
+            </a:ln>
+          </p:spPr>
+          <p:style>
+            <a:lnRef idx="2">
+              <a:schemeClr val="accent1">
+                <a:shade val="15000"/>
+              </a:schemeClr>
+            </a:lnRef>
+            <a:fillRef idx="1">
+              <a:schemeClr val="accent1"/>
+            </a:fillRef>
+            <a:effectRef idx="0">
+              <a:schemeClr val="accent1"/>
+            </a:effectRef>
+            <a:fontRef idx="minor">
+              <a:schemeClr val="lt1"/>
+            </a:fontRef>
+          </p:style>
+          <p:txBody>
+            <a:bodyPr rtlCol="0" anchor="ctr"/>
+            <a:lstStyle/>
+            <a:p>
+              <a:pPr algn="ctr"/>
+              <a:endParaRPr lang="en-GB"/>
+            </a:p>
+          </p:txBody>
+        </p:sp>
+        <p:sp>
+          <p:nvSpPr>
+            <p:cNvPr id="2282" name="Ellipse 2281">
+              <a:extLst>
+                <a:ext uri="{FF2B5EF4-FFF2-40B4-BE49-F238E27FC236}">
+                  <a16:creationId xmlns:a16="http://schemas.microsoft.com/office/drawing/2014/main" id="{6F9CC489-258C-FD88-06E3-979A757BB942}"/>
+                </a:ext>
+              </a:extLst>
+            </p:cNvPr>
+            <p:cNvSpPr/>
+            <p:nvPr/>
+          </p:nvSpPr>
+          <p:spPr>
+            <a:xfrm>
+              <a:off x="4422578" y="9095524"/>
+              <a:ext cx="288981" cy="288981"/>
+            </a:xfrm>
+            <a:prstGeom prst="ellipse">
+              <a:avLst/>
+            </a:prstGeom>
+            <a:solidFill>
+              <a:srgbClr val="F9A963"/>
+            </a:solidFill>
+            <a:ln w="9525">
+              <a:solidFill>
+                <a:srgbClr val="832E0F"/>
+              </a:solidFill>
+            </a:ln>
+          </p:spPr>
+          <p:style>
+            <a:lnRef idx="2">
+              <a:schemeClr val="accent1">
+                <a:shade val="15000"/>
+              </a:schemeClr>
+            </a:lnRef>
+            <a:fillRef idx="1">
+              <a:schemeClr val="accent1"/>
+            </a:fillRef>
+            <a:effectRef idx="0">
+              <a:schemeClr val="accent1"/>
+            </a:effectRef>
+            <a:fontRef idx="minor">
+              <a:schemeClr val="lt1"/>
+            </a:fontRef>
+          </p:style>
+          <p:txBody>
+            <a:bodyPr rtlCol="0" anchor="ctr"/>
+            <a:lstStyle/>
+            <a:p>
+              <a:pPr algn="ctr"/>
+              <a:endParaRPr lang="en-GB"/>
+            </a:p>
+          </p:txBody>
+        </p:sp>
+        <p:sp>
+          <p:nvSpPr>
+            <p:cNvPr id="2283" name="Ellipse 2282">
+              <a:extLst>
+                <a:ext uri="{FF2B5EF4-FFF2-40B4-BE49-F238E27FC236}">
+                  <a16:creationId xmlns:a16="http://schemas.microsoft.com/office/drawing/2014/main" id="{637D207E-3FCB-5E1A-2E56-1462DB05B7FD}"/>
+                </a:ext>
+              </a:extLst>
+            </p:cNvPr>
+            <p:cNvSpPr/>
+            <p:nvPr/>
+          </p:nvSpPr>
+          <p:spPr>
+            <a:xfrm>
+              <a:off x="2575877" y="7959448"/>
+              <a:ext cx="310279" cy="310279"/>
+            </a:xfrm>
+            <a:prstGeom prst="ellipse">
+              <a:avLst/>
+            </a:prstGeom>
+            <a:solidFill>
+              <a:srgbClr val="F89A53"/>
+            </a:solidFill>
+            <a:ln w="9525">
+              <a:solidFill>
+                <a:srgbClr val="832E0F"/>
+              </a:solidFill>
+            </a:ln>
+          </p:spPr>
+          <p:style>
+            <a:lnRef idx="2">
+              <a:schemeClr val="accent1">
+                <a:shade val="15000"/>
+              </a:schemeClr>
+            </a:lnRef>
+            <a:fillRef idx="1">
+              <a:schemeClr val="accent1"/>
+            </a:fillRef>
+            <a:effectRef idx="0">
+              <a:schemeClr val="accent1"/>
+            </a:effectRef>
+            <a:fontRef idx="minor">
+              <a:schemeClr val="lt1"/>
+            </a:fontRef>
+          </p:style>
+          <p:txBody>
+            <a:bodyPr rtlCol="0" anchor="ctr"/>
+            <a:lstStyle/>
+            <a:p>
+              <a:pPr algn="ctr"/>
+              <a:endParaRPr lang="en-GB"/>
+            </a:p>
+          </p:txBody>
+        </p:sp>
+        <p:sp>
+          <p:nvSpPr>
+            <p:cNvPr id="2284" name="Ellipse 2283">
+              <a:extLst>
+                <a:ext uri="{FF2B5EF4-FFF2-40B4-BE49-F238E27FC236}">
+                  <a16:creationId xmlns:a16="http://schemas.microsoft.com/office/drawing/2014/main" id="{746EFA41-B9B5-FA5F-1F79-8C94187685BA}"/>
+                </a:ext>
+              </a:extLst>
+            </p:cNvPr>
+            <p:cNvSpPr/>
+            <p:nvPr/>
+          </p:nvSpPr>
+          <p:spPr>
+            <a:xfrm>
+              <a:off x="2663189" y="8239641"/>
+              <a:ext cx="310279" cy="310279"/>
+            </a:xfrm>
+            <a:prstGeom prst="ellipse">
+              <a:avLst/>
+            </a:prstGeom>
+            <a:solidFill>
+              <a:srgbClr val="F78E41"/>
+            </a:solidFill>
+            <a:ln w="9525">
+              <a:solidFill>
+                <a:srgbClr val="832E0F"/>
+              </a:solidFill>
+            </a:ln>
+          </p:spPr>
+          <p:style>
+            <a:lnRef idx="2">
+              <a:schemeClr val="accent1">
+                <a:shade val="15000"/>
+              </a:schemeClr>
+            </a:lnRef>
+            <a:fillRef idx="1">
+              <a:schemeClr val="accent1"/>
+            </a:fillRef>
+            <a:effectRef idx="0">
+              <a:schemeClr val="accent1"/>
+            </a:effectRef>
+            <a:fontRef idx="minor">
+              <a:schemeClr val="lt1"/>
+            </a:fontRef>
+          </p:style>
+          <p:txBody>
+            <a:bodyPr rtlCol="0" anchor="ctr"/>
+            <a:lstStyle/>
+            <a:p>
+              <a:pPr algn="ctr"/>
+              <a:endParaRPr lang="en-GB"/>
+            </a:p>
+          </p:txBody>
+        </p:sp>
+        <p:sp>
+          <p:nvSpPr>
+            <p:cNvPr id="2285" name="Ellipse 2284">
+              <a:extLst>
+                <a:ext uri="{FF2B5EF4-FFF2-40B4-BE49-F238E27FC236}">
+                  <a16:creationId xmlns:a16="http://schemas.microsoft.com/office/drawing/2014/main" id="{1E5A958C-4F16-621F-3B0D-B6DD3C15D690}"/>
+                </a:ext>
+              </a:extLst>
+            </p:cNvPr>
+            <p:cNvSpPr/>
+            <p:nvPr/>
+          </p:nvSpPr>
+          <p:spPr>
+            <a:xfrm>
+              <a:off x="3102477" y="7759488"/>
+              <a:ext cx="310279" cy="310279"/>
+            </a:xfrm>
+            <a:prstGeom prst="ellipse">
+              <a:avLst/>
+            </a:prstGeom>
+            <a:solidFill>
+              <a:srgbClr val="F89A53"/>
+            </a:solidFill>
+            <a:ln w="9525">
+              <a:solidFill>
+                <a:srgbClr val="832E0F"/>
+              </a:solidFill>
+            </a:ln>
+          </p:spPr>
+          <p:style>
+            <a:lnRef idx="2">
+              <a:schemeClr val="accent1">
+                <a:shade val="15000"/>
+              </a:schemeClr>
+            </a:lnRef>
+            <a:fillRef idx="1">
+              <a:schemeClr val="accent1"/>
+            </a:fillRef>
+            <a:effectRef idx="0">
+              <a:schemeClr val="accent1"/>
+            </a:effectRef>
+            <a:fontRef idx="minor">
+              <a:schemeClr val="lt1"/>
+            </a:fontRef>
+          </p:style>
+          <p:txBody>
+            <a:bodyPr rtlCol="0" anchor="ctr"/>
+            <a:lstStyle/>
+            <a:p>
+              <a:pPr algn="ctr"/>
+              <a:endParaRPr lang="en-GB"/>
+            </a:p>
+          </p:txBody>
+        </p:sp>
+        <p:sp>
+          <p:nvSpPr>
+            <p:cNvPr id="2286" name="Ellipse 2285">
+              <a:extLst>
+                <a:ext uri="{FF2B5EF4-FFF2-40B4-BE49-F238E27FC236}">
+                  <a16:creationId xmlns:a16="http://schemas.microsoft.com/office/drawing/2014/main" id="{3F3C59B2-8D69-F319-914A-F8617C0FE951}"/>
+                </a:ext>
+              </a:extLst>
+            </p:cNvPr>
+            <p:cNvSpPr/>
+            <p:nvPr/>
+          </p:nvSpPr>
+          <p:spPr>
+            <a:xfrm>
+              <a:off x="3781956" y="8500948"/>
+              <a:ext cx="351894" cy="351894"/>
+            </a:xfrm>
+            <a:prstGeom prst="ellipse">
+              <a:avLst/>
+            </a:prstGeom>
+            <a:solidFill>
+              <a:srgbClr val="BD470E"/>
+            </a:solidFill>
+            <a:ln w="9525">
+              <a:solidFill>
+                <a:srgbClr val="832E0F"/>
+              </a:solidFill>
+            </a:ln>
+          </p:spPr>
+          <p:style>
+            <a:lnRef idx="2">
+              <a:schemeClr val="accent1">
+                <a:shade val="15000"/>
+              </a:schemeClr>
+            </a:lnRef>
+            <a:fillRef idx="1">
+              <a:schemeClr val="accent1"/>
+            </a:fillRef>
+            <a:effectRef idx="0">
+              <a:schemeClr val="accent1"/>
+            </a:effectRef>
+            <a:fontRef idx="minor">
+              <a:schemeClr val="lt1"/>
+            </a:fontRef>
+          </p:style>
+          <p:txBody>
+            <a:bodyPr rtlCol="0" anchor="ctr"/>
+            <a:lstStyle/>
+            <a:p>
+              <a:pPr algn="ctr"/>
+              <a:endParaRPr lang="en-GB"/>
+            </a:p>
+          </p:txBody>
+        </p:sp>
+        <p:sp>
+          <p:nvSpPr>
+            <p:cNvPr id="2287" name="Ellipse 2286">
+              <a:extLst>
+                <a:ext uri="{FF2B5EF4-FFF2-40B4-BE49-F238E27FC236}">
+                  <a16:creationId xmlns:a16="http://schemas.microsoft.com/office/drawing/2014/main" id="{9361C83F-826F-5F92-06E3-4147ACA47769}"/>
+                </a:ext>
+              </a:extLst>
+            </p:cNvPr>
+            <p:cNvSpPr/>
+            <p:nvPr/>
+          </p:nvSpPr>
+          <p:spPr>
+            <a:xfrm>
+              <a:off x="3981981" y="8419986"/>
+              <a:ext cx="351894" cy="351894"/>
+            </a:xfrm>
+            <a:prstGeom prst="ellipse">
+              <a:avLst/>
+            </a:prstGeom>
+            <a:solidFill>
+              <a:srgbClr val="CE4A0B"/>
+            </a:solidFill>
+            <a:ln w="9525">
+              <a:solidFill>
+                <a:srgbClr val="832E0F"/>
+              </a:solidFill>
+            </a:ln>
+          </p:spPr>
+          <p:style>
+            <a:lnRef idx="2">
+              <a:schemeClr val="accent1">
+                <a:shade val="15000"/>
+              </a:schemeClr>
+            </a:lnRef>
+            <a:fillRef idx="1">
+              <a:schemeClr val="accent1"/>
+            </a:fillRef>
+            <a:effectRef idx="0">
+              <a:schemeClr val="accent1"/>
+            </a:effectRef>
+            <a:fontRef idx="minor">
+              <a:schemeClr val="lt1"/>
+            </a:fontRef>
+          </p:style>
+          <p:txBody>
+            <a:bodyPr rtlCol="0" anchor="ctr"/>
+            <a:lstStyle/>
+            <a:p>
+              <a:pPr algn="ctr"/>
+              <a:endParaRPr lang="en-GB"/>
+            </a:p>
+          </p:txBody>
+        </p:sp>
+        <p:sp>
+          <p:nvSpPr>
+            <p:cNvPr id="2288" name="Ellipse 2287">
+              <a:extLst>
+                <a:ext uri="{FF2B5EF4-FFF2-40B4-BE49-F238E27FC236}">
+                  <a16:creationId xmlns:a16="http://schemas.microsoft.com/office/drawing/2014/main" id="{93A6E5AB-E3B6-0FFD-4B19-05784013AB9C}"/>
+                </a:ext>
+              </a:extLst>
+            </p:cNvPr>
+            <p:cNvSpPr/>
+            <p:nvPr/>
+          </p:nvSpPr>
+          <p:spPr>
+            <a:xfrm>
+              <a:off x="2550849" y="8646204"/>
+              <a:ext cx="371299" cy="371299"/>
+            </a:xfrm>
+            <a:prstGeom prst="ellipse">
+              <a:avLst/>
+            </a:prstGeom>
+            <a:solidFill>
+              <a:srgbClr val="812D0E"/>
+            </a:solidFill>
+            <a:ln w="9525">
+              <a:solidFill>
+                <a:srgbClr val="832E0F"/>
+              </a:solidFill>
+            </a:ln>
+          </p:spPr>
+          <p:style>
+            <a:lnRef idx="2">
+              <a:schemeClr val="accent1">
+                <a:shade val="15000"/>
+              </a:schemeClr>
+            </a:lnRef>
+            <a:fillRef idx="1">
+              <a:schemeClr val="accent1"/>
+            </a:fillRef>
+            <a:effectRef idx="0">
+              <a:schemeClr val="accent1"/>
+            </a:effectRef>
+            <a:fontRef idx="minor">
+              <a:schemeClr val="lt1"/>
+            </a:fontRef>
+          </p:style>
+          <p:txBody>
+            <a:bodyPr rtlCol="0" anchor="ctr"/>
+            <a:lstStyle/>
+            <a:p>
+              <a:pPr algn="ctr"/>
+              <a:endParaRPr lang="en-GB" sz="100" dirty="0">
+                <a:latin typeface="Amasis MT Pro Medium" panose="02040604050005020304" pitchFamily="18" charset="0"/>
+              </a:endParaRPr>
+            </a:p>
+          </p:txBody>
+        </p:sp>
+        <p:sp>
+          <p:nvSpPr>
+            <p:cNvPr id="2289" name="Ellipse 2288">
+              <a:extLst>
+                <a:ext uri="{FF2B5EF4-FFF2-40B4-BE49-F238E27FC236}">
+                  <a16:creationId xmlns:a16="http://schemas.microsoft.com/office/drawing/2014/main" id="{860B44F0-E2D1-E0D3-CBE4-FFF03EB69DF3}"/>
+                </a:ext>
+              </a:extLst>
+            </p:cNvPr>
+            <p:cNvSpPr/>
+            <p:nvPr/>
+          </p:nvSpPr>
+          <p:spPr>
+            <a:xfrm>
+              <a:off x="4003412" y="8784033"/>
+              <a:ext cx="328082" cy="328082"/>
+            </a:xfrm>
+            <a:prstGeom prst="ellipse">
+              <a:avLst/>
+            </a:prstGeom>
+            <a:solidFill>
+              <a:srgbClr val="EF6D1A"/>
+            </a:solidFill>
+            <a:ln w="9525">
+              <a:solidFill>
+                <a:srgbClr val="832E0F"/>
+              </a:solidFill>
+            </a:ln>
+          </p:spPr>
+          <p:style>
+            <a:lnRef idx="2">
+              <a:schemeClr val="accent1">
+                <a:shade val="15000"/>
+              </a:schemeClr>
+            </a:lnRef>
+            <a:fillRef idx="1">
+              <a:schemeClr val="accent1"/>
+            </a:fillRef>
+            <a:effectRef idx="0">
+              <a:schemeClr val="accent1"/>
+            </a:effectRef>
+            <a:fontRef idx="minor">
+              <a:schemeClr val="lt1"/>
+            </a:fontRef>
+          </p:style>
+          <p:txBody>
+            <a:bodyPr rtlCol="0" anchor="ctr"/>
+            <a:lstStyle/>
+            <a:p>
+              <a:pPr algn="ctr"/>
+              <a:endParaRPr lang="en-GB"/>
+            </a:p>
+          </p:txBody>
+        </p:sp>
+      </p:grpSp>
+      <p:grpSp>
+        <p:nvGrpSpPr>
+          <p:cNvPr id="2332" name="Gruppe 2331">
+            <a:extLst>
+              <a:ext uri="{FF2B5EF4-FFF2-40B4-BE49-F238E27FC236}">
+                <a16:creationId xmlns:a16="http://schemas.microsoft.com/office/drawing/2014/main" id="{F7DD0DC9-4C90-4412-C6F1-A31AD7E26691}"/>
+              </a:ext>
+            </a:extLst>
+          </p:cNvPr>
+          <p:cNvGrpSpPr/>
+          <p:nvPr/>
+        </p:nvGrpSpPr>
+        <p:grpSpPr>
+          <a:xfrm>
+            <a:off x="5331516" y="7404245"/>
+            <a:ext cx="1995819" cy="1196439"/>
+            <a:chOff x="5352828" y="7084970"/>
+            <a:chExt cx="1995819" cy="1196439"/>
+          </a:xfrm>
+        </p:grpSpPr>
+        <p:cxnSp>
+          <p:nvCxnSpPr>
+            <p:cNvPr id="2317" name="Lige forbindelse 2316">
+              <a:extLst>
+                <a:ext uri="{FF2B5EF4-FFF2-40B4-BE49-F238E27FC236}">
+                  <a16:creationId xmlns:a16="http://schemas.microsoft.com/office/drawing/2014/main" id="{F25F178D-777E-F95E-38B4-9D7C443ACD58}"/>
+                </a:ext>
+              </a:extLst>
+            </p:cNvPr>
+            <p:cNvCxnSpPr>
+              <a:cxnSpLocks/>
+            </p:cNvCxnSpPr>
+            <p:nvPr/>
+          </p:nvCxnSpPr>
+          <p:spPr>
+            <a:xfrm flipH="1" flipV="1">
+              <a:off x="6323585" y="7317091"/>
+              <a:ext cx="214313" cy="271462"/>
+            </a:xfrm>
+            <a:prstGeom prst="line">
+              <a:avLst/>
+            </a:prstGeom>
+            <a:ln w="38100">
+              <a:solidFill>
+                <a:srgbClr val="832E0F"/>
+              </a:solidFill>
+            </a:ln>
+          </p:spPr>
+          <p:style>
+            <a:lnRef idx="2">
+              <a:schemeClr val="accent1"/>
+            </a:lnRef>
+            <a:fillRef idx="0">
+              <a:schemeClr val="accent1"/>
+            </a:fillRef>
+            <a:effectRef idx="1">
+              <a:schemeClr val="accent1"/>
+            </a:effectRef>
+            <a:fontRef idx="minor">
+              <a:schemeClr val="tx1"/>
+            </a:fontRef>
+          </p:style>
+        </p:cxnSp>
+        <p:cxnSp>
+          <p:nvCxnSpPr>
+            <p:cNvPr id="2316" name="Lige forbindelse 2315">
+              <a:extLst>
+                <a:ext uri="{FF2B5EF4-FFF2-40B4-BE49-F238E27FC236}">
+                  <a16:creationId xmlns:a16="http://schemas.microsoft.com/office/drawing/2014/main" id="{03FD5D35-2D8C-9B91-F07A-A9E26F7F353F}"/>
+                </a:ext>
+              </a:extLst>
+            </p:cNvPr>
+            <p:cNvCxnSpPr>
+              <a:cxnSpLocks/>
+            </p:cNvCxnSpPr>
+            <p:nvPr/>
+          </p:nvCxnSpPr>
+          <p:spPr>
+            <a:xfrm flipV="1">
+              <a:off x="6528136" y="7340615"/>
+              <a:ext cx="219075" cy="245268"/>
+            </a:xfrm>
+            <a:prstGeom prst="line">
+              <a:avLst/>
+            </a:prstGeom>
+            <a:ln w="38100">
+              <a:solidFill>
+                <a:srgbClr val="832E0F"/>
+              </a:solidFill>
+            </a:ln>
+          </p:spPr>
+          <p:style>
+            <a:lnRef idx="2">
+              <a:schemeClr val="accent1"/>
+            </a:lnRef>
+            <a:fillRef idx="0">
+              <a:schemeClr val="accent1"/>
+            </a:fillRef>
+            <a:effectRef idx="1">
+              <a:schemeClr val="accent1"/>
+            </a:effectRef>
+            <a:fontRef idx="minor">
+              <a:schemeClr val="tx1"/>
+            </a:fontRef>
+          </p:style>
+        </p:cxnSp>
+        <p:cxnSp>
+          <p:nvCxnSpPr>
+            <p:cNvPr id="2312" name="Lige forbindelse 2311">
+              <a:extLst>
+                <a:ext uri="{FF2B5EF4-FFF2-40B4-BE49-F238E27FC236}">
+                  <a16:creationId xmlns:a16="http://schemas.microsoft.com/office/drawing/2014/main" id="{3F25F6E3-B026-EC93-BD50-B36E99DF5751}"/>
+                </a:ext>
+              </a:extLst>
+            </p:cNvPr>
+            <p:cNvCxnSpPr>
+              <a:cxnSpLocks/>
+            </p:cNvCxnSpPr>
+            <p:nvPr/>
+          </p:nvCxnSpPr>
+          <p:spPr>
+            <a:xfrm flipV="1">
+              <a:off x="6135466" y="7328997"/>
+              <a:ext cx="219075" cy="245268"/>
+            </a:xfrm>
+            <a:prstGeom prst="line">
+              <a:avLst/>
+            </a:prstGeom>
+            <a:ln w="38100">
+              <a:solidFill>
+                <a:srgbClr val="832E0F"/>
+              </a:solidFill>
+            </a:ln>
+          </p:spPr>
+          <p:style>
+            <a:lnRef idx="2">
+              <a:schemeClr val="accent1"/>
+            </a:lnRef>
+            <a:fillRef idx="0">
+              <a:schemeClr val="accent1"/>
+            </a:fillRef>
+            <a:effectRef idx="1">
+              <a:schemeClr val="accent1"/>
+            </a:effectRef>
+            <a:fontRef idx="minor">
+              <a:schemeClr val="tx1"/>
+            </a:fontRef>
+          </p:style>
+        </p:cxnSp>
+        <p:cxnSp>
+          <p:nvCxnSpPr>
+            <p:cNvPr id="2309" name="Lige forbindelse 2308">
+              <a:extLst>
+                <a:ext uri="{FF2B5EF4-FFF2-40B4-BE49-F238E27FC236}">
+                  <a16:creationId xmlns:a16="http://schemas.microsoft.com/office/drawing/2014/main" id="{D5EACDB8-589D-08FB-FF23-C50123A3D6B4}"/>
+                </a:ext>
+              </a:extLst>
+            </p:cNvPr>
+            <p:cNvCxnSpPr>
+              <a:cxnSpLocks/>
+            </p:cNvCxnSpPr>
+            <p:nvPr/>
+          </p:nvCxnSpPr>
+          <p:spPr>
+            <a:xfrm flipH="1" flipV="1">
+              <a:off x="5930678" y="7340903"/>
+              <a:ext cx="214313" cy="271462"/>
+            </a:xfrm>
+            <a:prstGeom prst="line">
+              <a:avLst/>
+            </a:prstGeom>
+            <a:ln w="38100">
+              <a:solidFill>
+                <a:srgbClr val="832E0F"/>
+              </a:solidFill>
+            </a:ln>
+          </p:spPr>
+          <p:style>
+            <a:lnRef idx="2">
+              <a:schemeClr val="accent1"/>
+            </a:lnRef>
+            <a:fillRef idx="0">
+              <a:schemeClr val="accent1"/>
+            </a:fillRef>
+            <a:effectRef idx="1">
+              <a:schemeClr val="accent1"/>
+            </a:effectRef>
+            <a:fontRef idx="minor">
+              <a:schemeClr val="tx1"/>
+            </a:fontRef>
+          </p:style>
+        </p:cxnSp>
+        <p:pic>
+          <p:nvPicPr>
+            <p:cNvPr id="2291" name="Billede 2290" descr="Et billede, der indeholder pattedyr, mus, snyde, gnaver&#10;&#10;AI-genereret indhold kan være ukorrekt.">
+              <a:extLst>
+                <a:ext uri="{FF2B5EF4-FFF2-40B4-BE49-F238E27FC236}">
+                  <a16:creationId xmlns:a16="http://schemas.microsoft.com/office/drawing/2014/main" id="{7E959EE8-AFC8-8A5A-8612-5BF1F1CB7300}"/>
+                </a:ext>
+              </a:extLst>
+            </p:cNvPr>
+            <p:cNvPicPr>
+              <a:picLocks noChangeAspect="1"/>
+            </p:cNvPicPr>
+            <p:nvPr/>
+          </p:nvPicPr>
+          <p:blipFill>
+            <a:blip r:embed="rId12">
+              <a:duotone>
+                <a:prstClr val="black"/>
+                <a:schemeClr val="accent2">
+                  <a:tint val="45000"/>
+                  <a:satMod val="400000"/>
+                </a:schemeClr>
+              </a:duotone>
+              <a:extLst>
+                <a:ext uri="{28A0092B-C50C-407E-A947-70E740481C1C}">
+                  <a14:useLocalDpi xmlns:a14="http://schemas.microsoft.com/office/drawing/2010/main" val="0"/>
+                </a:ext>
+              </a:extLst>
+            </a:blip>
+            <a:srcRect l="2690" t="20829" r="7171" b="16866"/>
+            <a:stretch>
+              <a:fillRect/>
+            </a:stretch>
+          </p:blipFill>
+          <p:spPr>
+            <a:xfrm>
+              <a:off x="5760679" y="7237758"/>
+              <a:ext cx="314752" cy="217561"/>
+            </a:xfrm>
+            <a:prstGeom prst="rect">
+              <a:avLst/>
+            </a:prstGeom>
+          </p:spPr>
+        </p:pic>
+        <p:sp>
+          <p:nvSpPr>
+            <p:cNvPr id="2296" name="Tekstfelt 2295">
+              <a:extLst>
+                <a:ext uri="{FF2B5EF4-FFF2-40B4-BE49-F238E27FC236}">
+                  <a16:creationId xmlns:a16="http://schemas.microsoft.com/office/drawing/2014/main" id="{E2DD1973-6035-9510-712E-64C8FFDB8905}"/>
+                </a:ext>
+              </a:extLst>
+            </p:cNvPr>
+            <p:cNvSpPr txBox="1"/>
+            <p:nvPr/>
+          </p:nvSpPr>
+          <p:spPr>
+            <a:xfrm>
+              <a:off x="5415313" y="7842827"/>
+              <a:ext cx="1885278" cy="438582"/>
+            </a:xfrm>
+            <a:prstGeom prst="rect">
+              <a:avLst/>
+            </a:prstGeom>
+            <a:noFill/>
+          </p:spPr>
+          <p:txBody>
+            <a:bodyPr wrap="square" rtlCol="0">
+              <a:spAutoFit/>
+            </a:bodyPr>
+            <a:lstStyle/>
+            <a:p>
+              <a:pPr algn="ctr"/>
+              <a:r>
+                <a:rPr lang="en-GB" sz="1200" b="1" dirty="0">
+                  <a:solidFill>
+                    <a:schemeClr val="accent2">
+                      <a:lumMod val="50000"/>
+                    </a:schemeClr>
+                  </a:solidFill>
+                  <a:latin typeface="Amasis MT Pro Medium" panose="02040604050005020304" pitchFamily="18" charset="0"/>
+                </a:rPr>
+                <a:t>LONGEST PATH</a:t>
+              </a:r>
+            </a:p>
+            <a:p>
+              <a:pPr algn="ctr"/>
+              <a:r>
+                <a:rPr lang="en-GB" sz="1050" dirty="0">
+                  <a:solidFill>
+                    <a:schemeClr val="accent2">
+                      <a:lumMod val="50000"/>
+                    </a:schemeClr>
+                  </a:solidFill>
+                  <a:latin typeface="Amasis MT Pro Medium" panose="02040604050005020304" pitchFamily="18" charset="0"/>
+                </a:rPr>
+                <a:t>5 RATS</a:t>
+              </a:r>
+            </a:p>
+          </p:txBody>
+        </p:sp>
+        <p:pic>
+          <p:nvPicPr>
+            <p:cNvPr id="2297" name="Billede 2296" descr="Et billede, der indeholder pattedyr, mus, snyde, gnaver&#10;&#10;AI-genereret indhold kan være ukorrekt.">
+              <a:extLst>
+                <a:ext uri="{FF2B5EF4-FFF2-40B4-BE49-F238E27FC236}">
+                  <a16:creationId xmlns:a16="http://schemas.microsoft.com/office/drawing/2014/main" id="{A69B6696-416D-5485-91E6-BF6560618A54}"/>
+                </a:ext>
+              </a:extLst>
+            </p:cNvPr>
+            <p:cNvPicPr>
+              <a:picLocks noChangeAspect="1"/>
+            </p:cNvPicPr>
+            <p:nvPr/>
+          </p:nvPicPr>
+          <p:blipFill>
+            <a:blip r:embed="rId12">
+              <a:duotone>
+                <a:prstClr val="black"/>
+                <a:schemeClr val="accent2">
+                  <a:tint val="45000"/>
+                  <a:satMod val="400000"/>
+                </a:schemeClr>
+              </a:duotone>
+              <a:extLst>
+                <a:ext uri="{28A0092B-C50C-407E-A947-70E740481C1C}">
+                  <a14:useLocalDpi xmlns:a14="http://schemas.microsoft.com/office/drawing/2010/main" val="0"/>
+                </a:ext>
+              </a:extLst>
+            </a:blip>
+            <a:srcRect l="2690" t="20829" r="7171" b="16866"/>
+            <a:stretch>
+              <a:fillRect/>
+            </a:stretch>
+          </p:blipFill>
+          <p:spPr>
+            <a:xfrm>
+              <a:off x="6163978" y="7237757"/>
+              <a:ext cx="314755" cy="217562"/>
+            </a:xfrm>
+            <a:prstGeom prst="rect">
+              <a:avLst/>
+            </a:prstGeom>
+          </p:spPr>
+        </p:pic>
+        <p:pic>
+          <p:nvPicPr>
+            <p:cNvPr id="2299" name="Billede 2298" descr="Et billede, der indeholder pattedyr, mus, snyde, gnaver&#10;&#10;AI-genereret indhold kan være ukorrekt.">
+              <a:extLst>
+                <a:ext uri="{FF2B5EF4-FFF2-40B4-BE49-F238E27FC236}">
+                  <a16:creationId xmlns:a16="http://schemas.microsoft.com/office/drawing/2014/main" id="{4BCCA004-D29D-C8CD-65A2-69DBB318D5F5}"/>
+                </a:ext>
+              </a:extLst>
+            </p:cNvPr>
+            <p:cNvPicPr>
+              <a:picLocks noChangeAspect="1"/>
+            </p:cNvPicPr>
+            <p:nvPr/>
+          </p:nvPicPr>
+          <p:blipFill>
+            <a:blip r:embed="rId12">
+              <a:duotone>
+                <a:prstClr val="black"/>
+                <a:schemeClr val="accent2">
+                  <a:tint val="45000"/>
+                  <a:satMod val="400000"/>
+                </a:schemeClr>
+              </a:duotone>
+              <a:extLst>
+                <a:ext uri="{28A0092B-C50C-407E-A947-70E740481C1C}">
+                  <a14:useLocalDpi xmlns:a14="http://schemas.microsoft.com/office/drawing/2010/main" val="0"/>
+                </a:ext>
+              </a:extLst>
+            </a:blip>
+            <a:srcRect l="2690" t="20829" r="7171" b="16866"/>
+            <a:stretch>
+              <a:fillRect/>
+            </a:stretch>
+          </p:blipFill>
+          <p:spPr>
+            <a:xfrm>
+              <a:off x="6567280" y="7237757"/>
+              <a:ext cx="314755" cy="217562"/>
+            </a:xfrm>
+            <a:prstGeom prst="rect">
+              <a:avLst/>
+            </a:prstGeom>
+          </p:spPr>
+        </p:pic>
+        <p:pic>
+          <p:nvPicPr>
+            <p:cNvPr id="2302" name="Billede 2301" descr="Et billede, der indeholder pattedyr, mus, snyde, gnaver&#10;&#10;AI-genereret indhold kan være ukorrekt.">
+              <a:extLst>
+                <a:ext uri="{FF2B5EF4-FFF2-40B4-BE49-F238E27FC236}">
+                  <a16:creationId xmlns:a16="http://schemas.microsoft.com/office/drawing/2014/main" id="{7C76B317-4525-D146-7BFF-09166064EA2E}"/>
+                </a:ext>
+              </a:extLst>
+            </p:cNvPr>
+            <p:cNvPicPr>
+              <a:picLocks noChangeAspect="1"/>
+            </p:cNvPicPr>
+            <p:nvPr/>
+          </p:nvPicPr>
+          <p:blipFill>
+            <a:blip r:embed="rId12">
+              <a:duotone>
+                <a:prstClr val="black"/>
+                <a:schemeClr val="accent2">
+                  <a:tint val="45000"/>
+                  <a:satMod val="400000"/>
+                </a:schemeClr>
+              </a:duotone>
+              <a:extLst>
+                <a:ext uri="{28A0092B-C50C-407E-A947-70E740481C1C}">
+                  <a14:useLocalDpi xmlns:a14="http://schemas.microsoft.com/office/drawing/2010/main" val="0"/>
+                </a:ext>
+              </a:extLst>
+            </a:blip>
+            <a:srcRect l="2690" t="20829" r="7171" b="16866"/>
+            <a:stretch>
+              <a:fillRect/>
+            </a:stretch>
+          </p:blipFill>
+          <p:spPr>
+            <a:xfrm>
+              <a:off x="5954102" y="7471178"/>
+              <a:ext cx="314755" cy="217562"/>
+            </a:xfrm>
+            <a:prstGeom prst="rect">
+              <a:avLst/>
+            </a:prstGeom>
+          </p:spPr>
+        </p:pic>
+        <p:pic>
+          <p:nvPicPr>
+            <p:cNvPr id="2303" name="Billede 2302" descr="Et billede, der indeholder pattedyr, mus, snyde, gnaver&#10;&#10;AI-genereret indhold kan være ukorrekt.">
+              <a:extLst>
+                <a:ext uri="{FF2B5EF4-FFF2-40B4-BE49-F238E27FC236}">
+                  <a16:creationId xmlns:a16="http://schemas.microsoft.com/office/drawing/2014/main" id="{0768A268-0883-C521-F07E-BB18FE0F5EC5}"/>
+                </a:ext>
+              </a:extLst>
+            </p:cNvPr>
+            <p:cNvPicPr>
+              <a:picLocks noChangeAspect="1"/>
+            </p:cNvPicPr>
+            <p:nvPr/>
+          </p:nvPicPr>
+          <p:blipFill>
+            <a:blip r:embed="rId12">
+              <a:duotone>
+                <a:prstClr val="black"/>
+                <a:schemeClr val="accent2">
+                  <a:tint val="45000"/>
+                  <a:satMod val="400000"/>
+                </a:schemeClr>
+              </a:duotone>
+              <a:extLst>
+                <a:ext uri="{28A0092B-C50C-407E-A947-70E740481C1C}">
+                  <a14:useLocalDpi xmlns:a14="http://schemas.microsoft.com/office/drawing/2010/main" val="0"/>
+                </a:ext>
+              </a:extLst>
+            </a:blip>
+            <a:srcRect l="2690" t="20829" r="7171" b="16866"/>
+            <a:stretch>
+              <a:fillRect/>
+            </a:stretch>
+          </p:blipFill>
+          <p:spPr>
+            <a:xfrm>
+              <a:off x="6357404" y="7471178"/>
+              <a:ext cx="314755" cy="217562"/>
+            </a:xfrm>
+            <a:prstGeom prst="rect">
+              <a:avLst/>
+            </a:prstGeom>
+          </p:spPr>
+        </p:pic>
+        <p:sp>
+          <p:nvSpPr>
+            <p:cNvPr id="2318" name="Tekstfelt 2317">
+              <a:extLst>
+                <a:ext uri="{FF2B5EF4-FFF2-40B4-BE49-F238E27FC236}">
+                  <a16:creationId xmlns:a16="http://schemas.microsoft.com/office/drawing/2014/main" id="{9F13566C-8A24-9F7F-8F72-5C62792457F0}"/>
+                </a:ext>
+              </a:extLst>
+            </p:cNvPr>
+            <p:cNvSpPr txBox="1"/>
+            <p:nvPr/>
+          </p:nvSpPr>
+          <p:spPr>
+            <a:xfrm>
+              <a:off x="5352828" y="7084970"/>
+              <a:ext cx="665484" cy="184666"/>
+            </a:xfrm>
+            <a:prstGeom prst="rect">
+              <a:avLst/>
+            </a:prstGeom>
+            <a:noFill/>
+          </p:spPr>
+          <p:txBody>
+            <a:bodyPr wrap="square" rtlCol="0">
+              <a:spAutoFit/>
+            </a:bodyPr>
+            <a:lstStyle/>
+            <a:p>
+              <a:pPr algn="ctr"/>
+              <a:r>
+                <a:rPr lang="en-GB" sz="600" dirty="0">
+                  <a:solidFill>
+                    <a:schemeClr val="accent2">
+                      <a:lumMod val="50000"/>
+                    </a:schemeClr>
+                  </a:solidFill>
+                  <a:latin typeface="Amasis MT Pro Medium" panose="02040604050005020304" pitchFamily="18" charset="0"/>
+                </a:rPr>
+                <a:t>NIKOLAJ B.</a:t>
+              </a:r>
+            </a:p>
+          </p:txBody>
+        </p:sp>
+        <p:sp>
+          <p:nvSpPr>
+            <p:cNvPr id="2319" name="Tekstfelt 2318">
+              <a:extLst>
+                <a:ext uri="{FF2B5EF4-FFF2-40B4-BE49-F238E27FC236}">
+                  <a16:creationId xmlns:a16="http://schemas.microsoft.com/office/drawing/2014/main" id="{001BD2C8-D1F3-8E42-A6D0-B11E12F8E450}"/>
+                </a:ext>
+              </a:extLst>
+            </p:cNvPr>
+            <p:cNvSpPr txBox="1"/>
+            <p:nvPr/>
+          </p:nvSpPr>
+          <p:spPr>
+            <a:xfrm>
+              <a:off x="5570465" y="7647637"/>
+              <a:ext cx="780829" cy="184666"/>
+            </a:xfrm>
+            <a:prstGeom prst="rect">
+              <a:avLst/>
+            </a:prstGeom>
+            <a:noFill/>
+          </p:spPr>
+          <p:txBody>
+            <a:bodyPr wrap="square" rtlCol="0">
+              <a:spAutoFit/>
+            </a:bodyPr>
+            <a:lstStyle/>
+            <a:p>
+              <a:pPr algn="ctr"/>
+              <a:r>
+                <a:rPr lang="en-GB" sz="600" dirty="0">
+                  <a:solidFill>
+                    <a:schemeClr val="accent2">
+                      <a:lumMod val="50000"/>
+                    </a:schemeClr>
+                  </a:solidFill>
+                  <a:latin typeface="Amasis MT Pro Medium" panose="02040604050005020304" pitchFamily="18" charset="0"/>
+                </a:rPr>
+                <a:t>ANNE SOFIE R.</a:t>
+              </a:r>
+            </a:p>
+          </p:txBody>
+        </p:sp>
+        <p:sp>
+          <p:nvSpPr>
+            <p:cNvPr id="2320" name="Tekstfelt 2319">
+              <a:extLst>
+                <a:ext uri="{FF2B5EF4-FFF2-40B4-BE49-F238E27FC236}">
+                  <a16:creationId xmlns:a16="http://schemas.microsoft.com/office/drawing/2014/main" id="{BF0C3B86-732F-1915-8FB1-91AFFB0522DF}"/>
+                </a:ext>
+              </a:extLst>
+            </p:cNvPr>
+            <p:cNvSpPr txBox="1"/>
+            <p:nvPr/>
+          </p:nvSpPr>
+          <p:spPr>
+            <a:xfrm>
+              <a:off x="5872205" y="7084970"/>
+              <a:ext cx="841719" cy="184666"/>
+            </a:xfrm>
+            <a:prstGeom prst="rect">
+              <a:avLst/>
+            </a:prstGeom>
+            <a:noFill/>
+          </p:spPr>
+          <p:txBody>
+            <a:bodyPr wrap="square" rtlCol="0">
+              <a:spAutoFit/>
+            </a:bodyPr>
+            <a:lstStyle/>
+            <a:p>
+              <a:pPr algn="ctr"/>
+              <a:r>
+                <a:rPr lang="en-GB" sz="600" dirty="0">
+                  <a:solidFill>
+                    <a:schemeClr val="accent2">
+                      <a:lumMod val="50000"/>
+                    </a:schemeClr>
+                  </a:solidFill>
+                  <a:latin typeface="Amasis MT Pro Medium" panose="02040604050005020304" pitchFamily="18" charset="0"/>
+                </a:rPr>
+                <a:t>CHRISTOFFER H.</a:t>
+              </a:r>
+            </a:p>
+          </p:txBody>
+        </p:sp>
+        <p:sp>
+          <p:nvSpPr>
+            <p:cNvPr id="2321" name="Tekstfelt 2320">
+              <a:extLst>
+                <a:ext uri="{FF2B5EF4-FFF2-40B4-BE49-F238E27FC236}">
+                  <a16:creationId xmlns:a16="http://schemas.microsoft.com/office/drawing/2014/main" id="{2B41F582-4EDE-F03C-57C3-7701AAC78C1A}"/>
+                </a:ext>
+              </a:extLst>
+            </p:cNvPr>
+            <p:cNvSpPr txBox="1"/>
+            <p:nvPr/>
+          </p:nvSpPr>
+          <p:spPr>
+            <a:xfrm>
+              <a:off x="6294632" y="7647637"/>
+              <a:ext cx="780829" cy="184666"/>
+            </a:xfrm>
+            <a:prstGeom prst="rect">
+              <a:avLst/>
+            </a:prstGeom>
+            <a:noFill/>
+          </p:spPr>
+          <p:txBody>
+            <a:bodyPr wrap="square" rtlCol="0">
+              <a:spAutoFit/>
+            </a:bodyPr>
+            <a:lstStyle/>
+            <a:p>
+              <a:pPr algn="ctr"/>
+              <a:r>
+                <a:rPr lang="en-GB" sz="600" dirty="0">
+                  <a:solidFill>
+                    <a:schemeClr val="accent2">
+                      <a:lumMod val="50000"/>
+                    </a:schemeClr>
+                  </a:solidFill>
+                  <a:latin typeface="Amasis MT Pro Medium" panose="02040604050005020304" pitchFamily="18" charset="0"/>
+                </a:rPr>
+                <a:t>RIKKE L.</a:t>
+              </a:r>
+            </a:p>
+          </p:txBody>
+        </p:sp>
+        <p:sp>
+          <p:nvSpPr>
+            <p:cNvPr id="2322" name="Tekstfelt 2321">
+              <a:extLst>
+                <a:ext uri="{FF2B5EF4-FFF2-40B4-BE49-F238E27FC236}">
+                  <a16:creationId xmlns:a16="http://schemas.microsoft.com/office/drawing/2014/main" id="{92F86DE9-1A41-452B-3D09-F4725F309DE0}"/>
+                </a:ext>
+              </a:extLst>
+            </p:cNvPr>
+            <p:cNvSpPr txBox="1"/>
+            <p:nvPr/>
+          </p:nvSpPr>
+          <p:spPr>
+            <a:xfrm>
+              <a:off x="6567818" y="7084970"/>
+              <a:ext cx="780829" cy="184666"/>
+            </a:xfrm>
+            <a:prstGeom prst="rect">
+              <a:avLst/>
+            </a:prstGeom>
+            <a:noFill/>
+          </p:spPr>
+          <p:txBody>
+            <a:bodyPr wrap="square" rtlCol="0">
+              <a:spAutoFit/>
+            </a:bodyPr>
+            <a:lstStyle/>
+            <a:p>
+              <a:pPr algn="ctr"/>
+              <a:r>
+                <a:rPr lang="en-GB" sz="600" dirty="0">
+                  <a:solidFill>
+                    <a:schemeClr val="accent2">
+                      <a:lumMod val="50000"/>
+                    </a:schemeClr>
+                  </a:solidFill>
+                  <a:latin typeface="Amasis MT Pro Medium" panose="02040604050005020304" pitchFamily="18" charset="0"/>
+                </a:rPr>
+                <a:t>JAKOB J.</a:t>
+              </a:r>
+            </a:p>
+          </p:txBody>
+        </p:sp>
+      </p:grpSp>
+      <p:grpSp>
+        <p:nvGrpSpPr>
+          <p:cNvPr id="2331" name="Gruppe 2330">
+            <a:extLst>
+              <a:ext uri="{FF2B5EF4-FFF2-40B4-BE49-F238E27FC236}">
+                <a16:creationId xmlns:a16="http://schemas.microsoft.com/office/drawing/2014/main" id="{49FB8F1A-0E3E-B4BB-D008-2412B1C30C46}"/>
+              </a:ext>
+            </a:extLst>
+          </p:cNvPr>
+          <p:cNvGrpSpPr/>
+          <p:nvPr/>
+        </p:nvGrpSpPr>
+        <p:grpSpPr>
+          <a:xfrm>
+            <a:off x="5658815" y="9159601"/>
+            <a:ext cx="1338556" cy="698053"/>
+            <a:chOff x="5676087" y="8582222"/>
+            <a:chExt cx="1338556" cy="698053"/>
+          </a:xfrm>
+        </p:grpSpPr>
+        <p:grpSp>
+          <p:nvGrpSpPr>
+            <p:cNvPr id="2330" name="Gruppe 2329">
+              <a:extLst>
+                <a:ext uri="{FF2B5EF4-FFF2-40B4-BE49-F238E27FC236}">
+                  <a16:creationId xmlns:a16="http://schemas.microsoft.com/office/drawing/2014/main" id="{24E7C24E-BFCA-16E5-97E8-326457954961}"/>
+                </a:ext>
+              </a:extLst>
+            </p:cNvPr>
+            <p:cNvGrpSpPr/>
+            <p:nvPr/>
+          </p:nvGrpSpPr>
+          <p:grpSpPr>
+            <a:xfrm>
+              <a:off x="5791601" y="8582222"/>
+              <a:ext cx="1079700" cy="220658"/>
+              <a:chOff x="5791601" y="8582222"/>
+              <a:chExt cx="1079700" cy="220658"/>
+            </a:xfrm>
+          </p:grpSpPr>
+          <p:cxnSp>
+            <p:nvCxnSpPr>
+              <p:cNvPr id="2326" name="Lige forbindelse 2325">
+                <a:extLst>
+                  <a:ext uri="{FF2B5EF4-FFF2-40B4-BE49-F238E27FC236}">
+                    <a16:creationId xmlns:a16="http://schemas.microsoft.com/office/drawing/2014/main" id="{B9BE2EFC-1E1B-430D-6523-0B5ECAA7B714}"/>
+                  </a:ext>
+                </a:extLst>
+              </p:cNvPr>
+              <p:cNvCxnSpPr>
+                <a:cxnSpLocks/>
+              </p:cNvCxnSpPr>
+              <p:nvPr/>
+            </p:nvCxnSpPr>
+            <p:spPr>
+              <a:xfrm>
+                <a:off x="5968654" y="8707951"/>
+                <a:ext cx="676886" cy="0"/>
+              </a:xfrm>
+              <a:prstGeom prst="line">
+                <a:avLst/>
+              </a:prstGeom>
+              <a:ln w="38100">
+                <a:solidFill>
+                  <a:srgbClr val="832E0F"/>
+                </a:solidFill>
+              </a:ln>
+            </p:spPr>
+            <p:style>
+              <a:lnRef idx="2">
+                <a:schemeClr val="accent1"/>
+              </a:lnRef>
+              <a:fillRef idx="0">
+                <a:schemeClr val="accent1"/>
+              </a:fillRef>
+              <a:effectRef idx="1">
+                <a:schemeClr val="accent1"/>
+              </a:effectRef>
+              <a:fontRef idx="minor">
+                <a:schemeClr val="tx1"/>
+              </a:fontRef>
+            </p:style>
+          </p:cxnSp>
+          <p:pic>
+            <p:nvPicPr>
+              <p:cNvPr id="2323" name="Billede 2322" descr="Et billede, der indeholder pattedyr, mus, snyde, gnaver&#10;&#10;AI-genereret indhold kan være ukorrekt.">
+                <a:extLst>
+                  <a:ext uri="{FF2B5EF4-FFF2-40B4-BE49-F238E27FC236}">
+                    <a16:creationId xmlns:a16="http://schemas.microsoft.com/office/drawing/2014/main" id="{E76EE35A-D219-63A7-FD24-EC4308FA6E07}"/>
+                  </a:ext>
+                </a:extLst>
+              </p:cNvPr>
+              <p:cNvPicPr>
+                <a:picLocks noChangeAspect="1"/>
+              </p:cNvPicPr>
+              <p:nvPr/>
+            </p:nvPicPr>
+            <p:blipFill>
+              <a:blip r:embed="rId12">
+                <a:duotone>
+                  <a:prstClr val="black"/>
+                  <a:schemeClr val="accent2">
+                    <a:tint val="45000"/>
+                    <a:satMod val="400000"/>
+                  </a:schemeClr>
+                </a:duotone>
+                <a:extLst>
+                  <a:ext uri="{28A0092B-C50C-407E-A947-70E740481C1C}">
+                    <a14:useLocalDpi xmlns:a14="http://schemas.microsoft.com/office/drawing/2010/main" val="0"/>
+                  </a:ext>
+                </a:extLst>
+              </a:blip>
+              <a:srcRect l="2690" t="20829" r="7171" b="16866"/>
+              <a:stretch>
+                <a:fillRect/>
+              </a:stretch>
+            </p:blipFill>
+            <p:spPr>
+              <a:xfrm>
+                <a:off x="5791601" y="8585318"/>
+                <a:ext cx="314752" cy="217561"/>
+              </a:xfrm>
+              <a:prstGeom prst="rect">
+                <a:avLst/>
+              </a:prstGeom>
+            </p:spPr>
+          </p:pic>
+          <p:pic>
+            <p:nvPicPr>
+              <p:cNvPr id="2325" name="Billede 2324" descr="Et billede, der indeholder pattedyr, mus, snyde, gnaver&#10;&#10;AI-genereret indhold kan være ukorrekt.">
+                <a:extLst>
+                  <a:ext uri="{FF2B5EF4-FFF2-40B4-BE49-F238E27FC236}">
+                    <a16:creationId xmlns:a16="http://schemas.microsoft.com/office/drawing/2014/main" id="{D564E6E2-FB00-D33D-FC6A-FE896F8F22E5}"/>
+                  </a:ext>
+                </a:extLst>
+              </p:cNvPr>
+              <p:cNvPicPr>
+                <a:picLocks noChangeAspect="1"/>
+              </p:cNvPicPr>
+              <p:nvPr/>
+            </p:nvPicPr>
+            <p:blipFill>
+              <a:blip r:embed="rId12">
+                <a:duotone>
+                  <a:prstClr val="black"/>
+                  <a:schemeClr val="accent2">
+                    <a:tint val="45000"/>
+                    <a:satMod val="400000"/>
+                  </a:schemeClr>
+                </a:duotone>
+                <a:extLst>
+                  <a:ext uri="{28A0092B-C50C-407E-A947-70E740481C1C}">
+                    <a14:useLocalDpi xmlns:a14="http://schemas.microsoft.com/office/drawing/2010/main" val="0"/>
+                  </a:ext>
+                </a:extLst>
+              </a:blip>
+              <a:srcRect l="2690" t="20829" r="7171" b="16866"/>
+              <a:stretch>
+                <a:fillRect/>
+              </a:stretch>
+            </p:blipFill>
+            <p:spPr>
+              <a:xfrm>
+                <a:off x="6174072" y="8585318"/>
+                <a:ext cx="314755" cy="217562"/>
+              </a:xfrm>
+              <a:prstGeom prst="rect">
+                <a:avLst/>
+              </a:prstGeom>
+            </p:spPr>
+          </p:pic>
+          <p:pic>
+            <p:nvPicPr>
+              <p:cNvPr id="2324" name="Billede 2323" descr="Et billede, der indeholder pattedyr, mus, snyde, gnaver&#10;&#10;AI-genereret indhold kan være ukorrekt.">
+                <a:extLst>
+                  <a:ext uri="{FF2B5EF4-FFF2-40B4-BE49-F238E27FC236}">
+                    <a16:creationId xmlns:a16="http://schemas.microsoft.com/office/drawing/2014/main" id="{6049DEE6-5C47-1966-72CB-C96333273548}"/>
+                  </a:ext>
+                </a:extLst>
+              </p:cNvPr>
+              <p:cNvPicPr>
+                <a:picLocks noChangeAspect="1"/>
+              </p:cNvPicPr>
+              <p:nvPr/>
+            </p:nvPicPr>
+            <p:blipFill>
+              <a:blip r:embed="rId12">
+                <a:duotone>
+                  <a:prstClr val="black"/>
+                  <a:schemeClr val="accent2">
+                    <a:tint val="45000"/>
+                    <a:satMod val="400000"/>
+                  </a:schemeClr>
+                </a:duotone>
+                <a:alphaModFix amt="35000"/>
+                <a:extLst>
+                  <a:ext uri="{28A0092B-C50C-407E-A947-70E740481C1C}">
+                    <a14:useLocalDpi xmlns:a14="http://schemas.microsoft.com/office/drawing/2010/main" val="0"/>
+                  </a:ext>
+                </a:extLst>
+              </a:blip>
+              <a:srcRect l="2690" t="20829" r="7171" b="16866"/>
+              <a:stretch>
+                <a:fillRect/>
+              </a:stretch>
+            </p:blipFill>
+            <p:spPr>
+              <a:xfrm>
+                <a:off x="6556546" y="8582222"/>
+                <a:ext cx="314755" cy="217562"/>
+              </a:xfrm>
+              <a:prstGeom prst="rect">
+                <a:avLst/>
+              </a:prstGeom>
+            </p:spPr>
+          </p:pic>
+        </p:grpSp>
+        <p:sp>
+          <p:nvSpPr>
+            <p:cNvPr id="2329" name="Tekstfelt 2328">
+              <a:extLst>
+                <a:ext uri="{FF2B5EF4-FFF2-40B4-BE49-F238E27FC236}">
+                  <a16:creationId xmlns:a16="http://schemas.microsoft.com/office/drawing/2014/main" id="{24528761-D344-B440-87B7-5BAB3B4666C7}"/>
+                </a:ext>
+              </a:extLst>
+            </p:cNvPr>
+            <p:cNvSpPr txBox="1"/>
+            <p:nvPr/>
+          </p:nvSpPr>
+          <p:spPr>
+            <a:xfrm>
+              <a:off x="5676087" y="8841693"/>
+              <a:ext cx="1338556" cy="438582"/>
+            </a:xfrm>
+            <a:prstGeom prst="rect">
+              <a:avLst/>
+            </a:prstGeom>
+            <a:noFill/>
+          </p:spPr>
+          <p:txBody>
+            <a:bodyPr wrap="square" rtlCol="0">
+              <a:spAutoFit/>
+            </a:bodyPr>
+            <a:lstStyle/>
+            <a:p>
+              <a:pPr algn="ctr"/>
+              <a:r>
+                <a:rPr lang="en-GB" sz="1200" b="1" dirty="0">
+                  <a:solidFill>
+                    <a:schemeClr val="accent2">
+                      <a:lumMod val="50000"/>
+                    </a:schemeClr>
+                  </a:solidFill>
+                  <a:latin typeface="Amasis MT Pro Medium" panose="02040604050005020304" pitchFamily="18" charset="0"/>
+                </a:rPr>
+                <a:t>AVERAGE PATH</a:t>
+              </a:r>
+            </a:p>
+            <a:p>
+              <a:pPr algn="ctr"/>
+              <a:r>
+                <a:rPr lang="en-GB" sz="1050" dirty="0">
+                  <a:solidFill>
+                    <a:schemeClr val="accent2">
+                      <a:lumMod val="50000"/>
+                    </a:schemeClr>
+                  </a:solidFill>
+                  <a:latin typeface="Amasis MT Pro Medium" panose="02040604050005020304" pitchFamily="18" charset="0"/>
+                </a:rPr>
+                <a:t>1.9 RATS</a:t>
+              </a:r>
+            </a:p>
+          </p:txBody>
+        </p:sp>
+      </p:grpSp>
+      <p:sp>
+        <p:nvSpPr>
+          <p:cNvPr id="2346" name="Tekstfelt 2345">
+            <a:extLst>
+              <a:ext uri="{FF2B5EF4-FFF2-40B4-BE49-F238E27FC236}">
+                <a16:creationId xmlns:a16="http://schemas.microsoft.com/office/drawing/2014/main" id="{455397D5-7255-3F63-F185-D6101032B365}"/>
+              </a:ext>
+            </a:extLst>
+          </p:cNvPr>
+          <p:cNvSpPr txBox="1"/>
+          <p:nvPr/>
+        </p:nvSpPr>
+        <p:spPr>
+          <a:xfrm>
+            <a:off x="242828" y="7096020"/>
+            <a:ext cx="1338556" cy="438582"/>
+          </a:xfrm>
+          <a:prstGeom prst="rect">
+            <a:avLst/>
+          </a:prstGeom>
+          <a:noFill/>
+        </p:spPr>
+        <p:txBody>
+          <a:bodyPr wrap="square" rtlCol="0">
+            <a:spAutoFit/>
+          </a:bodyPr>
+          <a:lstStyle/>
+          <a:p>
+            <a:r>
+              <a:rPr lang="en-GB" sz="1200" b="1" dirty="0">
+                <a:solidFill>
+                  <a:schemeClr val="accent2">
+                    <a:lumMod val="50000"/>
+                  </a:schemeClr>
+                </a:solidFill>
+                <a:latin typeface="Amasis MT Pro Medium" panose="02040604050005020304" pitchFamily="18" charset="0"/>
+              </a:rPr>
+              <a:t>TOTAL RATS</a:t>
+            </a:r>
+          </a:p>
+          <a:p>
+            <a:r>
+              <a:rPr lang="en-GB" sz="1050" dirty="0">
+                <a:solidFill>
+                  <a:schemeClr val="accent2">
+                    <a:lumMod val="50000"/>
+                  </a:schemeClr>
+                </a:solidFill>
+                <a:latin typeface="Amasis MT Pro Medium" panose="02040604050005020304" pitchFamily="18" charset="0"/>
+              </a:rPr>
+              <a:t>44 RATS</a:t>
+            </a:r>
+          </a:p>
+        </p:txBody>
+      </p:sp>
+      <p:sp>
+        <p:nvSpPr>
+          <p:cNvPr id="2354" name="Tekstfelt 2353">
+            <a:extLst>
+              <a:ext uri="{FF2B5EF4-FFF2-40B4-BE49-F238E27FC236}">
+                <a16:creationId xmlns:a16="http://schemas.microsoft.com/office/drawing/2014/main" id="{CB98D7C0-F383-9182-B13D-EC4408067BD9}"/>
+              </a:ext>
+            </a:extLst>
+          </p:cNvPr>
+          <p:cNvSpPr txBox="1"/>
+          <p:nvPr/>
+        </p:nvSpPr>
+        <p:spPr>
+          <a:xfrm>
+            <a:off x="1720384" y="9867672"/>
+            <a:ext cx="2210732" cy="438582"/>
+          </a:xfrm>
+          <a:prstGeom prst="rect">
+            <a:avLst/>
+          </a:prstGeom>
+          <a:noFill/>
+        </p:spPr>
+        <p:txBody>
+          <a:bodyPr wrap="square" rtlCol="0">
+            <a:spAutoFit/>
+          </a:bodyPr>
+          <a:lstStyle/>
+          <a:p>
+            <a:pPr algn="ctr"/>
+            <a:r>
+              <a:rPr lang="en-GB" sz="1200" b="1" dirty="0">
+                <a:solidFill>
+                  <a:schemeClr val="accent2">
+                    <a:lumMod val="50000"/>
+                  </a:schemeClr>
+                </a:solidFill>
+                <a:latin typeface="Amasis MT Pro Medium" panose="02040604050005020304" pitchFamily="18" charset="0"/>
+              </a:rPr>
+              <a:t>TOTAL CONNECTIONS</a:t>
+            </a:r>
+          </a:p>
+          <a:p>
+            <a:pPr algn="ctr"/>
+            <a:r>
+              <a:rPr lang="en-GB" sz="1050" dirty="0">
+                <a:solidFill>
+                  <a:schemeClr val="accent2">
+                    <a:lumMod val="50000"/>
+                  </a:schemeClr>
+                </a:solidFill>
+                <a:latin typeface="Amasis MT Pro Medium" panose="02040604050005020304" pitchFamily="18" charset="0"/>
+              </a:rPr>
+              <a:t>325 CONNECTIONS</a:t>
+            </a:r>
           </a:p>
         </p:txBody>
       </p:sp>
@@ -5879,4 +13536,319 @@
     </a:ext>
   </a:extLst>
 </a:theme>
+</file>
+
+<file path=ppt/theme/theme2.xml><?xml version="1.0" encoding="utf-8"?>
+<a:theme xmlns:a="http://schemas.openxmlformats.org/drawingml/2006/main" name="Office-tema">
+  <a:themeElements>
+    <a:clrScheme name="Office">
+      <a:dk1>
+        <a:sysClr val="windowText" lastClr="000000"/>
+      </a:dk1>
+      <a:lt1>
+        <a:sysClr val="window" lastClr="FFFFFF"/>
+      </a:lt1>
+      <a:dk2>
+        <a:srgbClr val="0E2841"/>
+      </a:dk2>
+      <a:lt2>
+        <a:srgbClr val="E8E8E8"/>
+      </a:lt2>
+      <a:accent1>
+        <a:srgbClr val="156082"/>
+      </a:accent1>
+      <a:accent2>
+        <a:srgbClr val="E97132"/>
+      </a:accent2>
+      <a:accent3>
+        <a:srgbClr val="196B24"/>
+      </a:accent3>
+      <a:accent4>
+        <a:srgbClr val="0F9ED5"/>
+      </a:accent4>
+      <a:accent5>
+        <a:srgbClr val="A02B93"/>
+      </a:accent5>
+      <a:accent6>
+        <a:srgbClr val="4EA72E"/>
+      </a:accent6>
+      <a:hlink>
+        <a:srgbClr val="467886"/>
+      </a:hlink>
+      <a:folHlink>
+        <a:srgbClr val="96607D"/>
+      </a:folHlink>
+    </a:clrScheme>
+    <a:fontScheme name="Office">
+      <a:majorFont>
+        <a:latin typeface="Aptos Display" panose="02110004020202020204"/>
+        <a:ea typeface=""/>
+        <a:cs typeface=""/>
+        <a:font script="Jpan" typeface="游ゴシック Light"/>
+        <a:font script="Hang" typeface="맑은 고딕"/>
+        <a:font script="Hans" typeface="等线 Light"/>
+        <a:font script="Hant" typeface="新細明體"/>
+        <a:font script="Arab" typeface="Times New Roman"/>
+        <a:font script="Hebr" typeface="Times New Roman"/>
+        <a:font script="Thai" typeface="Angsana New"/>
+        <a:font script="Ethi" typeface="Nyala"/>
+        <a:font script="Beng" typeface="Vrinda"/>
+        <a:font script="Gujr" typeface="Shruti"/>
+        <a:font script="Khmr" typeface="MoolBoran"/>
+        <a:font script="Knda" typeface="Tunga"/>
+        <a:font script="Guru" typeface="Raavi"/>
+        <a:font script="Cans" typeface="Euphemia"/>
+        <a:font script="Cher" typeface="Plantagenet Cherokee"/>
+        <a:font script="Yiii" typeface="Microsoft Yi Baiti"/>
+        <a:font script="Tibt" typeface="Microsoft Himalaya"/>
+        <a:font script="Thaa" typeface="MV Boli"/>
+        <a:font script="Deva" typeface="Mangal"/>
+        <a:font script="Telu" typeface="Gautami"/>
+        <a:font script="Taml" typeface="Latha"/>
+        <a:font script="Syrc" typeface="Estrangelo Edessa"/>
+        <a:font script="Orya" typeface="Kalinga"/>
+        <a:font script="Mlym" typeface="Kartika"/>
+        <a:font script="Laoo" typeface="DokChampa"/>
+        <a:font script="Sinh" typeface="Iskoola Pota"/>
+        <a:font script="Mong" typeface="Mongolian Baiti"/>
+        <a:font script="Viet" typeface="Times New Roman"/>
+        <a:font script="Uigh" typeface="Microsoft Uighur"/>
+        <a:font script="Geor" typeface="Sylfaen"/>
+        <a:font script="Armn" typeface="Arial"/>
+        <a:font script="Bugi" typeface="Leelawadee UI"/>
+        <a:font script="Bopo" typeface="Microsoft JhengHei"/>
+        <a:font script="Java" typeface="Javanese Text"/>
+        <a:font script="Lisu" typeface="Segoe UI"/>
+        <a:font script="Mymr" typeface="Myanmar Text"/>
+        <a:font script="Nkoo" typeface="Ebrima"/>
+        <a:font script="Olck" typeface="Nirmala UI"/>
+        <a:font script="Osma" typeface="Ebrima"/>
+        <a:font script="Phag" typeface="Phagspa"/>
+        <a:font script="Syrn" typeface="Estrangelo Edessa"/>
+        <a:font script="Syrj" typeface="Estrangelo Edessa"/>
+        <a:font script="Syre" typeface="Estrangelo Edessa"/>
+        <a:font script="Sora" typeface="Nirmala UI"/>
+        <a:font script="Tale" typeface="Microsoft Tai Le"/>
+        <a:font script="Talu" typeface="Microsoft New Tai Lue"/>
+        <a:font script="Tfng" typeface="Ebrima"/>
+      </a:majorFont>
+      <a:minorFont>
+        <a:latin typeface="Aptos" panose="02110004020202020204"/>
+        <a:ea typeface=""/>
+        <a:cs typeface=""/>
+        <a:font script="Jpan" typeface="游ゴシック"/>
+        <a:font script="Hang" typeface="맑은 고딕"/>
+        <a:font script="Hans" typeface="等线"/>
+        <a:font script="Hant" typeface="新細明體"/>
+        <a:font script="Arab" typeface="Arial"/>
+        <a:font script="Hebr" typeface="Arial"/>
+        <a:font script="Thai" typeface="Cordia New"/>
+        <a:font script="Ethi" typeface="Nyala"/>
+        <a:font script="Beng" typeface="Vrinda"/>
+        <a:font script="Gujr" typeface="Shruti"/>
+        <a:font script="Khmr" typeface="DaunPenh"/>
+        <a:font script="Knda" typeface="Tunga"/>
+        <a:font script="Guru" typeface="Raavi"/>
+        <a:font script="Cans" typeface="Euphemia"/>
+        <a:font script="Cher" typeface="Plantagenet Cherokee"/>
+        <a:font script="Yiii" typeface="Microsoft Yi Baiti"/>
+        <a:font script="Tibt" typeface="Microsoft Himalaya"/>
+        <a:font script="Thaa" typeface="MV Boli"/>
+        <a:font script="Deva" typeface="Mangal"/>
+        <a:font script="Telu" typeface="Gautami"/>
+        <a:font script="Taml" typeface="Latha"/>
+        <a:font script="Syrc" typeface="Estrangelo Edessa"/>
+        <a:font script="Orya" typeface="Kalinga"/>
+        <a:font script="Mlym" typeface="Kartika"/>
+        <a:font script="Laoo" typeface="DokChampa"/>
+        <a:font script="Sinh" typeface="Iskoola Pota"/>
+        <a:font script="Mong" typeface="Mongolian Baiti"/>
+        <a:font script="Viet" typeface="Arial"/>
+        <a:font script="Uigh" typeface="Microsoft Uighur"/>
+        <a:font script="Geor" typeface="Sylfaen"/>
+        <a:font script="Armn" typeface="Arial"/>
+        <a:font script="Bugi" typeface="Leelawadee UI"/>
+        <a:font script="Bopo" typeface="Microsoft JhengHei"/>
+        <a:font script="Java" typeface="Javanese Text"/>
+        <a:font script="Lisu" typeface="Segoe UI"/>
+        <a:font script="Mymr" typeface="Myanmar Text"/>
+        <a:font script="Nkoo" typeface="Ebrima"/>
+        <a:font script="Olck" typeface="Nirmala UI"/>
+        <a:font script="Osma" typeface="Ebrima"/>
+        <a:font script="Phag" typeface="Phagspa"/>
+        <a:font script="Syrn" typeface="Estrangelo Edessa"/>
+        <a:font script="Syrj" typeface="Estrangelo Edessa"/>
+        <a:font script="Syre" typeface="Estrangelo Edessa"/>
+        <a:font script="Sora" typeface="Nirmala UI"/>
+        <a:font script="Tale" typeface="Microsoft Tai Le"/>
+        <a:font script="Talu" typeface="Microsoft New Tai Lue"/>
+        <a:font script="Tfng" typeface="Ebrima"/>
+      </a:minorFont>
+    </a:fontScheme>
+    <a:fmtScheme name="Office">
+      <a:fillStyleLst>
+        <a:solidFill>
+          <a:schemeClr val="phClr"/>
+        </a:solidFill>
+        <a:gradFill rotWithShape="1">
+          <a:gsLst>
+            <a:gs pos="0">
+              <a:schemeClr val="phClr">
+                <a:lumMod val="110000"/>
+                <a:satMod val="105000"/>
+                <a:tint val="67000"/>
+              </a:schemeClr>
+            </a:gs>
+            <a:gs pos="50000">
+              <a:schemeClr val="phClr">
+                <a:lumMod val="105000"/>
+                <a:satMod val="103000"/>
+                <a:tint val="73000"/>
+              </a:schemeClr>
+            </a:gs>
+            <a:gs pos="100000">
+              <a:schemeClr val="phClr">
+                <a:lumMod val="105000"/>
+                <a:satMod val="109000"/>
+                <a:tint val="81000"/>
+              </a:schemeClr>
+            </a:gs>
+          </a:gsLst>
+          <a:lin ang="5400000" scaled="0"/>
+        </a:gradFill>
+        <a:gradFill rotWithShape="1">
+          <a:gsLst>
+            <a:gs pos="0">
+              <a:schemeClr val="phClr">
+                <a:satMod val="103000"/>
+                <a:lumMod val="102000"/>
+                <a:tint val="94000"/>
+              </a:schemeClr>
+            </a:gs>
+            <a:gs pos="50000">
+              <a:schemeClr val="phClr">
+                <a:satMod val="110000"/>
+                <a:lumMod val="100000"/>
+                <a:shade val="100000"/>
+              </a:schemeClr>
+            </a:gs>
+            <a:gs pos="100000">
+              <a:schemeClr val="phClr">
+                <a:lumMod val="99000"/>
+                <a:satMod val="120000"/>
+                <a:shade val="78000"/>
+              </a:schemeClr>
+            </a:gs>
+          </a:gsLst>
+          <a:lin ang="5400000" scaled="0"/>
+        </a:gradFill>
+      </a:fillStyleLst>
+      <a:lnStyleLst>
+        <a:ln w="12700" cap="flat" cmpd="sng" algn="ctr">
+          <a:solidFill>
+            <a:schemeClr val="phClr"/>
+          </a:solidFill>
+          <a:prstDash val="solid"/>
+          <a:miter lim="800000"/>
+        </a:ln>
+        <a:ln w="19050" cap="flat" cmpd="sng" algn="ctr">
+          <a:solidFill>
+            <a:schemeClr val="phClr"/>
+          </a:solidFill>
+          <a:prstDash val="solid"/>
+          <a:miter lim="800000"/>
+        </a:ln>
+        <a:ln w="25400" cap="flat" cmpd="sng" algn="ctr">
+          <a:solidFill>
+            <a:schemeClr val="phClr"/>
+          </a:solidFill>
+          <a:prstDash val="solid"/>
+          <a:miter lim="800000"/>
+        </a:ln>
+      </a:lnStyleLst>
+      <a:effectStyleLst>
+        <a:effectStyle>
+          <a:effectLst/>
+        </a:effectStyle>
+        <a:effectStyle>
+          <a:effectLst/>
+        </a:effectStyle>
+        <a:effectStyle>
+          <a:effectLst>
+            <a:outerShdw blurRad="57150" dist="19050" dir="5400000" algn="ctr" rotWithShape="0">
+              <a:srgbClr val="000000">
+                <a:alpha val="63000"/>
+              </a:srgbClr>
+            </a:outerShdw>
+          </a:effectLst>
+        </a:effectStyle>
+      </a:effectStyleLst>
+      <a:bgFillStyleLst>
+        <a:solidFill>
+          <a:schemeClr val="phClr"/>
+        </a:solidFill>
+        <a:solidFill>
+          <a:schemeClr val="phClr">
+            <a:tint val="95000"/>
+            <a:satMod val="170000"/>
+          </a:schemeClr>
+        </a:solidFill>
+        <a:gradFill rotWithShape="1">
+          <a:gsLst>
+            <a:gs pos="0">
+              <a:schemeClr val="phClr">
+                <a:tint val="93000"/>
+                <a:satMod val="150000"/>
+                <a:shade val="98000"/>
+                <a:lumMod val="102000"/>
+              </a:schemeClr>
+            </a:gs>
+            <a:gs pos="50000">
+              <a:schemeClr val="phClr">
+                <a:tint val="98000"/>
+                <a:satMod val="130000"/>
+                <a:shade val="90000"/>
+                <a:lumMod val="103000"/>
+              </a:schemeClr>
+            </a:gs>
+            <a:gs pos="100000">
+              <a:schemeClr val="phClr">
+                <a:shade val="63000"/>
+                <a:satMod val="120000"/>
+              </a:schemeClr>
+            </a:gs>
+          </a:gsLst>
+          <a:lin ang="5400000" scaled="0"/>
+        </a:gradFill>
+      </a:bgFillStyleLst>
+    </a:fmtScheme>
+  </a:themeElements>
+  <a:objectDefaults>
+    <a:lnDef>
+      <a:spPr/>
+      <a:bodyPr/>
+      <a:lstStyle/>
+      <a:style>
+        <a:lnRef idx="2">
+          <a:schemeClr val="accent1"/>
+        </a:lnRef>
+        <a:fillRef idx="0">
+          <a:schemeClr val="accent1"/>
+        </a:fillRef>
+        <a:effectRef idx="1">
+          <a:schemeClr val="accent1"/>
+        </a:effectRef>
+        <a:fontRef idx="minor">
+          <a:schemeClr val="tx1"/>
+        </a:fontRef>
+      </a:style>
+    </a:lnDef>
+  </a:objectDefaults>
+  <a:extraClrSchemeLst/>
+  <a:extLst>
+    <a:ext uri="{05A4C25C-085E-4340-85A3-A5531E510DB2}">
+      <thm15:themeFamily xmlns:thm15="http://schemas.microsoft.com/office/thememl/2012/main" name="Office Theme" id="{2E142A2C-CD16-42D6-873A-C26D2A0506FA}" vid="{1BDDFF52-6CD6-40A5-AB3C-68EB2F1E4D0A}"/>
+    </a:ext>
+  </a:extLst>
+</a:theme>
 </file>